--- a/FinalProject_worksheet.pptx
+++ b/FinalProject_worksheet.pptx
@@ -36,7 +36,7 @@
             <a:spLocks noGrp="1"/>
           </p:cNvSpPr>
           <p:nvPr>
-            <p:ph type="ftr" idx="2"/>
+            <p:ph type="ftr" idx="1"/>
           </p:nvPr>
         </p:nvSpPr>
         <p:spPr/>
@@ -56,14 +56,14 @@
             <a:spLocks noGrp="1"/>
           </p:cNvSpPr>
           <p:nvPr>
-            <p:ph type="sldNum" idx="3"/>
+            <p:ph type="sldNum" idx="2"/>
           </p:nvPr>
         </p:nvSpPr>
         <p:spPr/>
         <p:txBody>
           <a:bodyPr/>
           <a:p>
-            <a:fld id="{7DF484A9-83EF-458A-B9AB-A4B1AD7FAEFE}" type="slidenum">
+            <a:fld id="{C0042013-7C03-4036-9BF4-145F6B456082}" type="slidenum">
               <a:t>&lt;#&gt;</a:t>
             </a:fld>
           </a:p>
@@ -76,7 +76,7 @@
             <a:spLocks noGrp="1"/>
           </p:cNvSpPr>
           <p:nvPr>
-            <p:ph type="dt" idx="1"/>
+            <p:ph type="dt" idx="3"/>
           </p:nvPr>
         </p:nvSpPr>
         <p:spPr/>
@@ -124,8 +124,8 @@
         </p:nvSpPr>
         <p:spPr>
           <a:xfrm>
-            <a:off x="457200" y="152280"/>
-            <a:ext cx="8229240" cy="456840"/>
+            <a:off x="457200" y="68040"/>
+            <a:ext cx="8228880" cy="625320"/>
           </a:xfrm>
           <a:prstGeom prst="rect">
             <a:avLst/>
@@ -140,10 +140,10 @@
             <a:noAutofit/>
           </a:bodyPr>
           <a:p>
-            <a:endParaRPr b="0" lang="en-US" sz="3200" spc="-1" strike="noStrike">
-              <a:solidFill>
-                <a:srgbClr val="000000"/>
-              </a:solidFill>
+            <a:pPr algn="ctr">
+              <a:buNone/>
+            </a:pPr>
+            <a:endParaRPr b="0" lang="en-US" sz="4400" spc="-1" strike="noStrike">
               <a:latin typeface="Arial"/>
             </a:endParaRPr>
           </a:p>
@@ -177,11 +177,8 @@
             <a:normAutofit/>
           </a:bodyPr>
           <a:p>
-            <a:endParaRPr b="0" lang="en-US" sz="2800" spc="-1" strike="noStrike">
-              <a:solidFill>
-                <a:srgbClr val="000000"/>
-              </a:solidFill>
-              <a:latin typeface="Calibri"/>
+            <a:endParaRPr b="0" lang="en-US" sz="3200" spc="-1" strike="noStrike">
+              <a:latin typeface="Arial"/>
             </a:endParaRPr>
           </a:p>
         </p:txBody>
@@ -214,11 +211,8 @@
             <a:normAutofit/>
           </a:bodyPr>
           <a:p>
-            <a:endParaRPr b="0" lang="en-US" sz="2800" spc="-1" strike="noStrike">
-              <a:solidFill>
-                <a:srgbClr val="000000"/>
-              </a:solidFill>
-              <a:latin typeface="Calibri"/>
+            <a:endParaRPr b="0" lang="en-US" sz="3200" spc="-1" strike="noStrike">
+              <a:latin typeface="Arial"/>
             </a:endParaRPr>
           </a:p>
         </p:txBody>
@@ -230,7 +224,7 @@
             <a:spLocks noGrp="1"/>
           </p:cNvSpPr>
           <p:nvPr>
-            <p:ph type="ftr" idx="2"/>
+            <p:ph type="ftr" idx="1"/>
           </p:nvPr>
         </p:nvSpPr>
         <p:spPr/>
@@ -250,14 +244,14 @@
             <a:spLocks noGrp="1"/>
           </p:cNvSpPr>
           <p:nvPr>
-            <p:ph type="sldNum" idx="3"/>
+            <p:ph type="sldNum" idx="2"/>
           </p:nvPr>
         </p:nvSpPr>
         <p:spPr/>
         <p:txBody>
           <a:bodyPr/>
           <a:p>
-            <a:fld id="{4467E30C-F5FA-461F-97C0-812887B6C8B9}" type="slidenum">
+            <a:fld id="{23DF6C5F-A0F3-492D-8C1B-BC242CC2A370}" type="slidenum">
               <a:t>&lt;#&gt;</a:t>
             </a:fld>
           </a:p>
@@ -270,7 +264,7 @@
             <a:spLocks noGrp="1"/>
           </p:cNvSpPr>
           <p:nvPr>
-            <p:ph type="dt" idx="1"/>
+            <p:ph type="dt" idx="3"/>
           </p:nvPr>
         </p:nvSpPr>
         <p:spPr/>
@@ -318,8 +312,8 @@
         </p:nvSpPr>
         <p:spPr>
           <a:xfrm>
-            <a:off x="457200" y="152280"/>
-            <a:ext cx="8229240" cy="456840"/>
+            <a:off x="457200" y="68040"/>
+            <a:ext cx="8228880" cy="625320"/>
           </a:xfrm>
           <a:prstGeom prst="rect">
             <a:avLst/>
@@ -334,10 +328,10 @@
             <a:noAutofit/>
           </a:bodyPr>
           <a:p>
-            <a:endParaRPr b="0" lang="en-US" sz="3200" spc="-1" strike="noStrike">
-              <a:solidFill>
-                <a:srgbClr val="000000"/>
-              </a:solidFill>
+            <a:pPr algn="ctr">
+              <a:buNone/>
+            </a:pPr>
+            <a:endParaRPr b="0" lang="en-US" sz="4400" spc="-1" strike="noStrike">
               <a:latin typeface="Arial"/>
             </a:endParaRPr>
           </a:p>
@@ -371,11 +365,8 @@
             <a:normAutofit/>
           </a:bodyPr>
           <a:p>
-            <a:endParaRPr b="0" lang="en-US" sz="2800" spc="-1" strike="noStrike">
-              <a:solidFill>
-                <a:srgbClr val="000000"/>
-              </a:solidFill>
-              <a:latin typeface="Calibri"/>
+            <a:endParaRPr b="0" lang="en-US" sz="3200" spc="-1" strike="noStrike">
+              <a:latin typeface="Arial"/>
             </a:endParaRPr>
           </a:p>
         </p:txBody>
@@ -408,11 +399,8 @@
             <a:normAutofit/>
           </a:bodyPr>
           <a:p>
-            <a:endParaRPr b="0" lang="en-US" sz="2800" spc="-1" strike="noStrike">
-              <a:solidFill>
-                <a:srgbClr val="000000"/>
-              </a:solidFill>
-              <a:latin typeface="Calibri"/>
+            <a:endParaRPr b="0" lang="en-US" sz="3200" spc="-1" strike="noStrike">
+              <a:latin typeface="Arial"/>
             </a:endParaRPr>
           </a:p>
         </p:txBody>
@@ -445,11 +433,8 @@
             <a:normAutofit/>
           </a:bodyPr>
           <a:p>
-            <a:endParaRPr b="0" lang="en-US" sz="2800" spc="-1" strike="noStrike">
-              <a:solidFill>
-                <a:srgbClr val="000000"/>
-              </a:solidFill>
-              <a:latin typeface="Calibri"/>
+            <a:endParaRPr b="0" lang="en-US" sz="3200" spc="-1" strike="noStrike">
+              <a:latin typeface="Arial"/>
             </a:endParaRPr>
           </a:p>
         </p:txBody>
@@ -482,11 +467,8 @@
             <a:normAutofit/>
           </a:bodyPr>
           <a:p>
-            <a:endParaRPr b="0" lang="en-US" sz="2800" spc="-1" strike="noStrike">
-              <a:solidFill>
-                <a:srgbClr val="000000"/>
-              </a:solidFill>
-              <a:latin typeface="Calibri"/>
+            <a:endParaRPr b="0" lang="en-US" sz="3200" spc="-1" strike="noStrike">
+              <a:latin typeface="Arial"/>
             </a:endParaRPr>
           </a:p>
         </p:txBody>
@@ -498,7 +480,7 @@
             <a:spLocks noGrp="1"/>
           </p:cNvSpPr>
           <p:nvPr>
-            <p:ph type="ftr" idx="2"/>
+            <p:ph type="ftr" idx="1"/>
           </p:nvPr>
         </p:nvSpPr>
         <p:spPr/>
@@ -518,14 +500,14 @@
             <a:spLocks noGrp="1"/>
           </p:cNvSpPr>
           <p:nvPr>
-            <p:ph type="sldNum" idx="3"/>
+            <p:ph type="sldNum" idx="2"/>
           </p:nvPr>
         </p:nvSpPr>
         <p:spPr/>
         <p:txBody>
           <a:bodyPr/>
           <a:p>
-            <a:fld id="{36F5A6C7-C2E3-4790-9A1A-02030C2B4CFA}" type="slidenum">
+            <a:fld id="{563320E0-E353-4910-960D-9D3219C676A1}" type="slidenum">
               <a:t>&lt;#&gt;</a:t>
             </a:fld>
           </a:p>
@@ -538,7 +520,7 @@
             <a:spLocks noGrp="1"/>
           </p:cNvSpPr>
           <p:nvPr>
-            <p:ph type="dt" idx="1"/>
+            <p:ph type="dt" idx="3"/>
           </p:nvPr>
         </p:nvSpPr>
         <p:spPr/>
@@ -586,8 +568,8 @@
         </p:nvSpPr>
         <p:spPr>
           <a:xfrm>
-            <a:off x="457200" y="152280"/>
-            <a:ext cx="8229240" cy="456840"/>
+            <a:off x="457200" y="68040"/>
+            <a:ext cx="8228880" cy="625320"/>
           </a:xfrm>
           <a:prstGeom prst="rect">
             <a:avLst/>
@@ -602,10 +584,10 @@
             <a:noAutofit/>
           </a:bodyPr>
           <a:p>
-            <a:endParaRPr b="0" lang="en-US" sz="3200" spc="-1" strike="noStrike">
-              <a:solidFill>
-                <a:srgbClr val="000000"/>
-              </a:solidFill>
+            <a:pPr algn="ctr">
+              <a:buNone/>
+            </a:pPr>
+            <a:endParaRPr b="0" lang="en-US" sz="4400" spc="-1" strike="noStrike">
               <a:latin typeface="Arial"/>
             </a:endParaRPr>
           </a:p>
@@ -639,11 +621,8 @@
             <a:normAutofit/>
           </a:bodyPr>
           <a:p>
-            <a:endParaRPr b="0" lang="en-US" sz="2800" spc="-1" strike="noStrike">
-              <a:solidFill>
-                <a:srgbClr val="000000"/>
-              </a:solidFill>
-              <a:latin typeface="Calibri"/>
+            <a:endParaRPr b="0" lang="en-US" sz="3200" spc="-1" strike="noStrike">
+              <a:latin typeface="Arial"/>
             </a:endParaRPr>
           </a:p>
         </p:txBody>
@@ -676,11 +655,8 @@
             <a:normAutofit/>
           </a:bodyPr>
           <a:p>
-            <a:endParaRPr b="0" lang="en-US" sz="2800" spc="-1" strike="noStrike">
-              <a:solidFill>
-                <a:srgbClr val="000000"/>
-              </a:solidFill>
-              <a:latin typeface="Calibri"/>
+            <a:endParaRPr b="0" lang="en-US" sz="3200" spc="-1" strike="noStrike">
+              <a:latin typeface="Arial"/>
             </a:endParaRPr>
           </a:p>
         </p:txBody>
@@ -713,11 +689,8 @@
             <a:normAutofit/>
           </a:bodyPr>
           <a:p>
-            <a:endParaRPr b="0" lang="en-US" sz="2800" spc="-1" strike="noStrike">
-              <a:solidFill>
-                <a:srgbClr val="000000"/>
-              </a:solidFill>
-              <a:latin typeface="Calibri"/>
+            <a:endParaRPr b="0" lang="en-US" sz="3200" spc="-1" strike="noStrike">
+              <a:latin typeface="Arial"/>
             </a:endParaRPr>
           </a:p>
         </p:txBody>
@@ -750,11 +723,8 @@
             <a:normAutofit/>
           </a:bodyPr>
           <a:p>
-            <a:endParaRPr b="0" lang="en-US" sz="2800" spc="-1" strike="noStrike">
-              <a:solidFill>
-                <a:srgbClr val="000000"/>
-              </a:solidFill>
-              <a:latin typeface="Calibri"/>
+            <a:endParaRPr b="0" lang="en-US" sz="3200" spc="-1" strike="noStrike">
+              <a:latin typeface="Arial"/>
             </a:endParaRPr>
           </a:p>
         </p:txBody>
@@ -787,11 +757,8 @@
             <a:normAutofit/>
           </a:bodyPr>
           <a:p>
-            <a:endParaRPr b="0" lang="en-US" sz="2800" spc="-1" strike="noStrike">
-              <a:solidFill>
-                <a:srgbClr val="000000"/>
-              </a:solidFill>
-              <a:latin typeface="Calibri"/>
+            <a:endParaRPr b="0" lang="en-US" sz="3200" spc="-1" strike="noStrike">
+              <a:latin typeface="Arial"/>
             </a:endParaRPr>
           </a:p>
         </p:txBody>
@@ -824,11 +791,8 @@
             <a:normAutofit/>
           </a:bodyPr>
           <a:p>
-            <a:endParaRPr b="0" lang="en-US" sz="2800" spc="-1" strike="noStrike">
-              <a:solidFill>
-                <a:srgbClr val="000000"/>
-              </a:solidFill>
-              <a:latin typeface="Calibri"/>
+            <a:endParaRPr b="0" lang="en-US" sz="3200" spc="-1" strike="noStrike">
+              <a:latin typeface="Arial"/>
             </a:endParaRPr>
           </a:p>
         </p:txBody>
@@ -840,7 +804,7 @@
             <a:spLocks noGrp="1"/>
           </p:cNvSpPr>
           <p:nvPr>
-            <p:ph type="ftr" idx="2"/>
+            <p:ph type="ftr" idx="1"/>
           </p:nvPr>
         </p:nvSpPr>
         <p:spPr/>
@@ -860,14 +824,14 @@
             <a:spLocks noGrp="1"/>
           </p:cNvSpPr>
           <p:nvPr>
-            <p:ph type="sldNum" idx="3"/>
+            <p:ph type="sldNum" idx="2"/>
           </p:nvPr>
         </p:nvSpPr>
         <p:spPr/>
         <p:txBody>
           <a:bodyPr/>
           <a:p>
-            <a:fld id="{23F86416-EBCD-4ECB-B0FE-4CEB9174A631}" type="slidenum">
+            <a:fld id="{5E3F9F19-100F-4EC0-A8EB-ABCE190796C8}" type="slidenum">
               <a:t>&lt;#&gt;</a:t>
             </a:fld>
           </a:p>
@@ -880,7 +844,7 @@
             <a:spLocks noGrp="1"/>
           </p:cNvSpPr>
           <p:nvPr>
-            <p:ph type="dt" idx="1"/>
+            <p:ph type="dt" idx="3"/>
           </p:nvPr>
         </p:nvSpPr>
         <p:spPr/>
@@ -928,8 +892,8 @@
         </p:nvSpPr>
         <p:spPr>
           <a:xfrm>
-            <a:off x="457200" y="152280"/>
-            <a:ext cx="8229240" cy="456840"/>
+            <a:off x="457200" y="68040"/>
+            <a:ext cx="8228880" cy="625320"/>
           </a:xfrm>
           <a:prstGeom prst="rect">
             <a:avLst/>
@@ -944,10 +908,10 @@
             <a:noAutofit/>
           </a:bodyPr>
           <a:p>
-            <a:endParaRPr b="0" lang="en-US" sz="3200" spc="-1" strike="noStrike">
-              <a:solidFill>
-                <a:srgbClr val="000000"/>
-              </a:solidFill>
+            <a:pPr algn="ctr">
+              <a:buNone/>
+            </a:pPr>
+            <a:endParaRPr b="0" lang="en-US" sz="4400" spc="-1" strike="noStrike">
               <a:latin typeface="Arial"/>
             </a:endParaRPr>
           </a:p>
@@ -997,7 +961,7 @@
             <a:spLocks noGrp="1"/>
           </p:cNvSpPr>
           <p:nvPr>
-            <p:ph type="ftr" idx="2"/>
+            <p:ph type="ftr" idx="1"/>
           </p:nvPr>
         </p:nvSpPr>
         <p:spPr/>
@@ -1017,14 +981,14 @@
             <a:spLocks noGrp="1"/>
           </p:cNvSpPr>
           <p:nvPr>
-            <p:ph type="sldNum" idx="3"/>
+            <p:ph type="sldNum" idx="2"/>
           </p:nvPr>
         </p:nvSpPr>
         <p:spPr/>
         <p:txBody>
           <a:bodyPr/>
           <a:p>
-            <a:fld id="{9081E8C9-D5A6-411B-AD2C-F22B14EE8161}" type="slidenum">
+            <a:fld id="{9E7664B6-3E17-410D-B180-71D494D10F88}" type="slidenum">
               <a:t>&lt;#&gt;</a:t>
             </a:fld>
           </a:p>
@@ -1037,7 +1001,7 @@
             <a:spLocks noGrp="1"/>
           </p:cNvSpPr>
           <p:nvPr>
-            <p:ph type="dt" idx="1"/>
+            <p:ph type="dt" idx="3"/>
           </p:nvPr>
         </p:nvSpPr>
         <p:spPr/>
@@ -1085,8 +1049,8 @@
         </p:nvSpPr>
         <p:spPr>
           <a:xfrm>
-            <a:off x="457200" y="152280"/>
-            <a:ext cx="8229240" cy="456840"/>
+            <a:off x="457200" y="68040"/>
+            <a:ext cx="8228880" cy="625320"/>
           </a:xfrm>
           <a:prstGeom prst="rect">
             <a:avLst/>
@@ -1101,10 +1065,10 @@
             <a:noAutofit/>
           </a:bodyPr>
           <a:p>
-            <a:endParaRPr b="0" lang="en-US" sz="3200" spc="-1" strike="noStrike">
-              <a:solidFill>
-                <a:srgbClr val="000000"/>
-              </a:solidFill>
+            <a:pPr algn="ctr">
+              <a:buNone/>
+            </a:pPr>
+            <a:endParaRPr b="0" lang="en-US" sz="4400" spc="-1" strike="noStrike">
               <a:latin typeface="Arial"/>
             </a:endParaRPr>
           </a:p>
@@ -1138,11 +1102,8 @@
             <a:normAutofit/>
           </a:bodyPr>
           <a:p>
-            <a:endParaRPr b="0" lang="en-US" sz="2800" spc="-1" strike="noStrike">
-              <a:solidFill>
-                <a:srgbClr val="000000"/>
-              </a:solidFill>
-              <a:latin typeface="Calibri"/>
+            <a:endParaRPr b="0" lang="en-US" sz="3200" spc="-1" strike="noStrike">
+              <a:latin typeface="Arial"/>
             </a:endParaRPr>
           </a:p>
         </p:txBody>
@@ -1154,7 +1115,7 @@
             <a:spLocks noGrp="1"/>
           </p:cNvSpPr>
           <p:nvPr>
-            <p:ph type="ftr" idx="2"/>
+            <p:ph type="ftr" idx="1"/>
           </p:nvPr>
         </p:nvSpPr>
         <p:spPr/>
@@ -1174,14 +1135,14 @@
             <a:spLocks noGrp="1"/>
           </p:cNvSpPr>
           <p:nvPr>
-            <p:ph type="sldNum" idx="3"/>
+            <p:ph type="sldNum" idx="2"/>
           </p:nvPr>
         </p:nvSpPr>
         <p:spPr/>
         <p:txBody>
           <a:bodyPr/>
           <a:p>
-            <a:fld id="{1DA13826-7737-4ED0-A21B-BF2C0ADA4E15}" type="slidenum">
+            <a:fld id="{CAF167E3-A7C2-4731-B6C0-D21F31F2C960}" type="slidenum">
               <a:t>&lt;#&gt;</a:t>
             </a:fld>
           </a:p>
@@ -1194,7 +1155,7 @@
             <a:spLocks noGrp="1"/>
           </p:cNvSpPr>
           <p:nvPr>
-            <p:ph type="dt" idx="1"/>
+            <p:ph type="dt" idx="3"/>
           </p:nvPr>
         </p:nvSpPr>
         <p:spPr/>
@@ -1242,8 +1203,8 @@
         </p:nvSpPr>
         <p:spPr>
           <a:xfrm>
-            <a:off x="457200" y="152280"/>
-            <a:ext cx="8229240" cy="456840"/>
+            <a:off x="457200" y="68040"/>
+            <a:ext cx="8228880" cy="625320"/>
           </a:xfrm>
           <a:prstGeom prst="rect">
             <a:avLst/>
@@ -1258,10 +1219,10 @@
             <a:noAutofit/>
           </a:bodyPr>
           <a:p>
-            <a:endParaRPr b="0" lang="en-US" sz="3200" spc="-1" strike="noStrike">
-              <a:solidFill>
-                <a:srgbClr val="000000"/>
-              </a:solidFill>
+            <a:pPr algn="ctr">
+              <a:buNone/>
+            </a:pPr>
+            <a:endParaRPr b="0" lang="en-US" sz="4400" spc="-1" strike="noStrike">
               <a:latin typeface="Arial"/>
             </a:endParaRPr>
           </a:p>
@@ -1295,11 +1256,8 @@
             <a:normAutofit/>
           </a:bodyPr>
           <a:p>
-            <a:endParaRPr b="0" lang="en-US" sz="2800" spc="-1" strike="noStrike">
-              <a:solidFill>
-                <a:srgbClr val="000000"/>
-              </a:solidFill>
-              <a:latin typeface="Calibri"/>
+            <a:endParaRPr b="0" lang="en-US" sz="3200" spc="-1" strike="noStrike">
+              <a:latin typeface="Arial"/>
             </a:endParaRPr>
           </a:p>
         </p:txBody>
@@ -1332,11 +1290,8 @@
             <a:normAutofit/>
           </a:bodyPr>
           <a:p>
-            <a:endParaRPr b="0" lang="en-US" sz="2800" spc="-1" strike="noStrike">
-              <a:solidFill>
-                <a:srgbClr val="000000"/>
-              </a:solidFill>
-              <a:latin typeface="Calibri"/>
+            <a:endParaRPr b="0" lang="en-US" sz="3200" spc="-1" strike="noStrike">
+              <a:latin typeface="Arial"/>
             </a:endParaRPr>
           </a:p>
         </p:txBody>
@@ -1348,7 +1303,7 @@
             <a:spLocks noGrp="1"/>
           </p:cNvSpPr>
           <p:nvPr>
-            <p:ph type="ftr" idx="2"/>
+            <p:ph type="ftr" idx="1"/>
           </p:nvPr>
         </p:nvSpPr>
         <p:spPr/>
@@ -1368,14 +1323,14 @@
             <a:spLocks noGrp="1"/>
           </p:cNvSpPr>
           <p:nvPr>
-            <p:ph type="sldNum" idx="3"/>
+            <p:ph type="sldNum" idx="2"/>
           </p:nvPr>
         </p:nvSpPr>
         <p:spPr/>
         <p:txBody>
           <a:bodyPr/>
           <a:p>
-            <a:fld id="{99323288-3632-4D34-81A3-6FE5BAF36A45}" type="slidenum">
+            <a:fld id="{10B1FBB5-6220-4FE6-897E-4DE9A77B4C48}" type="slidenum">
               <a:t>&lt;#&gt;</a:t>
             </a:fld>
           </a:p>
@@ -1388,7 +1343,7 @@
             <a:spLocks noGrp="1"/>
           </p:cNvSpPr>
           <p:nvPr>
-            <p:ph type="dt" idx="1"/>
+            <p:ph type="dt" idx="3"/>
           </p:nvPr>
         </p:nvSpPr>
         <p:spPr/>
@@ -1436,8 +1391,8 @@
         </p:nvSpPr>
         <p:spPr>
           <a:xfrm>
-            <a:off x="457200" y="152280"/>
-            <a:ext cx="8229240" cy="456840"/>
+            <a:off x="457200" y="68040"/>
+            <a:ext cx="8228880" cy="625320"/>
           </a:xfrm>
           <a:prstGeom prst="rect">
             <a:avLst/>
@@ -1452,10 +1407,10 @@
             <a:noAutofit/>
           </a:bodyPr>
           <a:p>
-            <a:endParaRPr b="0" lang="en-US" sz="3200" spc="-1" strike="noStrike">
-              <a:solidFill>
-                <a:srgbClr val="000000"/>
-              </a:solidFill>
+            <a:pPr algn="ctr">
+              <a:buNone/>
+            </a:pPr>
+            <a:endParaRPr b="0" lang="en-US" sz="4400" spc="-1" strike="noStrike">
               <a:latin typeface="Arial"/>
             </a:endParaRPr>
           </a:p>
@@ -1468,7 +1423,7 @@
             <a:spLocks noGrp="1"/>
           </p:cNvSpPr>
           <p:nvPr>
-            <p:ph type="ftr" idx="2"/>
+            <p:ph type="ftr" idx="1"/>
           </p:nvPr>
         </p:nvSpPr>
         <p:spPr/>
@@ -1488,14 +1443,14 @@
             <a:spLocks noGrp="1"/>
           </p:cNvSpPr>
           <p:nvPr>
-            <p:ph type="sldNum" idx="3"/>
+            <p:ph type="sldNum" idx="2"/>
           </p:nvPr>
         </p:nvSpPr>
         <p:spPr/>
         <p:txBody>
           <a:bodyPr/>
           <a:p>
-            <a:fld id="{15FAC047-7615-4F48-813C-8B11419228BE}" type="slidenum">
+            <a:fld id="{029A3AB0-AFC5-41FE-898F-F686B99CAC22}" type="slidenum">
               <a:t>&lt;#&gt;</a:t>
             </a:fld>
           </a:p>
@@ -1508,7 +1463,7 @@
             <a:spLocks noGrp="1"/>
           </p:cNvSpPr>
           <p:nvPr>
-            <p:ph type="dt" idx="1"/>
+            <p:ph type="dt" idx="3"/>
           </p:nvPr>
         </p:nvSpPr>
         <p:spPr/>
@@ -1557,7 +1512,7 @@
         <p:spPr>
           <a:xfrm>
             <a:off x="457200" y="152280"/>
-            <a:ext cx="8229240" cy="2118960"/>
+            <a:ext cx="8228880" cy="2117160"/>
           </a:xfrm>
           <a:prstGeom prst="rect">
             <a:avLst/>
@@ -1588,7 +1543,7 @@
             <a:spLocks noGrp="1"/>
           </p:cNvSpPr>
           <p:nvPr>
-            <p:ph type="ftr" idx="2"/>
+            <p:ph type="ftr" idx="1"/>
           </p:nvPr>
         </p:nvSpPr>
         <p:spPr/>
@@ -1608,14 +1563,14 @@
             <a:spLocks noGrp="1"/>
           </p:cNvSpPr>
           <p:nvPr>
-            <p:ph type="sldNum" idx="3"/>
+            <p:ph type="sldNum" idx="2"/>
           </p:nvPr>
         </p:nvSpPr>
         <p:spPr/>
         <p:txBody>
           <a:bodyPr/>
           <a:p>
-            <a:fld id="{DC8416AF-D8FC-4721-8929-72207E196387}" type="slidenum">
+            <a:fld id="{C7A564DF-C7B6-4CE9-AC6E-B6488FC55781}" type="slidenum">
               <a:t>&lt;#&gt;</a:t>
             </a:fld>
           </a:p>
@@ -1628,7 +1583,7 @@
             <a:spLocks noGrp="1"/>
           </p:cNvSpPr>
           <p:nvPr>
-            <p:ph type="dt" idx="1"/>
+            <p:ph type="dt" idx="3"/>
           </p:nvPr>
         </p:nvSpPr>
         <p:spPr/>
@@ -1676,8 +1631,8 @@
         </p:nvSpPr>
         <p:spPr>
           <a:xfrm>
-            <a:off x="457200" y="152280"/>
-            <a:ext cx="8229240" cy="456840"/>
+            <a:off x="457200" y="68040"/>
+            <a:ext cx="8228880" cy="625320"/>
           </a:xfrm>
           <a:prstGeom prst="rect">
             <a:avLst/>
@@ -1692,10 +1647,10 @@
             <a:noAutofit/>
           </a:bodyPr>
           <a:p>
-            <a:endParaRPr b="0" lang="en-US" sz="3200" spc="-1" strike="noStrike">
-              <a:solidFill>
-                <a:srgbClr val="000000"/>
-              </a:solidFill>
+            <a:pPr algn="ctr">
+              <a:buNone/>
+            </a:pPr>
+            <a:endParaRPr b="0" lang="en-US" sz="4400" spc="-1" strike="noStrike">
               <a:latin typeface="Arial"/>
             </a:endParaRPr>
           </a:p>
@@ -1729,11 +1684,8 @@
             <a:normAutofit/>
           </a:bodyPr>
           <a:p>
-            <a:endParaRPr b="0" lang="en-US" sz="2800" spc="-1" strike="noStrike">
-              <a:solidFill>
-                <a:srgbClr val="000000"/>
-              </a:solidFill>
-              <a:latin typeface="Calibri"/>
+            <a:endParaRPr b="0" lang="en-US" sz="3200" spc="-1" strike="noStrike">
+              <a:latin typeface="Arial"/>
             </a:endParaRPr>
           </a:p>
         </p:txBody>
@@ -1766,11 +1718,8 @@
             <a:normAutofit/>
           </a:bodyPr>
           <a:p>
-            <a:endParaRPr b="0" lang="en-US" sz="2800" spc="-1" strike="noStrike">
-              <a:solidFill>
-                <a:srgbClr val="000000"/>
-              </a:solidFill>
-              <a:latin typeface="Calibri"/>
+            <a:endParaRPr b="0" lang="en-US" sz="3200" spc="-1" strike="noStrike">
+              <a:latin typeface="Arial"/>
             </a:endParaRPr>
           </a:p>
         </p:txBody>
@@ -1803,11 +1752,8 @@
             <a:normAutofit/>
           </a:bodyPr>
           <a:p>
-            <a:endParaRPr b="0" lang="en-US" sz="2800" spc="-1" strike="noStrike">
-              <a:solidFill>
-                <a:srgbClr val="000000"/>
-              </a:solidFill>
-              <a:latin typeface="Calibri"/>
+            <a:endParaRPr b="0" lang="en-US" sz="3200" spc="-1" strike="noStrike">
+              <a:latin typeface="Arial"/>
             </a:endParaRPr>
           </a:p>
         </p:txBody>
@@ -1819,7 +1765,7 @@
             <a:spLocks noGrp="1"/>
           </p:cNvSpPr>
           <p:nvPr>
-            <p:ph type="ftr" idx="2"/>
+            <p:ph type="ftr" idx="1"/>
           </p:nvPr>
         </p:nvSpPr>
         <p:spPr/>
@@ -1839,14 +1785,14 @@
             <a:spLocks noGrp="1"/>
           </p:cNvSpPr>
           <p:nvPr>
-            <p:ph type="sldNum" idx="3"/>
+            <p:ph type="sldNum" idx="2"/>
           </p:nvPr>
         </p:nvSpPr>
         <p:spPr/>
         <p:txBody>
           <a:bodyPr/>
           <a:p>
-            <a:fld id="{51C0B324-88B4-4435-A27A-F2C4FA7AA20A}" type="slidenum">
+            <a:fld id="{B7F30694-F9A1-4EBB-8CD5-C18E77428111}" type="slidenum">
               <a:t>&lt;#&gt;</a:t>
             </a:fld>
           </a:p>
@@ -1859,7 +1805,7 @@
             <a:spLocks noGrp="1"/>
           </p:cNvSpPr>
           <p:nvPr>
-            <p:ph type="dt" idx="1"/>
+            <p:ph type="dt" idx="3"/>
           </p:nvPr>
         </p:nvSpPr>
         <p:spPr/>
@@ -1907,8 +1853,8 @@
         </p:nvSpPr>
         <p:spPr>
           <a:xfrm>
-            <a:off x="457200" y="152280"/>
-            <a:ext cx="8229240" cy="456840"/>
+            <a:off x="457200" y="68040"/>
+            <a:ext cx="8228880" cy="625320"/>
           </a:xfrm>
           <a:prstGeom prst="rect">
             <a:avLst/>
@@ -1923,10 +1869,10 @@
             <a:noAutofit/>
           </a:bodyPr>
           <a:p>
-            <a:endParaRPr b="0" lang="en-US" sz="3200" spc="-1" strike="noStrike">
-              <a:solidFill>
-                <a:srgbClr val="000000"/>
-              </a:solidFill>
+            <a:pPr algn="ctr">
+              <a:buNone/>
+            </a:pPr>
+            <a:endParaRPr b="0" lang="en-US" sz="4400" spc="-1" strike="noStrike">
               <a:latin typeface="Arial"/>
             </a:endParaRPr>
           </a:p>
@@ -1960,11 +1906,8 @@
             <a:normAutofit/>
           </a:bodyPr>
           <a:p>
-            <a:endParaRPr b="0" lang="en-US" sz="2800" spc="-1" strike="noStrike">
-              <a:solidFill>
-                <a:srgbClr val="000000"/>
-              </a:solidFill>
-              <a:latin typeface="Calibri"/>
+            <a:endParaRPr b="0" lang="en-US" sz="3200" spc="-1" strike="noStrike">
+              <a:latin typeface="Arial"/>
             </a:endParaRPr>
           </a:p>
         </p:txBody>
@@ -1997,11 +1940,8 @@
             <a:normAutofit/>
           </a:bodyPr>
           <a:p>
-            <a:endParaRPr b="0" lang="en-US" sz="2800" spc="-1" strike="noStrike">
-              <a:solidFill>
-                <a:srgbClr val="000000"/>
-              </a:solidFill>
-              <a:latin typeface="Calibri"/>
+            <a:endParaRPr b="0" lang="en-US" sz="3200" spc="-1" strike="noStrike">
+              <a:latin typeface="Arial"/>
             </a:endParaRPr>
           </a:p>
         </p:txBody>
@@ -2034,11 +1974,8 @@
             <a:normAutofit/>
           </a:bodyPr>
           <a:p>
-            <a:endParaRPr b="0" lang="en-US" sz="2800" spc="-1" strike="noStrike">
-              <a:solidFill>
-                <a:srgbClr val="000000"/>
-              </a:solidFill>
-              <a:latin typeface="Calibri"/>
+            <a:endParaRPr b="0" lang="en-US" sz="3200" spc="-1" strike="noStrike">
+              <a:latin typeface="Arial"/>
             </a:endParaRPr>
           </a:p>
         </p:txBody>
@@ -2050,7 +1987,7 @@
             <a:spLocks noGrp="1"/>
           </p:cNvSpPr>
           <p:nvPr>
-            <p:ph type="ftr" idx="2"/>
+            <p:ph type="ftr" idx="1"/>
           </p:nvPr>
         </p:nvSpPr>
         <p:spPr/>
@@ -2070,14 +2007,14 @@
             <a:spLocks noGrp="1"/>
           </p:cNvSpPr>
           <p:nvPr>
-            <p:ph type="sldNum" idx="3"/>
+            <p:ph type="sldNum" idx="2"/>
           </p:nvPr>
         </p:nvSpPr>
         <p:spPr/>
         <p:txBody>
           <a:bodyPr/>
           <a:p>
-            <a:fld id="{4875358A-AFDD-4616-B238-DF57F31EF741}" type="slidenum">
+            <a:fld id="{B96BC401-2FF9-4E57-B039-41B269582E9A}" type="slidenum">
               <a:t>&lt;#&gt;</a:t>
             </a:fld>
           </a:p>
@@ -2090,7 +2027,7 @@
             <a:spLocks noGrp="1"/>
           </p:cNvSpPr>
           <p:nvPr>
-            <p:ph type="dt" idx="1"/>
+            <p:ph type="dt" idx="3"/>
           </p:nvPr>
         </p:nvSpPr>
         <p:spPr/>
@@ -2138,8 +2075,8 @@
         </p:nvSpPr>
         <p:spPr>
           <a:xfrm>
-            <a:off x="457200" y="152280"/>
-            <a:ext cx="8229240" cy="456840"/>
+            <a:off x="457200" y="68040"/>
+            <a:ext cx="8228880" cy="625320"/>
           </a:xfrm>
           <a:prstGeom prst="rect">
             <a:avLst/>
@@ -2154,10 +2091,10 @@
             <a:noAutofit/>
           </a:bodyPr>
           <a:p>
-            <a:endParaRPr b="0" lang="en-US" sz="3200" spc="-1" strike="noStrike">
-              <a:solidFill>
-                <a:srgbClr val="000000"/>
-              </a:solidFill>
+            <a:pPr algn="ctr">
+              <a:buNone/>
+            </a:pPr>
+            <a:endParaRPr b="0" lang="en-US" sz="4400" spc="-1" strike="noStrike">
               <a:latin typeface="Arial"/>
             </a:endParaRPr>
           </a:p>
@@ -2191,11 +2128,8 @@
             <a:normAutofit/>
           </a:bodyPr>
           <a:p>
-            <a:endParaRPr b="0" lang="en-US" sz="2800" spc="-1" strike="noStrike">
-              <a:solidFill>
-                <a:srgbClr val="000000"/>
-              </a:solidFill>
-              <a:latin typeface="Calibri"/>
+            <a:endParaRPr b="0" lang="en-US" sz="3200" spc="-1" strike="noStrike">
+              <a:latin typeface="Arial"/>
             </a:endParaRPr>
           </a:p>
         </p:txBody>
@@ -2228,11 +2162,8 @@
             <a:normAutofit/>
           </a:bodyPr>
           <a:p>
-            <a:endParaRPr b="0" lang="en-US" sz="2800" spc="-1" strike="noStrike">
-              <a:solidFill>
-                <a:srgbClr val="000000"/>
-              </a:solidFill>
-              <a:latin typeface="Calibri"/>
+            <a:endParaRPr b="0" lang="en-US" sz="3200" spc="-1" strike="noStrike">
+              <a:latin typeface="Arial"/>
             </a:endParaRPr>
           </a:p>
         </p:txBody>
@@ -2265,11 +2196,8 @@
             <a:normAutofit/>
           </a:bodyPr>
           <a:p>
-            <a:endParaRPr b="0" lang="en-US" sz="2800" spc="-1" strike="noStrike">
-              <a:solidFill>
-                <a:srgbClr val="000000"/>
-              </a:solidFill>
-              <a:latin typeface="Calibri"/>
+            <a:endParaRPr b="0" lang="en-US" sz="3200" spc="-1" strike="noStrike">
+              <a:latin typeface="Arial"/>
             </a:endParaRPr>
           </a:p>
         </p:txBody>
@@ -2281,7 +2209,7 @@
             <a:spLocks noGrp="1"/>
           </p:cNvSpPr>
           <p:nvPr>
-            <p:ph type="ftr" idx="2"/>
+            <p:ph type="ftr" idx="1"/>
           </p:nvPr>
         </p:nvSpPr>
         <p:spPr/>
@@ -2301,14 +2229,14 @@
             <a:spLocks noGrp="1"/>
           </p:cNvSpPr>
           <p:nvPr>
-            <p:ph type="sldNum" idx="3"/>
+            <p:ph type="sldNum" idx="2"/>
           </p:nvPr>
         </p:nvSpPr>
         <p:spPr/>
         <p:txBody>
           <a:bodyPr/>
           <a:p>
-            <a:fld id="{027B3C5C-B1D3-4CF4-9323-D11948E993B8}" type="slidenum">
+            <a:fld id="{210CD24A-54E9-4841-A762-EACFC0C3BB40}" type="slidenum">
               <a:t>&lt;#&gt;</a:t>
             </a:fld>
           </a:p>
@@ -2321,7 +2249,7 @@
             <a:spLocks noGrp="1"/>
           </p:cNvSpPr>
           <p:nvPr>
-            <p:ph type="dt" idx="1"/>
+            <p:ph type="dt" idx="3"/>
           </p:nvPr>
         </p:nvSpPr>
         <p:spPr/>
@@ -2377,7 +2305,47 @@
         <p:spPr>
           <a:xfrm>
             <a:off x="457200" y="152280"/>
-            <a:ext cx="8229240" cy="456840"/>
+            <a:ext cx="8228880" cy="456480"/>
+          </a:xfrm>
+          <a:prstGeom prst="rect">
+            <a:avLst/>
+          </a:prstGeom>
+          <a:noFill/>
+          <a:ln w="0">
+            <a:noFill/>
+          </a:ln>
+        </p:spPr>
+        <p:txBody>
+          <a:bodyPr numCol="1" spcCol="0" lIns="0" rIns="0" tIns="0" bIns="0" anchor="ctr">
+            <a:noAutofit/>
+          </a:bodyPr>
+          <a:p>
+            <a:r>
+              <a:rPr b="0" lang="en-US" sz="1800" spc="-1" strike="noStrike">
+                <a:latin typeface="Arial"/>
+              </a:rPr>
+              <a:t>Click to edit the title text format</a:t>
+            </a:r>
+            <a:endParaRPr b="0" lang="en-US" sz="1800" spc="-1" strike="noStrike">
+              <a:latin typeface="Arial"/>
+            </a:endParaRPr>
+          </a:p>
+        </p:txBody>
+      </p:sp>
+      <p:sp>
+        <p:nvSpPr>
+          <p:cNvPr id="1" name="PlaceHolder 2"/>
+          <p:cNvSpPr>
+            <a:spLocks noGrp="1"/>
+          </p:cNvSpPr>
+          <p:nvPr>
+            <p:ph type="ftr" idx="1"/>
+          </p:nvPr>
+        </p:nvSpPr>
+        <p:spPr>
+          <a:xfrm>
+            <a:off x="3124080" y="6245280"/>
+            <a:ext cx="2894760" cy="475560"/>
           </a:xfrm>
           <a:prstGeom prst="rect">
             <a:avLst/>
@@ -2388,110 +2356,14 @@
           </a:ln>
         </p:spPr>
         <p:txBody>
-          <a:bodyPr numCol="1" spcCol="0" anchor="ctr">
+          <a:bodyPr numCol="1" spcCol="0" lIns="90000" rIns="90000" tIns="45000" bIns="45000" anchor="t">
             <a:noAutofit/>
           </a:bodyPr>
-          <a:p>
-            <a:pPr algn="ctr">
+          <a:lstStyle>
+            <a:lvl1pPr algn="ctr">
               <a:lnSpc>
                 <a:spcPct val="100000"/>
               </a:lnSpc>
-              <a:buNone/>
-            </a:pPr>
-            <a:r>
-              <a:rPr b="0" lang="en-US" sz="3200" spc="-1" strike="noStrike">
-                <a:solidFill>
-                  <a:srgbClr val="000000"/>
-                </a:solidFill>
-                <a:latin typeface="Calibri"/>
-              </a:rPr>
-              <a:t>Click to edit Master title style</a:t>
-            </a:r>
-            <a:endParaRPr b="0" lang="en-US" sz="3200" spc="-1" strike="noStrike">
-              <a:solidFill>
-                <a:srgbClr val="000000"/>
-              </a:solidFill>
-              <a:latin typeface="Arial"/>
-            </a:endParaRPr>
-          </a:p>
-        </p:txBody>
-      </p:sp>
-      <p:sp>
-        <p:nvSpPr>
-          <p:cNvPr id="1" name="PlaceHolder 2"/>
-          <p:cNvSpPr>
-            <a:spLocks noGrp="1"/>
-          </p:cNvSpPr>
-          <p:nvPr>
-            <p:ph type="dt" idx="1"/>
-          </p:nvPr>
-        </p:nvSpPr>
-        <p:spPr>
-          <a:xfrm>
-            <a:off x="457200" y="6245280"/>
-            <a:ext cx="2133360" cy="475920"/>
-          </a:xfrm>
-          <a:prstGeom prst="rect">
-            <a:avLst/>
-          </a:prstGeom>
-          <a:noFill/>
-          <a:ln w="9360">
-            <a:noFill/>
-          </a:ln>
-        </p:spPr>
-        <p:txBody>
-          <a:bodyPr numCol="1" spcCol="0" anchor="t">
-            <a:noAutofit/>
-          </a:bodyPr>
-          <a:lstStyle>
-            <a:lvl1pPr>
-              <a:defRPr b="0" lang="en-US" sz="1400" spc="-1" strike="noStrike">
-                <a:latin typeface="Times New Roman"/>
-              </a:defRPr>
-            </a:lvl1pPr>
-          </a:lstStyle>
-          <a:p>
-            <a:r>
-              <a:rPr b="0" lang="en-US" sz="1400" spc="-1" strike="noStrike">
-                <a:latin typeface="Times New Roman"/>
-              </a:rPr>
-              <a:t>&lt;date/time&gt;</a:t>
-            </a:r>
-            <a:endParaRPr b="0" lang="en-US" sz="1400" spc="-1" strike="noStrike">
-              <a:latin typeface="Times New Roman"/>
-            </a:endParaRPr>
-          </a:p>
-        </p:txBody>
-      </p:sp>
-      <p:sp>
-        <p:nvSpPr>
-          <p:cNvPr id="2" name="PlaceHolder 3"/>
-          <p:cNvSpPr>
-            <a:spLocks noGrp="1"/>
-          </p:cNvSpPr>
-          <p:nvPr>
-            <p:ph type="ftr" idx="2"/>
-          </p:nvPr>
-        </p:nvSpPr>
-        <p:spPr>
-          <a:xfrm>
-            <a:off x="3124080" y="6245280"/>
-            <a:ext cx="2895120" cy="475920"/>
-          </a:xfrm>
-          <a:prstGeom prst="rect">
-            <a:avLst/>
-          </a:prstGeom>
-          <a:noFill/>
-          <a:ln w="9360">
-            <a:noFill/>
-          </a:ln>
-        </p:spPr>
-        <p:txBody>
-          <a:bodyPr numCol="1" spcCol="0" anchor="t">
-            <a:noAutofit/>
-          </a:bodyPr>
-          <a:lstStyle>
-            <a:lvl1pPr algn="ctr">
               <a:buNone/>
               <a:defRPr b="0" lang="en-US" sz="1400" spc="-1" strike="noStrike">
                 <a:latin typeface="Times New Roman"/>
@@ -2500,6 +2372,9 @@
           </a:lstStyle>
           <a:p>
             <a:pPr algn="ctr">
+              <a:lnSpc>
+                <a:spcPct val="100000"/>
+              </a:lnSpc>
               <a:buNone/>
             </a:pPr>
             <a:r>
@@ -2516,18 +2391,18 @@
       </p:sp>
       <p:sp>
         <p:nvSpPr>
-          <p:cNvPr id="3" name="PlaceHolder 4"/>
-          <p:cNvSpPr>
-            <a:spLocks noGrp="1"/>
-          </p:cNvSpPr>
-          <p:nvPr>
-            <p:ph type="sldNum" idx="3"/>
+          <p:cNvPr id="2" name="PlaceHolder 3"/>
+          <p:cNvSpPr>
+            <a:spLocks noGrp="1"/>
+          </p:cNvSpPr>
+          <p:nvPr>
+            <p:ph type="sldNum" idx="2"/>
           </p:nvPr>
         </p:nvSpPr>
         <p:spPr>
           <a:xfrm>
             <a:off x="6553080" y="6245280"/>
-            <a:ext cx="2133360" cy="475920"/>
+            <a:ext cx="2133000" cy="475560"/>
           </a:xfrm>
           <a:prstGeom prst="rect">
             <a:avLst/>
@@ -2538,7 +2413,7 @@
           </a:ln>
         </p:spPr>
         <p:txBody>
-          <a:bodyPr numCol="1" spcCol="0" anchor="t">
+          <a:bodyPr numCol="1" spcCol="0" lIns="90000" rIns="90000" tIns="45000" bIns="45000" anchor="t">
             <a:noAutofit/>
           </a:bodyPr>
           <a:lstStyle>
@@ -2562,7 +2437,7 @@
               </a:lnSpc>
               <a:buNone/>
             </a:pPr>
-            <a:fld id="{310EDE66-8B5C-43E5-9AF8-DA654A97A206}" type="slidenum">
+            <a:fld id="{7EDD5E94-431F-4B83-8476-FAF23F7A61F0}" type="slidenum">
               <a:rPr b="0" lang="en-US" sz="1400" spc="-1" strike="noStrike">
                 <a:solidFill>
                   <a:srgbClr val="000000"/>
@@ -2579,6 +2454,53 @@
       </p:sp>
       <p:sp>
         <p:nvSpPr>
+          <p:cNvPr id="3" name="PlaceHolder 4"/>
+          <p:cNvSpPr>
+            <a:spLocks noGrp="1"/>
+          </p:cNvSpPr>
+          <p:nvPr>
+            <p:ph type="dt" idx="3"/>
+          </p:nvPr>
+        </p:nvSpPr>
+        <p:spPr>
+          <a:xfrm>
+            <a:off x="457200" y="6245280"/>
+            <a:ext cx="2133000" cy="475560"/>
+          </a:xfrm>
+          <a:prstGeom prst="rect">
+            <a:avLst/>
+          </a:prstGeom>
+          <a:noFill/>
+          <a:ln w="9360">
+            <a:noFill/>
+          </a:ln>
+        </p:spPr>
+        <p:txBody>
+          <a:bodyPr numCol="1" spcCol="0" lIns="90000" rIns="90000" tIns="45000" bIns="45000" anchor="t">
+            <a:noAutofit/>
+          </a:bodyPr>
+          <a:lstStyle>
+            <a:lvl1pPr>
+              <a:defRPr b="0" lang="en-US" sz="1400" spc="-1" strike="noStrike">
+                <a:latin typeface="Times New Roman"/>
+              </a:defRPr>
+            </a:lvl1pPr>
+          </a:lstStyle>
+          <a:p>
+            <a:r>
+              <a:rPr b="0" lang="en-US" sz="1400" spc="-1" strike="noStrike">
+                <a:latin typeface="Times New Roman"/>
+              </a:rPr>
+              <a:t>&lt;date/time&gt;</a:t>
+            </a:r>
+            <a:endParaRPr b="0" lang="en-US" sz="1400" spc="-1" strike="noStrike">
+              <a:latin typeface="Times New Roman"/>
+            </a:endParaRPr>
+          </a:p>
+        </p:txBody>
+      </p:sp>
+      <p:sp>
+        <p:nvSpPr>
           <p:cNvPr id="4" name="PlaceHolder 5"/>
           <p:cNvSpPr>
             <a:spLocks noGrp="1"/>
@@ -2617,19 +2539,13 @@
               <a:buChar char=""/>
             </a:pPr>
             <a:r>
-              <a:rPr b="0" lang="en-US" sz="2800" spc="-1" strike="noStrike">
-                <a:solidFill>
-                  <a:srgbClr val="000000"/>
-                </a:solidFill>
-                <a:latin typeface="Calibri"/>
+              <a:rPr b="0" lang="en-US" sz="3200" spc="-1" strike="noStrike">
+                <a:latin typeface="Arial"/>
               </a:rPr>
               <a:t>Click to edit the outline text format</a:t>
             </a:r>
-            <a:endParaRPr b="0" lang="en-US" sz="2800" spc="-1" strike="noStrike">
-              <a:solidFill>
-                <a:srgbClr val="000000"/>
-              </a:solidFill>
-              <a:latin typeface="Calibri"/>
+            <a:endParaRPr b="0" lang="en-US" sz="3200" spc="-1" strike="noStrike">
+              <a:latin typeface="Arial"/>
             </a:endParaRPr>
           </a:p>
           <a:p>
@@ -2645,19 +2561,13 @@
               <a:buChar char=""/>
             </a:pPr>
             <a:r>
-              <a:rPr b="0" lang="en-US" sz="2400" spc="-1" strike="noStrike">
-                <a:solidFill>
-                  <a:srgbClr val="000000"/>
-                </a:solidFill>
-                <a:latin typeface="Calibri"/>
+              <a:rPr b="0" lang="en-US" sz="2800" spc="-1" strike="noStrike">
+                <a:latin typeface="Arial"/>
               </a:rPr>
               <a:t>Second Outline Level</a:t>
             </a:r>
-            <a:endParaRPr b="0" lang="en-US" sz="2400" spc="-1" strike="noStrike">
-              <a:solidFill>
-                <a:srgbClr val="000000"/>
-              </a:solidFill>
-              <a:latin typeface="Calibri"/>
+            <a:endParaRPr b="0" lang="en-US" sz="2800" spc="-1" strike="noStrike">
+              <a:latin typeface="Arial"/>
             </a:endParaRPr>
           </a:p>
           <a:p>
@@ -2673,19 +2583,13 @@
               <a:buChar char=""/>
             </a:pPr>
             <a:r>
-              <a:rPr b="0" lang="en-US" sz="2000" spc="-1" strike="noStrike">
-                <a:solidFill>
-                  <a:srgbClr val="000000"/>
-                </a:solidFill>
-                <a:latin typeface="Calibri"/>
+              <a:rPr b="0" lang="en-US" sz="2400" spc="-1" strike="noStrike">
+                <a:latin typeface="Arial"/>
               </a:rPr>
               <a:t>Third Outline Level</a:t>
             </a:r>
-            <a:endParaRPr b="0" lang="en-US" sz="2000" spc="-1" strike="noStrike">
-              <a:solidFill>
-                <a:srgbClr val="000000"/>
-              </a:solidFill>
-              <a:latin typeface="Calibri"/>
+            <a:endParaRPr b="0" lang="en-US" sz="2400" spc="-1" strike="noStrike">
+              <a:latin typeface="Arial"/>
             </a:endParaRPr>
           </a:p>
           <a:p>
@@ -2702,18 +2606,12 @@
             </a:pPr>
             <a:r>
               <a:rPr b="0" lang="en-US" sz="2000" spc="-1" strike="noStrike">
-                <a:solidFill>
-                  <a:srgbClr val="000000"/>
-                </a:solidFill>
-                <a:latin typeface="Calibri"/>
+                <a:latin typeface="Arial"/>
               </a:rPr>
               <a:t>Fourth Outline Level</a:t>
             </a:r>
             <a:endParaRPr b="0" lang="en-US" sz="2000" spc="-1" strike="noStrike">
-              <a:solidFill>
-                <a:srgbClr val="000000"/>
-              </a:solidFill>
-              <a:latin typeface="Calibri"/>
+              <a:latin typeface="Arial"/>
             </a:endParaRPr>
           </a:p>
           <a:p>
@@ -2730,18 +2628,12 @@
             </a:pPr>
             <a:r>
               <a:rPr b="0" lang="en-US" sz="2000" spc="-1" strike="noStrike">
-                <a:solidFill>
-                  <a:srgbClr val="000000"/>
-                </a:solidFill>
-                <a:latin typeface="Calibri"/>
+                <a:latin typeface="Arial"/>
               </a:rPr>
               <a:t>Fifth Outline Level</a:t>
             </a:r>
             <a:endParaRPr b="0" lang="en-US" sz="2000" spc="-1" strike="noStrike">
-              <a:solidFill>
-                <a:srgbClr val="000000"/>
-              </a:solidFill>
-              <a:latin typeface="Calibri"/>
+              <a:latin typeface="Arial"/>
             </a:endParaRPr>
           </a:p>
           <a:p>
@@ -2758,18 +2650,12 @@
             </a:pPr>
             <a:r>
               <a:rPr b="0" lang="en-US" sz="2000" spc="-1" strike="noStrike">
-                <a:solidFill>
-                  <a:srgbClr val="000000"/>
-                </a:solidFill>
-                <a:latin typeface="Calibri"/>
+                <a:latin typeface="Arial"/>
               </a:rPr>
               <a:t>Sixth Outline Level</a:t>
             </a:r>
             <a:endParaRPr b="0" lang="en-US" sz="2000" spc="-1" strike="noStrike">
-              <a:solidFill>
-                <a:srgbClr val="000000"/>
-              </a:solidFill>
-              <a:latin typeface="Calibri"/>
+              <a:latin typeface="Arial"/>
             </a:endParaRPr>
           </a:p>
           <a:p>
@@ -2786,18 +2672,12 @@
             </a:pPr>
             <a:r>
               <a:rPr b="0" lang="en-US" sz="2000" spc="-1" strike="noStrike">
-                <a:solidFill>
-                  <a:srgbClr val="000000"/>
-                </a:solidFill>
-                <a:latin typeface="Calibri"/>
+                <a:latin typeface="Arial"/>
               </a:rPr>
               <a:t>Seventh Outline Level</a:t>
             </a:r>
             <a:endParaRPr b="0" lang="en-US" sz="2000" spc="-1" strike="noStrike">
-              <a:solidFill>
-                <a:srgbClr val="000000"/>
-              </a:solidFill>
-              <a:latin typeface="Calibri"/>
+              <a:latin typeface="Arial"/>
             </a:endParaRPr>
           </a:p>
         </p:txBody>
@@ -2852,7 +2732,7 @@
         <p:spPr>
           <a:xfrm>
             <a:off x="457200" y="152280"/>
-            <a:ext cx="8229240" cy="456840"/>
+            <a:ext cx="8228880" cy="456480"/>
           </a:xfrm>
           <a:prstGeom prst="rect">
             <a:avLst/>
@@ -2866,7 +2746,7 @@
           </a:ln>
         </p:spPr>
         <p:txBody>
-          <a:bodyPr numCol="1" spcCol="0" anchor="ctr">
+          <a:bodyPr numCol="1" spcCol="0" lIns="0" rIns="0" tIns="0" bIns="0" anchor="ctr">
             <a:noAutofit/>
           </a:bodyPr>
           <a:p>
@@ -2898,9 +2778,6 @@
               <a:t>Project Title (tentative): PCS Housing Dashboard</a:t>
             </a:r>
             <a:endParaRPr b="0" lang="en-US" sz="1200" spc="-1" strike="noStrike">
-              <a:solidFill>
-                <a:srgbClr val="000000"/>
-              </a:solidFill>
               <a:latin typeface="Arial"/>
             </a:endParaRPr>
           </a:p>
@@ -2948,6 +2825,7 @@
                   <a:srgbClr val="000000"/>
                 </a:solidFill>
                 <a:latin typeface="Calibri"/>
+                <a:ea typeface="DejaVu Sans"/>
               </a:rPr>
               <a:t>Data Curation</a:t>
             </a:r>
@@ -2999,6 +2877,7 @@
                   <a:srgbClr val="000000"/>
                 </a:solidFill>
                 <a:latin typeface="Calibri"/>
+                <a:ea typeface="DejaVu Sans"/>
               </a:rPr>
               <a:t>Computation</a:t>
             </a:r>
@@ -3050,6 +2929,7 @@
                   <a:srgbClr val="000000"/>
                 </a:solidFill>
                 <a:latin typeface="Calibri"/>
+                <a:ea typeface="DejaVu Sans"/>
               </a:rPr>
               <a:t>Results</a:t>
             </a:r>
@@ -3101,6 +2981,7 @@
                   <a:srgbClr val="000000"/>
                 </a:solidFill>
                 <a:latin typeface="Calibri"/>
+                <a:ea typeface="DejaVu Sans"/>
               </a:rPr>
               <a:t>Problem Description</a:t>
             </a:r>
@@ -3119,7 +3000,7 @@
         <p:spPr>
           <a:xfrm>
             <a:off x="2882160" y="3685680"/>
-            <a:ext cx="460440" cy="1113480"/>
+            <a:ext cx="460080" cy="1113120"/>
           </a:xfrm>
           <a:prstGeom prst="rightArrow">
             <a:avLst>
@@ -3161,7 +3042,7 @@
         <p:spPr>
           <a:xfrm>
             <a:off x="5916240" y="3666240"/>
-            <a:ext cx="460440" cy="1113480"/>
+            <a:ext cx="460080" cy="1113120"/>
           </a:xfrm>
           <a:prstGeom prst="rightArrow">
             <a:avLst>
@@ -3203,7 +3084,7 @@
         <p:spPr>
           <a:xfrm>
             <a:off x="403920" y="932760"/>
-            <a:ext cx="8489520" cy="1113480"/>
+            <a:ext cx="8489160" cy="1113120"/>
           </a:xfrm>
           <a:prstGeom prst="rect">
             <a:avLst/>
@@ -3255,8 +3136,19 @@
                   <a:srgbClr val="000000"/>
                 </a:solidFill>
                 <a:latin typeface="Calibri"/>
+                <a:ea typeface="DejaVu Sans"/>
               </a:rPr>
               <a:t> </a:t>
+            </a:r>
+            <a:r>
+              <a:rPr b="0" lang="en-US" sz="1000" spc="-1" strike="noStrike">
+                <a:solidFill>
+                  <a:srgbClr val="000000"/>
+                </a:solidFill>
+                <a:latin typeface="Calibri"/>
+                <a:ea typeface="DejaVu Sans"/>
+              </a:rPr>
+              <a:t>Decision support tool to assist with selecting potential housing areas of interest prior to PCS to a new duty station.</a:t>
             </a:r>
             <a:endParaRPr b="0" lang="en-US" sz="1000" spc="-1" strike="noStrike">
               <a:latin typeface="Arial"/>
@@ -3279,8 +3171,19 @@
                   <a:srgbClr val="000000"/>
                 </a:solidFill>
                 <a:latin typeface="Calibri"/>
+                <a:ea typeface="DejaVu Sans"/>
               </a:rPr>
               <a:t> </a:t>
+            </a:r>
+            <a:r>
+              <a:rPr b="0" lang="en-US" sz="1000" spc="-1" strike="noStrike">
+                <a:solidFill>
+                  <a:srgbClr val="000000"/>
+                </a:solidFill>
+                <a:latin typeface="Calibri"/>
+                <a:ea typeface="DejaVu Sans"/>
+              </a:rPr>
+              <a:t>Every service member could leverage the dashboard following notification of PCS orders to narrow potential neighborhoods to search for listings.</a:t>
             </a:r>
             <a:endParaRPr b="0" lang="en-US" sz="1000" spc="-1" strike="noStrike">
               <a:latin typeface="Arial"/>
@@ -3303,8 +3206,19 @@
                   <a:srgbClr val="000000"/>
                 </a:solidFill>
                 <a:latin typeface="Calibri"/>
+                <a:ea typeface="DejaVu Sans"/>
               </a:rPr>
               <a:t> </a:t>
+            </a:r>
+            <a:r>
+              <a:rPr b="0" lang="en-US" sz="1000" spc="-1" strike="noStrike">
+                <a:solidFill>
+                  <a:srgbClr val="000000"/>
+                </a:solidFill>
+                <a:latin typeface="Calibri"/>
+                <a:ea typeface="DejaVu Sans"/>
+              </a:rPr>
+              <a:t>Success would be generation of 3-4 potential neighborhood areas based on subjective weights of 5 different attributes input by the user.</a:t>
             </a:r>
             <a:endParaRPr b="0" lang="en-US" sz="1000" spc="-1" strike="noStrike">
               <a:latin typeface="Arial"/>
@@ -3332,7 +3246,7 @@
         <p:spPr>
           <a:xfrm>
             <a:off x="403920" y="2430360"/>
-            <a:ext cx="2401200" cy="3302640"/>
+            <a:ext cx="2400840" cy="3302280"/>
           </a:xfrm>
           <a:prstGeom prst="rect">
             <a:avLst/>
@@ -3384,6 +3298,7 @@
                   <a:srgbClr val="000000"/>
                 </a:solidFill>
                 <a:latin typeface="Calibri"/>
+                <a:ea typeface="DejaVu Sans"/>
               </a:rPr>
               <a:t>add bullets as necessary</a:t>
             </a:r>
@@ -3408,6 +3323,7 @@
                   <a:srgbClr val="000000"/>
                 </a:solidFill>
                 <a:latin typeface="Calibri"/>
+                <a:ea typeface="DejaVu Sans"/>
               </a:rPr>
               <a:t> </a:t>
             </a:r>
@@ -3432,6 +3348,7 @@
                   <a:srgbClr val="000000"/>
                 </a:solidFill>
                 <a:latin typeface="Calibri"/>
+                <a:ea typeface="DejaVu Sans"/>
               </a:rPr>
               <a:t> </a:t>
             </a:r>
@@ -3450,7 +3367,7 @@
         <p:spPr>
           <a:xfrm>
             <a:off x="3346920" y="2430360"/>
-            <a:ext cx="2565720" cy="3302640"/>
+            <a:ext cx="2565360" cy="3302280"/>
           </a:xfrm>
           <a:prstGeom prst="rect">
             <a:avLst/>
@@ -3502,6 +3419,7 @@
                   <a:srgbClr val="000000"/>
                 </a:solidFill>
                 <a:latin typeface="Calibri"/>
+                <a:ea typeface="DejaVu Sans"/>
               </a:rPr>
               <a:t> </a:t>
             </a:r>
@@ -3526,6 +3444,7 @@
                   <a:srgbClr val="000000"/>
                 </a:solidFill>
                 <a:latin typeface="Calibri"/>
+                <a:ea typeface="DejaVu Sans"/>
               </a:rPr>
               <a:t> </a:t>
             </a:r>
@@ -3550,8 +3469,19 @@
                   <a:srgbClr val="000000"/>
                 </a:solidFill>
                 <a:latin typeface="Calibri"/>
+                <a:ea typeface="DejaVu Sans"/>
               </a:rPr>
               <a:t> </a:t>
+            </a:r>
+            <a:r>
+              <a:rPr b="0" lang="en-US" sz="1000" spc="-1" strike="noStrike">
+                <a:solidFill>
+                  <a:srgbClr val="000000"/>
+                </a:solidFill>
+                <a:latin typeface="Calibri"/>
+                <a:ea typeface="DejaVu Sans"/>
+              </a:rPr>
+              <a:t>Coordination/collaboration conducted via GitHub repository</a:t>
             </a:r>
             <a:endParaRPr b="0" lang="en-US" sz="1000" spc="-1" strike="noStrike">
               <a:latin typeface="Arial"/>
@@ -3568,7 +3498,7 @@
         <p:spPr>
           <a:xfrm>
             <a:off x="6492240" y="2421720"/>
-            <a:ext cx="2401200" cy="3302640"/>
+            <a:ext cx="2400840" cy="3302280"/>
           </a:xfrm>
           <a:prstGeom prst="rect">
             <a:avLst/>
@@ -3620,8 +3550,19 @@
                   <a:srgbClr val="000000"/>
                 </a:solidFill>
                 <a:latin typeface="Calibri"/>
+                <a:ea typeface="DejaVu Sans"/>
               </a:rPr>
               <a:t> </a:t>
+            </a:r>
+            <a:r>
+              <a:rPr b="0" lang="en-US" sz="1000" spc="-1" strike="noStrike">
+                <a:solidFill>
+                  <a:srgbClr val="000000"/>
+                </a:solidFill>
+                <a:latin typeface="Calibri"/>
+                <a:ea typeface="DejaVu Sans"/>
+              </a:rPr>
+              <a:t>Presented via layers on open street map in a dashboard format</a:t>
             </a:r>
             <a:endParaRPr b="0" lang="en-US" sz="1000" spc="-1" strike="noStrike">
               <a:latin typeface="Arial"/>
@@ -3644,6 +3585,7 @@
                   <a:srgbClr val="000000"/>
                 </a:solidFill>
                 <a:latin typeface="Calibri"/>
+                <a:ea typeface="DejaVu Sans"/>
               </a:rPr>
               <a:t> </a:t>
             </a:r>
@@ -3668,6 +3610,7 @@
                   <a:srgbClr val="000000"/>
                 </a:solidFill>
                 <a:latin typeface="Calibri"/>
+                <a:ea typeface="DejaVu Sans"/>
               </a:rPr>
               <a:t> </a:t>
             </a:r>
@@ -3686,7 +3629,7 @@
         <p:spPr>
           <a:xfrm>
             <a:off x="193680" y="6051960"/>
-            <a:ext cx="8795520" cy="625680"/>
+            <a:ext cx="8795160" cy="625320"/>
           </a:xfrm>
           <a:prstGeom prst="rect">
             <a:avLst/>
@@ -3734,6 +3677,7 @@
                   <a:srgbClr val="000000"/>
                 </a:solidFill>
                 <a:latin typeface="Calibri"/>
+                <a:ea typeface="DejaVu Sans"/>
               </a:rPr>
               <a:t>In what area(s) will you explore something new, along (at least) one of these three elements? Git version control, openstreetmap package</a:t>
             </a:r>

--- a/FinalProject_worksheet.pptx
+++ b/FinalProject_worksheet.pptx
@@ -63,7 +63,7 @@
         <p:txBody>
           <a:bodyPr/>
           <a:p>
-            <a:fld id="{C0042013-7C03-4036-9BF4-145F6B456082}" type="slidenum">
+            <a:fld id="{BB351608-A869-428A-A7F7-BD7095E36C5E}" type="slidenum">
               <a:t>&lt;#&gt;</a:t>
             </a:fld>
           </a:p>
@@ -114,7 +114,7 @@
       </p:grpSpPr>
       <p:sp>
         <p:nvSpPr>
-          <p:cNvPr id="26" name="PlaceHolder 1"/>
+          <p:cNvPr id="25" name="PlaceHolder 1"/>
           <p:cNvSpPr>
             <a:spLocks noGrp="1"/>
           </p:cNvSpPr>
@@ -125,7 +125,7 @@
         <p:spPr>
           <a:xfrm>
             <a:off x="457200" y="68040"/>
-            <a:ext cx="8228880" cy="625320"/>
+            <a:ext cx="8228520" cy="625320"/>
           </a:xfrm>
           <a:prstGeom prst="rect">
             <a:avLst/>
@@ -151,7 +151,7 @@
       </p:sp>
       <p:sp>
         <p:nvSpPr>
-          <p:cNvPr id="27" name="PlaceHolder 2"/>
+          <p:cNvPr id="26" name="PlaceHolder 2"/>
           <p:cNvSpPr>
             <a:spLocks noGrp="1"/>
           </p:cNvSpPr>
@@ -185,7 +185,7 @@
       </p:sp>
       <p:sp>
         <p:nvSpPr>
-          <p:cNvPr id="28" name="PlaceHolder 3"/>
+          <p:cNvPr id="27" name="PlaceHolder 3"/>
           <p:cNvSpPr>
             <a:spLocks noGrp="1"/>
           </p:cNvSpPr>
@@ -251,7 +251,7 @@
         <p:txBody>
           <a:bodyPr/>
           <a:p>
-            <a:fld id="{23DF6C5F-A0F3-492D-8C1B-BC242CC2A370}" type="slidenum">
+            <a:fld id="{AB687DBE-1F2A-4606-9613-D8AA13498FD8}" type="slidenum">
               <a:t>&lt;#&gt;</a:t>
             </a:fld>
           </a:p>
@@ -302,7 +302,7 @@
       </p:grpSpPr>
       <p:sp>
         <p:nvSpPr>
-          <p:cNvPr id="29" name="PlaceHolder 1"/>
+          <p:cNvPr id="28" name="PlaceHolder 1"/>
           <p:cNvSpPr>
             <a:spLocks noGrp="1"/>
           </p:cNvSpPr>
@@ -313,7 +313,7 @@
         <p:spPr>
           <a:xfrm>
             <a:off x="457200" y="68040"/>
-            <a:ext cx="8228880" cy="625320"/>
+            <a:ext cx="8228520" cy="625320"/>
           </a:xfrm>
           <a:prstGeom prst="rect">
             <a:avLst/>
@@ -339,7 +339,7 @@
       </p:sp>
       <p:sp>
         <p:nvSpPr>
-          <p:cNvPr id="30" name="PlaceHolder 2"/>
+          <p:cNvPr id="29" name="PlaceHolder 2"/>
           <p:cNvSpPr>
             <a:spLocks noGrp="1"/>
           </p:cNvSpPr>
@@ -373,7 +373,7 @@
       </p:sp>
       <p:sp>
         <p:nvSpPr>
-          <p:cNvPr id="31" name="PlaceHolder 3"/>
+          <p:cNvPr id="30" name="PlaceHolder 3"/>
           <p:cNvSpPr>
             <a:spLocks noGrp="1"/>
           </p:cNvSpPr>
@@ -407,7 +407,7 @@
       </p:sp>
       <p:sp>
         <p:nvSpPr>
-          <p:cNvPr id="32" name="PlaceHolder 4"/>
+          <p:cNvPr id="31" name="PlaceHolder 4"/>
           <p:cNvSpPr>
             <a:spLocks noGrp="1"/>
           </p:cNvSpPr>
@@ -441,7 +441,7 @@
       </p:sp>
       <p:sp>
         <p:nvSpPr>
-          <p:cNvPr id="33" name="PlaceHolder 5"/>
+          <p:cNvPr id="32" name="PlaceHolder 5"/>
           <p:cNvSpPr>
             <a:spLocks noGrp="1"/>
           </p:cNvSpPr>
@@ -507,7 +507,7 @@
         <p:txBody>
           <a:bodyPr/>
           <a:p>
-            <a:fld id="{563320E0-E353-4910-960D-9D3219C676A1}" type="slidenum">
+            <a:fld id="{05FFADDA-001B-4CAB-9F7B-A907886696E0}" type="slidenum">
               <a:t>&lt;#&gt;</a:t>
             </a:fld>
           </a:p>
@@ -558,7 +558,7 @@
       </p:grpSpPr>
       <p:sp>
         <p:nvSpPr>
-          <p:cNvPr id="34" name="PlaceHolder 1"/>
+          <p:cNvPr id="33" name="PlaceHolder 1"/>
           <p:cNvSpPr>
             <a:spLocks noGrp="1"/>
           </p:cNvSpPr>
@@ -569,7 +569,7 @@
         <p:spPr>
           <a:xfrm>
             <a:off x="457200" y="68040"/>
-            <a:ext cx="8228880" cy="625320"/>
+            <a:ext cx="8228520" cy="625320"/>
           </a:xfrm>
           <a:prstGeom prst="rect">
             <a:avLst/>
@@ -595,7 +595,7 @@
       </p:sp>
       <p:sp>
         <p:nvSpPr>
-          <p:cNvPr id="35" name="PlaceHolder 2"/>
+          <p:cNvPr id="34" name="PlaceHolder 2"/>
           <p:cNvSpPr>
             <a:spLocks noGrp="1"/>
           </p:cNvSpPr>
@@ -629,7 +629,7 @@
       </p:sp>
       <p:sp>
         <p:nvSpPr>
-          <p:cNvPr id="36" name="PlaceHolder 3"/>
+          <p:cNvPr id="35" name="PlaceHolder 3"/>
           <p:cNvSpPr>
             <a:spLocks noGrp="1"/>
           </p:cNvSpPr>
@@ -663,7 +663,7 @@
       </p:sp>
       <p:sp>
         <p:nvSpPr>
-          <p:cNvPr id="37" name="PlaceHolder 4"/>
+          <p:cNvPr id="36" name="PlaceHolder 4"/>
           <p:cNvSpPr>
             <a:spLocks noGrp="1"/>
           </p:cNvSpPr>
@@ -697,7 +697,7 @@
       </p:sp>
       <p:sp>
         <p:nvSpPr>
-          <p:cNvPr id="38" name="PlaceHolder 5"/>
+          <p:cNvPr id="37" name="PlaceHolder 5"/>
           <p:cNvSpPr>
             <a:spLocks noGrp="1"/>
           </p:cNvSpPr>
@@ -731,7 +731,7 @@
       </p:sp>
       <p:sp>
         <p:nvSpPr>
-          <p:cNvPr id="39" name="PlaceHolder 6"/>
+          <p:cNvPr id="38" name="PlaceHolder 6"/>
           <p:cNvSpPr>
             <a:spLocks noGrp="1"/>
           </p:cNvSpPr>
@@ -765,7 +765,7 @@
       </p:sp>
       <p:sp>
         <p:nvSpPr>
-          <p:cNvPr id="40" name="PlaceHolder 7"/>
+          <p:cNvPr id="39" name="PlaceHolder 7"/>
           <p:cNvSpPr>
             <a:spLocks noGrp="1"/>
           </p:cNvSpPr>
@@ -831,7 +831,7 @@
         <p:txBody>
           <a:bodyPr/>
           <a:p>
-            <a:fld id="{5E3F9F19-100F-4EC0-A8EB-ABCE190796C8}" type="slidenum">
+            <a:fld id="{BF12ED20-A82F-401F-BD3D-FD50E77E1134}" type="slidenum">
               <a:t>&lt;#&gt;</a:t>
             </a:fld>
           </a:p>
@@ -882,7 +882,7 @@
       </p:grpSpPr>
       <p:sp>
         <p:nvSpPr>
-          <p:cNvPr id="5" name="PlaceHolder 1"/>
+          <p:cNvPr id="4" name="PlaceHolder 1"/>
           <p:cNvSpPr>
             <a:spLocks noGrp="1"/>
           </p:cNvSpPr>
@@ -893,7 +893,7 @@
         <p:spPr>
           <a:xfrm>
             <a:off x="457200" y="68040"/>
-            <a:ext cx="8228880" cy="625320"/>
+            <a:ext cx="8228520" cy="625320"/>
           </a:xfrm>
           <a:prstGeom prst="rect">
             <a:avLst/>
@@ -919,7 +919,7 @@
       </p:sp>
       <p:sp>
         <p:nvSpPr>
-          <p:cNvPr id="6" name="PlaceHolder 2"/>
+          <p:cNvPr id="5" name="PlaceHolder 2"/>
           <p:cNvSpPr>
             <a:spLocks noGrp="1"/>
           </p:cNvSpPr>
@@ -988,7 +988,7 @@
         <p:txBody>
           <a:bodyPr/>
           <a:p>
-            <a:fld id="{9E7664B6-3E17-410D-B180-71D494D10F88}" type="slidenum">
+            <a:fld id="{6F22170B-6D84-44F2-8645-A109E09D3A66}" type="slidenum">
               <a:t>&lt;#&gt;</a:t>
             </a:fld>
           </a:p>
@@ -1039,7 +1039,7 @@
       </p:grpSpPr>
       <p:sp>
         <p:nvSpPr>
-          <p:cNvPr id="7" name="PlaceHolder 1"/>
+          <p:cNvPr id="6" name="PlaceHolder 1"/>
           <p:cNvSpPr>
             <a:spLocks noGrp="1"/>
           </p:cNvSpPr>
@@ -1050,7 +1050,7 @@
         <p:spPr>
           <a:xfrm>
             <a:off x="457200" y="68040"/>
-            <a:ext cx="8228880" cy="625320"/>
+            <a:ext cx="8228520" cy="625320"/>
           </a:xfrm>
           <a:prstGeom prst="rect">
             <a:avLst/>
@@ -1076,7 +1076,7 @@
       </p:sp>
       <p:sp>
         <p:nvSpPr>
-          <p:cNvPr id="8" name="PlaceHolder 2"/>
+          <p:cNvPr id="7" name="PlaceHolder 2"/>
           <p:cNvSpPr>
             <a:spLocks noGrp="1"/>
           </p:cNvSpPr>
@@ -1142,7 +1142,7 @@
         <p:txBody>
           <a:bodyPr/>
           <a:p>
-            <a:fld id="{CAF167E3-A7C2-4731-B6C0-D21F31F2C960}" type="slidenum">
+            <a:fld id="{BB179AD0-F41A-4B66-B407-8A8A7062EB31}" type="slidenum">
               <a:t>&lt;#&gt;</a:t>
             </a:fld>
           </a:p>
@@ -1193,7 +1193,7 @@
       </p:grpSpPr>
       <p:sp>
         <p:nvSpPr>
-          <p:cNvPr id="9" name="PlaceHolder 1"/>
+          <p:cNvPr id="8" name="PlaceHolder 1"/>
           <p:cNvSpPr>
             <a:spLocks noGrp="1"/>
           </p:cNvSpPr>
@@ -1204,7 +1204,7 @@
         <p:spPr>
           <a:xfrm>
             <a:off x="457200" y="68040"/>
-            <a:ext cx="8228880" cy="625320"/>
+            <a:ext cx="8228520" cy="625320"/>
           </a:xfrm>
           <a:prstGeom prst="rect">
             <a:avLst/>
@@ -1230,7 +1230,7 @@
       </p:sp>
       <p:sp>
         <p:nvSpPr>
-          <p:cNvPr id="10" name="PlaceHolder 2"/>
+          <p:cNvPr id="9" name="PlaceHolder 2"/>
           <p:cNvSpPr>
             <a:spLocks noGrp="1"/>
           </p:cNvSpPr>
@@ -1264,7 +1264,7 @@
       </p:sp>
       <p:sp>
         <p:nvSpPr>
-          <p:cNvPr id="11" name="PlaceHolder 3"/>
+          <p:cNvPr id="10" name="PlaceHolder 3"/>
           <p:cNvSpPr>
             <a:spLocks noGrp="1"/>
           </p:cNvSpPr>
@@ -1330,7 +1330,7 @@
         <p:txBody>
           <a:bodyPr/>
           <a:p>
-            <a:fld id="{10B1FBB5-6220-4FE6-897E-4DE9A77B4C48}" type="slidenum">
+            <a:fld id="{E572C338-9DD3-4E60-9888-5B3C294A2677}" type="slidenum">
               <a:t>&lt;#&gt;</a:t>
             </a:fld>
           </a:p>
@@ -1381,7 +1381,7 @@
       </p:grpSpPr>
       <p:sp>
         <p:nvSpPr>
-          <p:cNvPr id="12" name="PlaceHolder 1"/>
+          <p:cNvPr id="11" name="PlaceHolder 1"/>
           <p:cNvSpPr>
             <a:spLocks noGrp="1"/>
           </p:cNvSpPr>
@@ -1392,7 +1392,7 @@
         <p:spPr>
           <a:xfrm>
             <a:off x="457200" y="68040"/>
-            <a:ext cx="8228880" cy="625320"/>
+            <a:ext cx="8228520" cy="625320"/>
           </a:xfrm>
           <a:prstGeom prst="rect">
             <a:avLst/>
@@ -1450,7 +1450,7 @@
         <p:txBody>
           <a:bodyPr/>
           <a:p>
-            <a:fld id="{029A3AB0-AFC5-41FE-898F-F686B99CAC22}" type="slidenum">
+            <a:fld id="{96193C9A-6950-4AD2-BBB2-0A78B60B6478}" type="slidenum">
               <a:t>&lt;#&gt;</a:t>
             </a:fld>
           </a:p>
@@ -1501,7 +1501,7 @@
       </p:grpSpPr>
       <p:sp>
         <p:nvSpPr>
-          <p:cNvPr id="13" name="PlaceHolder 1"/>
+          <p:cNvPr id="12" name="PlaceHolder 1"/>
           <p:cNvSpPr>
             <a:spLocks noGrp="1"/>
           </p:cNvSpPr>
@@ -1511,8 +1511,8 @@
         </p:nvSpPr>
         <p:spPr>
           <a:xfrm>
-            <a:off x="457200" y="152280"/>
-            <a:ext cx="8228880" cy="2117160"/>
+            <a:off x="457200" y="68040"/>
+            <a:ext cx="8228520" cy="2898360"/>
           </a:xfrm>
           <a:prstGeom prst="rect">
             <a:avLst/>
@@ -1570,7 +1570,7 @@
         <p:txBody>
           <a:bodyPr/>
           <a:p>
-            <a:fld id="{C7A564DF-C7B6-4CE9-AC6E-B6488FC55781}" type="slidenum">
+            <a:fld id="{E8647360-4CD8-41D8-842B-F4B8730DA19C}" type="slidenum">
               <a:t>&lt;#&gt;</a:t>
             </a:fld>
           </a:p>
@@ -1621,7 +1621,7 @@
       </p:grpSpPr>
       <p:sp>
         <p:nvSpPr>
-          <p:cNvPr id="14" name="PlaceHolder 1"/>
+          <p:cNvPr id="13" name="PlaceHolder 1"/>
           <p:cNvSpPr>
             <a:spLocks noGrp="1"/>
           </p:cNvSpPr>
@@ -1632,7 +1632,7 @@
         <p:spPr>
           <a:xfrm>
             <a:off x="457200" y="68040"/>
-            <a:ext cx="8228880" cy="625320"/>
+            <a:ext cx="8228520" cy="625320"/>
           </a:xfrm>
           <a:prstGeom prst="rect">
             <a:avLst/>
@@ -1658,7 +1658,7 @@
       </p:sp>
       <p:sp>
         <p:nvSpPr>
-          <p:cNvPr id="15" name="PlaceHolder 2"/>
+          <p:cNvPr id="14" name="PlaceHolder 2"/>
           <p:cNvSpPr>
             <a:spLocks noGrp="1"/>
           </p:cNvSpPr>
@@ -1692,7 +1692,7 @@
       </p:sp>
       <p:sp>
         <p:nvSpPr>
-          <p:cNvPr id="16" name="PlaceHolder 3"/>
+          <p:cNvPr id="15" name="PlaceHolder 3"/>
           <p:cNvSpPr>
             <a:spLocks noGrp="1"/>
           </p:cNvSpPr>
@@ -1726,7 +1726,7 @@
       </p:sp>
       <p:sp>
         <p:nvSpPr>
-          <p:cNvPr id="17" name="PlaceHolder 4"/>
+          <p:cNvPr id="16" name="PlaceHolder 4"/>
           <p:cNvSpPr>
             <a:spLocks noGrp="1"/>
           </p:cNvSpPr>
@@ -1792,7 +1792,7 @@
         <p:txBody>
           <a:bodyPr/>
           <a:p>
-            <a:fld id="{B7F30694-F9A1-4EBB-8CD5-C18E77428111}" type="slidenum">
+            <a:fld id="{DE686F6E-EA52-4E34-A901-79776B51D009}" type="slidenum">
               <a:t>&lt;#&gt;</a:t>
             </a:fld>
           </a:p>
@@ -1843,7 +1843,7 @@
       </p:grpSpPr>
       <p:sp>
         <p:nvSpPr>
-          <p:cNvPr id="18" name="PlaceHolder 1"/>
+          <p:cNvPr id="17" name="PlaceHolder 1"/>
           <p:cNvSpPr>
             <a:spLocks noGrp="1"/>
           </p:cNvSpPr>
@@ -1854,7 +1854,7 @@
         <p:spPr>
           <a:xfrm>
             <a:off x="457200" y="68040"/>
-            <a:ext cx="8228880" cy="625320"/>
+            <a:ext cx="8228520" cy="625320"/>
           </a:xfrm>
           <a:prstGeom prst="rect">
             <a:avLst/>
@@ -1880,7 +1880,7 @@
       </p:sp>
       <p:sp>
         <p:nvSpPr>
-          <p:cNvPr id="19" name="PlaceHolder 2"/>
+          <p:cNvPr id="18" name="PlaceHolder 2"/>
           <p:cNvSpPr>
             <a:spLocks noGrp="1"/>
           </p:cNvSpPr>
@@ -1914,7 +1914,7 @@
       </p:sp>
       <p:sp>
         <p:nvSpPr>
-          <p:cNvPr id="20" name="PlaceHolder 3"/>
+          <p:cNvPr id="19" name="PlaceHolder 3"/>
           <p:cNvSpPr>
             <a:spLocks noGrp="1"/>
           </p:cNvSpPr>
@@ -1948,7 +1948,7 @@
       </p:sp>
       <p:sp>
         <p:nvSpPr>
-          <p:cNvPr id="21" name="PlaceHolder 4"/>
+          <p:cNvPr id="20" name="PlaceHolder 4"/>
           <p:cNvSpPr>
             <a:spLocks noGrp="1"/>
           </p:cNvSpPr>
@@ -2014,7 +2014,7 @@
         <p:txBody>
           <a:bodyPr/>
           <a:p>
-            <a:fld id="{B96BC401-2FF9-4E57-B039-41B269582E9A}" type="slidenum">
+            <a:fld id="{E64AE741-3551-4C7E-A871-F402774362BC}" type="slidenum">
               <a:t>&lt;#&gt;</a:t>
             </a:fld>
           </a:p>
@@ -2065,7 +2065,7 @@
       </p:grpSpPr>
       <p:sp>
         <p:nvSpPr>
-          <p:cNvPr id="22" name="PlaceHolder 1"/>
+          <p:cNvPr id="21" name="PlaceHolder 1"/>
           <p:cNvSpPr>
             <a:spLocks noGrp="1"/>
           </p:cNvSpPr>
@@ -2076,7 +2076,7 @@
         <p:spPr>
           <a:xfrm>
             <a:off x="457200" y="68040"/>
-            <a:ext cx="8228880" cy="625320"/>
+            <a:ext cx="8228520" cy="625320"/>
           </a:xfrm>
           <a:prstGeom prst="rect">
             <a:avLst/>
@@ -2102,7 +2102,7 @@
       </p:sp>
       <p:sp>
         <p:nvSpPr>
-          <p:cNvPr id="23" name="PlaceHolder 2"/>
+          <p:cNvPr id="22" name="PlaceHolder 2"/>
           <p:cNvSpPr>
             <a:spLocks noGrp="1"/>
           </p:cNvSpPr>
@@ -2136,7 +2136,7 @@
       </p:sp>
       <p:sp>
         <p:nvSpPr>
-          <p:cNvPr id="24" name="PlaceHolder 3"/>
+          <p:cNvPr id="23" name="PlaceHolder 3"/>
           <p:cNvSpPr>
             <a:spLocks noGrp="1"/>
           </p:cNvSpPr>
@@ -2170,7 +2170,7 @@
       </p:sp>
       <p:sp>
         <p:nvSpPr>
-          <p:cNvPr id="25" name="PlaceHolder 4"/>
+          <p:cNvPr id="24" name="PlaceHolder 4"/>
           <p:cNvSpPr>
             <a:spLocks noGrp="1"/>
           </p:cNvSpPr>
@@ -2236,7 +2236,7 @@
         <p:txBody>
           <a:bodyPr/>
           <a:p>
-            <a:fld id="{210CD24A-54E9-4841-A762-EACFC0C3BB40}" type="slidenum">
+            <a:fld id="{4F09CD6B-24A0-442D-87EA-53A60C0D25EE}" type="slidenum">
               <a:t>&lt;#&gt;</a:t>
             </a:fld>
           </a:p>
@@ -2304,8 +2304,8 @@
         </p:nvSpPr>
         <p:spPr>
           <a:xfrm>
-            <a:off x="457200" y="152280"/>
-            <a:ext cx="8228880" cy="456480"/>
+            <a:off x="457200" y="68040"/>
+            <a:ext cx="8228520" cy="624960"/>
           </a:xfrm>
           <a:prstGeom prst="rect">
             <a:avLst/>
@@ -2345,7 +2345,7 @@
         <p:spPr>
           <a:xfrm>
             <a:off x="3124080" y="6245280"/>
-            <a:ext cx="2894760" cy="475560"/>
+            <a:ext cx="2894400" cy="475200"/>
           </a:xfrm>
           <a:prstGeom prst="rect">
             <a:avLst/>
@@ -2402,7 +2402,7 @@
         <p:spPr>
           <a:xfrm>
             <a:off x="6553080" y="6245280"/>
-            <a:ext cx="2133000" cy="475560"/>
+            <a:ext cx="2132640" cy="475200"/>
           </a:xfrm>
           <a:prstGeom prst="rect">
             <a:avLst/>
@@ -2437,7 +2437,7 @@
               </a:lnSpc>
               <a:buNone/>
             </a:pPr>
-            <a:fld id="{7EDD5E94-431F-4B83-8476-FAF23F7A61F0}" type="slidenum">
+            <a:fld id="{F9A25C6F-426A-46D3-823E-E9146F967B26}" type="slidenum">
               <a:rPr b="0" lang="en-US" sz="1400" spc="-1" strike="noStrike">
                 <a:solidFill>
                   <a:srgbClr val="000000"/>
@@ -2465,7 +2465,7 @@
         <p:spPr>
           <a:xfrm>
             <a:off x="457200" y="6245280"/>
-            <a:ext cx="2133000" cy="475560"/>
+            <a:ext cx="2132640" cy="475200"/>
           </a:xfrm>
           <a:prstGeom prst="rect">
             <a:avLst/>
@@ -2495,189 +2495,6 @@
             </a:r>
             <a:endParaRPr b="0" lang="en-US" sz="1400" spc="-1" strike="noStrike">
               <a:latin typeface="Times New Roman"/>
-            </a:endParaRPr>
-          </a:p>
-        </p:txBody>
-      </p:sp>
-      <p:sp>
-        <p:nvSpPr>
-          <p:cNvPr id="4" name="PlaceHolder 5"/>
-          <p:cNvSpPr>
-            <a:spLocks noGrp="1"/>
-          </p:cNvSpPr>
-          <p:nvPr>
-            <p:ph type="body"/>
-          </p:nvPr>
-        </p:nvSpPr>
-        <p:spPr>
-          <a:xfrm>
-            <a:off x="457200" y="1604520"/>
-            <a:ext cx="8229240" cy="3977280"/>
-          </a:xfrm>
-          <a:prstGeom prst="rect">
-            <a:avLst/>
-          </a:prstGeom>
-          <a:noFill/>
-          <a:ln w="0">
-            <a:noFill/>
-          </a:ln>
-        </p:spPr>
-        <p:txBody>
-          <a:bodyPr lIns="0" rIns="0" tIns="0" bIns="0" anchor="t">
-            <a:normAutofit/>
-          </a:bodyPr>
-          <a:p>
-            <a:pPr marL="432000" indent="-324000">
-              <a:spcBef>
-                <a:spcPts val="1417"/>
-              </a:spcBef>
-              <a:buClr>
-                <a:srgbClr val="000000"/>
-              </a:buClr>
-              <a:buSzPct val="45000"/>
-              <a:buFont typeface="Wingdings" charset="2"/>
-              <a:buChar char=""/>
-            </a:pPr>
-            <a:r>
-              <a:rPr b="0" lang="en-US" sz="3200" spc="-1" strike="noStrike">
-                <a:latin typeface="Arial"/>
-              </a:rPr>
-              <a:t>Click to edit the outline text format</a:t>
-            </a:r>
-            <a:endParaRPr b="0" lang="en-US" sz="3200" spc="-1" strike="noStrike">
-              <a:latin typeface="Arial"/>
-            </a:endParaRPr>
-          </a:p>
-          <a:p>
-            <a:pPr lvl="1" marL="864000" indent="-324000">
-              <a:spcBef>
-                <a:spcPts val="1134"/>
-              </a:spcBef>
-              <a:buClr>
-                <a:srgbClr val="000000"/>
-              </a:buClr>
-              <a:buSzPct val="75000"/>
-              <a:buFont typeface="Symbol" charset="2"/>
-              <a:buChar char=""/>
-            </a:pPr>
-            <a:r>
-              <a:rPr b="0" lang="en-US" sz="2800" spc="-1" strike="noStrike">
-                <a:latin typeface="Arial"/>
-              </a:rPr>
-              <a:t>Second Outline Level</a:t>
-            </a:r>
-            <a:endParaRPr b="0" lang="en-US" sz="2800" spc="-1" strike="noStrike">
-              <a:latin typeface="Arial"/>
-            </a:endParaRPr>
-          </a:p>
-          <a:p>
-            <a:pPr lvl="2" marL="1296000" indent="-288000">
-              <a:spcBef>
-                <a:spcPts val="850"/>
-              </a:spcBef>
-              <a:buClr>
-                <a:srgbClr val="000000"/>
-              </a:buClr>
-              <a:buSzPct val="45000"/>
-              <a:buFont typeface="Wingdings" charset="2"/>
-              <a:buChar char=""/>
-            </a:pPr>
-            <a:r>
-              <a:rPr b="0" lang="en-US" sz="2400" spc="-1" strike="noStrike">
-                <a:latin typeface="Arial"/>
-              </a:rPr>
-              <a:t>Third Outline Level</a:t>
-            </a:r>
-            <a:endParaRPr b="0" lang="en-US" sz="2400" spc="-1" strike="noStrike">
-              <a:latin typeface="Arial"/>
-            </a:endParaRPr>
-          </a:p>
-          <a:p>
-            <a:pPr lvl="3" marL="1728000" indent="-216000">
-              <a:spcBef>
-                <a:spcPts val="567"/>
-              </a:spcBef>
-              <a:buClr>
-                <a:srgbClr val="000000"/>
-              </a:buClr>
-              <a:buSzPct val="75000"/>
-              <a:buFont typeface="Symbol" charset="2"/>
-              <a:buChar char=""/>
-            </a:pPr>
-            <a:r>
-              <a:rPr b="0" lang="en-US" sz="2000" spc="-1" strike="noStrike">
-                <a:latin typeface="Arial"/>
-              </a:rPr>
-              <a:t>Fourth Outline Level</a:t>
-            </a:r>
-            <a:endParaRPr b="0" lang="en-US" sz="2000" spc="-1" strike="noStrike">
-              <a:latin typeface="Arial"/>
-            </a:endParaRPr>
-          </a:p>
-          <a:p>
-            <a:pPr lvl="4" marL="2160000" indent="-216000">
-              <a:spcBef>
-                <a:spcPts val="283"/>
-              </a:spcBef>
-              <a:buClr>
-                <a:srgbClr val="000000"/>
-              </a:buClr>
-              <a:buSzPct val="45000"/>
-              <a:buFont typeface="Wingdings" charset="2"/>
-              <a:buChar char=""/>
-            </a:pPr>
-            <a:r>
-              <a:rPr b="0" lang="en-US" sz="2000" spc="-1" strike="noStrike">
-                <a:latin typeface="Arial"/>
-              </a:rPr>
-              <a:t>Fifth Outline Level</a:t>
-            </a:r>
-            <a:endParaRPr b="0" lang="en-US" sz="2000" spc="-1" strike="noStrike">
-              <a:latin typeface="Arial"/>
-            </a:endParaRPr>
-          </a:p>
-          <a:p>
-            <a:pPr lvl="5" marL="2592000" indent="-216000">
-              <a:spcBef>
-                <a:spcPts val="283"/>
-              </a:spcBef>
-              <a:buClr>
-                <a:srgbClr val="000000"/>
-              </a:buClr>
-              <a:buSzPct val="45000"/>
-              <a:buFont typeface="Wingdings" charset="2"/>
-              <a:buChar char=""/>
-            </a:pPr>
-            <a:r>
-              <a:rPr b="0" lang="en-US" sz="2000" spc="-1" strike="noStrike">
-                <a:latin typeface="Arial"/>
-              </a:rPr>
-              <a:t>Sixth Outline Level</a:t>
-            </a:r>
-            <a:endParaRPr b="0" lang="en-US" sz="2000" spc="-1" strike="noStrike">
-              <a:latin typeface="Arial"/>
-            </a:endParaRPr>
-          </a:p>
-          <a:p>
-            <a:pPr lvl="6" marL="3024000" indent="-216000">
-              <a:spcBef>
-                <a:spcPts val="283"/>
-              </a:spcBef>
-              <a:buClr>
-                <a:srgbClr val="000000"/>
-              </a:buClr>
-              <a:buSzPct val="45000"/>
-              <a:buFont typeface="Wingdings" charset="2"/>
-              <a:buChar char=""/>
-            </a:pPr>
-            <a:r>
-              <a:rPr b="0" lang="en-US" sz="2000" spc="-1" strike="noStrike">
-                <a:latin typeface="Arial"/>
-              </a:rPr>
-              <a:t>Seventh Outline Level</a:t>
-            </a:r>
-            <a:endParaRPr b="0" lang="en-US" sz="2000" spc="-1" strike="noStrike">
-              <a:latin typeface="Arial"/>
             </a:endParaRPr>
           </a:p>
         </p:txBody>
@@ -2721,7 +2538,7 @@
       </p:grpSpPr>
       <p:sp>
         <p:nvSpPr>
-          <p:cNvPr id="41" name="PlaceHolder 1"/>
+          <p:cNvPr id="40" name="PlaceHolder 1"/>
           <p:cNvSpPr>
             <a:spLocks noGrp="1"/>
           </p:cNvSpPr>
@@ -2732,7 +2549,7 @@
         <p:spPr>
           <a:xfrm>
             <a:off x="457200" y="152280"/>
-            <a:ext cx="8228880" cy="456480"/>
+            <a:ext cx="8228520" cy="456120"/>
           </a:xfrm>
           <a:prstGeom prst="rect">
             <a:avLst/>
@@ -2785,7 +2602,7 @@
       </p:sp>
       <p:sp>
         <p:nvSpPr>
-          <p:cNvPr id="42" name="TextBox 4"/>
+          <p:cNvPr id="41" name="TextBox 4"/>
           <p:cNvSpPr/>
           <p:nvPr/>
         </p:nvSpPr>
@@ -2837,7 +2654,7 @@
       </p:sp>
       <p:sp>
         <p:nvSpPr>
-          <p:cNvPr id="43" name="TextBox 5"/>
+          <p:cNvPr id="42" name="TextBox 5"/>
           <p:cNvSpPr/>
           <p:nvPr/>
         </p:nvSpPr>
@@ -2889,7 +2706,7 @@
       </p:sp>
       <p:sp>
         <p:nvSpPr>
-          <p:cNvPr id="44" name="TextBox 6"/>
+          <p:cNvPr id="43" name="TextBox 6"/>
           <p:cNvSpPr/>
           <p:nvPr/>
         </p:nvSpPr>
@@ -2941,7 +2758,7 @@
       </p:sp>
       <p:sp>
         <p:nvSpPr>
-          <p:cNvPr id="45" name="TextBox 7"/>
+          <p:cNvPr id="44" name="TextBox 7"/>
           <p:cNvSpPr/>
           <p:nvPr/>
         </p:nvSpPr>
@@ -2993,14 +2810,14 @@
       </p:sp>
       <p:sp>
         <p:nvSpPr>
-          <p:cNvPr id="46" name="Right Arrow 11"/>
+          <p:cNvPr id="45" name="Right Arrow 11"/>
           <p:cNvSpPr/>
           <p:nvPr/>
         </p:nvSpPr>
         <p:spPr>
           <a:xfrm>
             <a:off x="2882160" y="3685680"/>
-            <a:ext cx="460080" cy="1113120"/>
+            <a:ext cx="459720" cy="1112760"/>
           </a:xfrm>
           <a:prstGeom prst="rightArrow">
             <a:avLst>
@@ -3035,14 +2852,14 @@
       </p:sp>
       <p:sp>
         <p:nvSpPr>
-          <p:cNvPr id="47" name="Right Arrow 12"/>
+          <p:cNvPr id="46" name="Right Arrow 12"/>
           <p:cNvSpPr/>
           <p:nvPr/>
         </p:nvSpPr>
         <p:spPr>
           <a:xfrm>
             <a:off x="5916240" y="3666240"/>
-            <a:ext cx="460080" cy="1113120"/>
+            <a:ext cx="459720" cy="1112760"/>
           </a:xfrm>
           <a:prstGeom prst="rightArrow">
             <a:avLst>
@@ -3077,14 +2894,14 @@
       </p:sp>
       <p:sp>
         <p:nvSpPr>
-          <p:cNvPr id="48" name="TextBox 14"/>
+          <p:cNvPr id="47" name="TextBox 14"/>
           <p:cNvSpPr/>
           <p:nvPr/>
         </p:nvSpPr>
         <p:spPr>
           <a:xfrm>
             <a:off x="403920" y="932760"/>
-            <a:ext cx="8489160" cy="1113120"/>
+            <a:ext cx="8488800" cy="1112760"/>
           </a:xfrm>
           <a:prstGeom prst="rect">
             <a:avLst/>
@@ -3239,14 +3056,14 @@
       </p:sp>
       <p:sp>
         <p:nvSpPr>
-          <p:cNvPr id="49" name="TextBox 15"/>
+          <p:cNvPr id="48" name="TextBox 15"/>
           <p:cNvSpPr/>
           <p:nvPr/>
         </p:nvSpPr>
         <p:spPr>
           <a:xfrm>
             <a:off x="403920" y="2430360"/>
-            <a:ext cx="2400840" cy="3302280"/>
+            <a:ext cx="2400480" cy="3301920"/>
           </a:xfrm>
           <a:prstGeom prst="rect">
             <a:avLst/>
@@ -3300,7 +3117,7 @@
                 <a:latin typeface="Calibri"/>
                 <a:ea typeface="DejaVu Sans"/>
               </a:rPr>
-              <a:t>add bullets as necessary</a:t>
+              <a:t>Data.gov (.gdb, .xml, .json)</a:t>
             </a:r>
             <a:endParaRPr b="0" lang="en-US" sz="1000" spc="-1" strike="noStrike">
               <a:latin typeface="Arial"/>
@@ -3352,22 +3169,142 @@
               </a:rPr>
               <a:t> </a:t>
             </a:r>
+            <a:r>
+              <a:rPr b="0" lang="en-US" sz="1000" spc="-1" strike="noStrike">
+                <a:solidFill>
+                  <a:srgbClr val="000000"/>
+                </a:solidFill>
+                <a:latin typeface="Calibri"/>
+                <a:ea typeface="DejaVu Sans"/>
+              </a:rPr>
+              <a:t>Housing website API?</a:t>
+            </a:r>
             <a:endParaRPr b="0" lang="en-US" sz="1000" spc="-1" strike="noStrike">
               <a:latin typeface="Arial"/>
             </a:endParaRPr>
           </a:p>
-        </p:txBody>
-      </p:sp>
-      <p:sp>
-        <p:nvSpPr>
-          <p:cNvPr id="50" name="TextBox 16"/>
+          <a:p>
+            <a:pPr marL="171360" indent="-171360">
+              <a:lnSpc>
+                <a:spcPct val="100000"/>
+              </a:lnSpc>
+              <a:buClr>
+                <a:srgbClr val="000000"/>
+              </a:buClr>
+              <a:buFont typeface="Arial"/>
+              <a:buChar char="•"/>
+            </a:pPr>
+            <a:r>
+              <a:rPr b="0" lang="en-US" sz="1000" spc="-1" strike="noStrike">
+                <a:solidFill>
+                  <a:srgbClr val="000000"/>
+                </a:solidFill>
+                <a:latin typeface="Calibri"/>
+                <a:ea typeface="DejaVu Sans"/>
+              </a:rPr>
+              <a:t> </a:t>
+            </a:r>
+            <a:endParaRPr b="0" lang="en-US" sz="1000" spc="-1" strike="noStrike">
+              <a:latin typeface="Arial"/>
+            </a:endParaRPr>
+          </a:p>
+          <a:p>
+            <a:pPr marL="171360" indent="-171360">
+              <a:lnSpc>
+                <a:spcPct val="100000"/>
+              </a:lnSpc>
+              <a:buClr>
+                <a:srgbClr val="000000"/>
+              </a:buClr>
+              <a:buFont typeface="Arial"/>
+              <a:buChar char="•"/>
+            </a:pPr>
+            <a:r>
+              <a:rPr b="0" lang="en-US" sz="1000" spc="-1" strike="noStrike">
+                <a:solidFill>
+                  <a:srgbClr val="000000"/>
+                </a:solidFill>
+                <a:latin typeface="Calibri"/>
+                <a:ea typeface="DejaVu Sans"/>
+              </a:rPr>
+              <a:t> </a:t>
+            </a:r>
+            <a:r>
+              <a:rPr b="0" lang="en-US" sz="1000" spc="-1" strike="noStrike">
+                <a:solidFill>
+                  <a:srgbClr val="000000"/>
+                </a:solidFill>
+                <a:latin typeface="Calibri"/>
+                <a:ea typeface="DejaVu Sans"/>
+              </a:rPr>
+              <a:t>Brewery database API</a:t>
+            </a:r>
+            <a:endParaRPr b="0" lang="en-US" sz="1000" spc="-1" strike="noStrike">
+              <a:latin typeface="Arial"/>
+            </a:endParaRPr>
+          </a:p>
+          <a:p>
+            <a:pPr marL="171360" indent="-171360">
+              <a:lnSpc>
+                <a:spcPct val="100000"/>
+              </a:lnSpc>
+              <a:buClr>
+                <a:srgbClr val="000000"/>
+              </a:buClr>
+              <a:buFont typeface="Arial"/>
+              <a:buChar char="•"/>
+            </a:pPr>
+            <a:r>
+              <a:rPr b="0" lang="en-US" sz="1000" spc="-1" strike="noStrike">
+                <a:solidFill>
+                  <a:srgbClr val="000000"/>
+                </a:solidFill>
+                <a:latin typeface="Calibri"/>
+                <a:ea typeface="DejaVu Sans"/>
+              </a:rPr>
+              <a:t> </a:t>
+            </a:r>
+            <a:endParaRPr b="0" lang="en-US" sz="1000" spc="-1" strike="noStrike">
+              <a:latin typeface="Arial"/>
+            </a:endParaRPr>
+          </a:p>
+          <a:p>
+            <a:pPr marL="171360" indent="-171360">
+              <a:lnSpc>
+                <a:spcPct val="100000"/>
+              </a:lnSpc>
+              <a:buClr>
+                <a:srgbClr val="000000"/>
+              </a:buClr>
+              <a:buFont typeface="Arial"/>
+              <a:buChar char="•"/>
+            </a:pPr>
+            <a:r>
+              <a:rPr b="0" lang="en-US" sz="1000" spc="-1" strike="noStrike">
+                <a:solidFill>
+                  <a:srgbClr val="000000"/>
+                </a:solidFill>
+                <a:latin typeface="Calibri"/>
+                <a:ea typeface="DejaVu Sans"/>
+              </a:rPr>
+              <a:t>Recreation.gov API</a:t>
+            </a:r>
+            <a:endParaRPr b="0" lang="en-US" sz="1000" spc="-1" strike="noStrike">
+              <a:latin typeface="Arial"/>
+            </a:endParaRPr>
+          </a:p>
+        </p:txBody>
+      </p:sp>
+      <p:sp>
+        <p:nvSpPr>
+          <p:cNvPr id="49" name="TextBox 16"/>
           <p:cNvSpPr/>
           <p:nvPr/>
         </p:nvSpPr>
         <p:spPr>
           <a:xfrm>
             <a:off x="3346920" y="2430360"/>
-            <a:ext cx="2565360" cy="3302280"/>
+            <a:ext cx="2565000" cy="3301920"/>
           </a:xfrm>
           <a:prstGeom prst="rect">
             <a:avLst/>
@@ -3421,7 +3358,7 @@
                 <a:latin typeface="Calibri"/>
                 <a:ea typeface="DejaVu Sans"/>
               </a:rPr>
-              <a:t> </a:t>
+              <a:t>Recommended neighborhood areas displayed on a dashboard with user input fields and sliders for metric weights (low to high importance) </a:t>
             </a:r>
             <a:endParaRPr b="0" lang="en-US" sz="1000" spc="-1" strike="noStrike">
               <a:latin typeface="Arial"/>
@@ -3491,14 +3428,14 @@
       </p:sp>
       <p:sp>
         <p:nvSpPr>
-          <p:cNvPr id="51" name="TextBox 17"/>
+          <p:cNvPr id="50" name="TextBox 17"/>
           <p:cNvSpPr/>
           <p:nvPr/>
         </p:nvSpPr>
         <p:spPr>
           <a:xfrm>
             <a:off x="6492240" y="2421720"/>
-            <a:ext cx="2400840" cy="3302280"/>
+            <a:ext cx="2400480" cy="3301920"/>
           </a:xfrm>
           <a:prstGeom prst="rect">
             <a:avLst/>
@@ -3622,14 +3559,14 @@
       </p:sp>
       <p:sp>
         <p:nvSpPr>
-          <p:cNvPr id="52" name="TextBox 18"/>
+          <p:cNvPr id="51" name="TextBox 18"/>
           <p:cNvSpPr/>
           <p:nvPr/>
         </p:nvSpPr>
         <p:spPr>
           <a:xfrm>
             <a:off x="193680" y="6051960"/>
-            <a:ext cx="8795160" cy="625320"/>
+            <a:ext cx="8794800" cy="624960"/>
           </a:xfrm>
           <a:prstGeom prst="rect">
             <a:avLst/>
@@ -3679,7 +3616,7 @@
                 <a:latin typeface="Calibri"/>
                 <a:ea typeface="DejaVu Sans"/>
               </a:rPr>
-              <a:t>In what area(s) will you explore something new, along (at least) one of these three elements? Git version control, openstreetmap package</a:t>
+              <a:t>In what area(s) will you explore something new, along (at least) one of these three elements? Git version control, openstreetmap package, panels, folium</a:t>
             </a:r>
             <a:endParaRPr b="0" lang="en-US" sz="1100" spc="-1" strike="noStrike">
               <a:latin typeface="Arial"/>

--- a/FinalProject_worksheet.pptx
+++ b/FinalProject_worksheet.pptx
@@ -63,7 +63,7 @@
         <p:txBody>
           <a:bodyPr/>
           <a:p>
-            <a:fld id="{BB351608-A869-428A-A7F7-BD7095E36C5E}" type="slidenum">
+            <a:fld id="{1B8B21FA-AC7D-469A-9DA7-1C10895FB875}" type="slidenum">
               <a:t>&lt;#&gt;</a:t>
             </a:fld>
           </a:p>
@@ -125,7 +125,7 @@
         <p:spPr>
           <a:xfrm>
             <a:off x="457200" y="68040"/>
-            <a:ext cx="8228520" cy="625320"/>
+            <a:ext cx="8228160" cy="625320"/>
           </a:xfrm>
           <a:prstGeom prst="rect">
             <a:avLst/>
@@ -251,7 +251,7 @@
         <p:txBody>
           <a:bodyPr/>
           <a:p>
-            <a:fld id="{AB687DBE-1F2A-4606-9613-D8AA13498FD8}" type="slidenum">
+            <a:fld id="{BC88F0E2-A6D4-460B-A652-C3BC4D276A91}" type="slidenum">
               <a:t>&lt;#&gt;</a:t>
             </a:fld>
           </a:p>
@@ -313,7 +313,7 @@
         <p:spPr>
           <a:xfrm>
             <a:off x="457200" y="68040"/>
-            <a:ext cx="8228520" cy="625320"/>
+            <a:ext cx="8228160" cy="625320"/>
           </a:xfrm>
           <a:prstGeom prst="rect">
             <a:avLst/>
@@ -507,7 +507,7 @@
         <p:txBody>
           <a:bodyPr/>
           <a:p>
-            <a:fld id="{05FFADDA-001B-4CAB-9F7B-A907886696E0}" type="slidenum">
+            <a:fld id="{EAB3111C-835B-4F2A-B6E7-73720CE8B8E6}" type="slidenum">
               <a:t>&lt;#&gt;</a:t>
             </a:fld>
           </a:p>
@@ -569,7 +569,7 @@
         <p:spPr>
           <a:xfrm>
             <a:off x="457200" y="68040"/>
-            <a:ext cx="8228520" cy="625320"/>
+            <a:ext cx="8228160" cy="625320"/>
           </a:xfrm>
           <a:prstGeom prst="rect">
             <a:avLst/>
@@ -831,7 +831,7 @@
         <p:txBody>
           <a:bodyPr/>
           <a:p>
-            <a:fld id="{BF12ED20-A82F-401F-BD3D-FD50E77E1134}" type="slidenum">
+            <a:fld id="{09575B04-6178-4F2D-B279-EC03C80A67B9}" type="slidenum">
               <a:t>&lt;#&gt;</a:t>
             </a:fld>
           </a:p>
@@ -893,7 +893,7 @@
         <p:spPr>
           <a:xfrm>
             <a:off x="457200" y="68040"/>
-            <a:ext cx="8228520" cy="625320"/>
+            <a:ext cx="8228160" cy="625320"/>
           </a:xfrm>
           <a:prstGeom prst="rect">
             <a:avLst/>
@@ -988,7 +988,7 @@
         <p:txBody>
           <a:bodyPr/>
           <a:p>
-            <a:fld id="{6F22170B-6D84-44F2-8645-A109E09D3A66}" type="slidenum">
+            <a:fld id="{9C015199-77A1-4DB7-8438-06051E3FB841}" type="slidenum">
               <a:t>&lt;#&gt;</a:t>
             </a:fld>
           </a:p>
@@ -1050,7 +1050,7 @@
         <p:spPr>
           <a:xfrm>
             <a:off x="457200" y="68040"/>
-            <a:ext cx="8228520" cy="625320"/>
+            <a:ext cx="8228160" cy="625320"/>
           </a:xfrm>
           <a:prstGeom prst="rect">
             <a:avLst/>
@@ -1142,7 +1142,7 @@
         <p:txBody>
           <a:bodyPr/>
           <a:p>
-            <a:fld id="{BB179AD0-F41A-4B66-B407-8A8A7062EB31}" type="slidenum">
+            <a:fld id="{769E9F8C-042A-49D4-A9AB-2BC4E53718BD}" type="slidenum">
               <a:t>&lt;#&gt;</a:t>
             </a:fld>
           </a:p>
@@ -1204,7 +1204,7 @@
         <p:spPr>
           <a:xfrm>
             <a:off x="457200" y="68040"/>
-            <a:ext cx="8228520" cy="625320"/>
+            <a:ext cx="8228160" cy="625320"/>
           </a:xfrm>
           <a:prstGeom prst="rect">
             <a:avLst/>
@@ -1330,7 +1330,7 @@
         <p:txBody>
           <a:bodyPr/>
           <a:p>
-            <a:fld id="{E572C338-9DD3-4E60-9888-5B3C294A2677}" type="slidenum">
+            <a:fld id="{EB9A0ADD-39AE-4D6A-9520-7A13AAC6A453}" type="slidenum">
               <a:t>&lt;#&gt;</a:t>
             </a:fld>
           </a:p>
@@ -1392,7 +1392,7 @@
         <p:spPr>
           <a:xfrm>
             <a:off x="457200" y="68040"/>
-            <a:ext cx="8228520" cy="625320"/>
+            <a:ext cx="8228160" cy="625320"/>
           </a:xfrm>
           <a:prstGeom prst="rect">
             <a:avLst/>
@@ -1450,7 +1450,7 @@
         <p:txBody>
           <a:bodyPr/>
           <a:p>
-            <a:fld id="{96193C9A-6950-4AD2-BBB2-0A78B60B6478}" type="slidenum">
+            <a:fld id="{0513AF9B-30CD-4ADB-B58C-C1A824CF090E}" type="slidenum">
               <a:t>&lt;#&gt;</a:t>
             </a:fld>
           </a:p>
@@ -1512,7 +1512,7 @@
         <p:spPr>
           <a:xfrm>
             <a:off x="457200" y="68040"/>
-            <a:ext cx="8228520" cy="2898360"/>
+            <a:ext cx="8228160" cy="2898360"/>
           </a:xfrm>
           <a:prstGeom prst="rect">
             <a:avLst/>
@@ -1570,7 +1570,7 @@
         <p:txBody>
           <a:bodyPr/>
           <a:p>
-            <a:fld id="{E8647360-4CD8-41D8-842B-F4B8730DA19C}" type="slidenum">
+            <a:fld id="{CE224827-58D5-4204-B53F-F56F12D9A020}" type="slidenum">
               <a:t>&lt;#&gt;</a:t>
             </a:fld>
           </a:p>
@@ -1632,7 +1632,7 @@
         <p:spPr>
           <a:xfrm>
             <a:off x="457200" y="68040"/>
-            <a:ext cx="8228520" cy="625320"/>
+            <a:ext cx="8228160" cy="625320"/>
           </a:xfrm>
           <a:prstGeom prst="rect">
             <a:avLst/>
@@ -1792,7 +1792,7 @@
         <p:txBody>
           <a:bodyPr/>
           <a:p>
-            <a:fld id="{DE686F6E-EA52-4E34-A901-79776B51D009}" type="slidenum">
+            <a:fld id="{88E64E79-7CC4-4BC8-BCAB-9819F3D6CD06}" type="slidenum">
               <a:t>&lt;#&gt;</a:t>
             </a:fld>
           </a:p>
@@ -1854,7 +1854,7 @@
         <p:spPr>
           <a:xfrm>
             <a:off x="457200" y="68040"/>
-            <a:ext cx="8228520" cy="625320"/>
+            <a:ext cx="8228160" cy="625320"/>
           </a:xfrm>
           <a:prstGeom prst="rect">
             <a:avLst/>
@@ -2014,7 +2014,7 @@
         <p:txBody>
           <a:bodyPr/>
           <a:p>
-            <a:fld id="{E64AE741-3551-4C7E-A871-F402774362BC}" type="slidenum">
+            <a:fld id="{A11FC7B9-932E-46A8-A728-47F1A8A87B0B}" type="slidenum">
               <a:t>&lt;#&gt;</a:t>
             </a:fld>
           </a:p>
@@ -2076,7 +2076,7 @@
         <p:spPr>
           <a:xfrm>
             <a:off x="457200" y="68040"/>
-            <a:ext cx="8228520" cy="625320"/>
+            <a:ext cx="8228160" cy="625320"/>
           </a:xfrm>
           <a:prstGeom prst="rect">
             <a:avLst/>
@@ -2236,7 +2236,7 @@
         <p:txBody>
           <a:bodyPr/>
           <a:p>
-            <a:fld id="{4F09CD6B-24A0-442D-87EA-53A60C0D25EE}" type="slidenum">
+            <a:fld id="{84518BE0-B6FA-43C4-8A25-A7CA2B1EC770}" type="slidenum">
               <a:t>&lt;#&gt;</a:t>
             </a:fld>
           </a:p>
@@ -2305,7 +2305,7 @@
         <p:spPr>
           <a:xfrm>
             <a:off x="457200" y="68040"/>
-            <a:ext cx="8228520" cy="624960"/>
+            <a:ext cx="8228160" cy="624960"/>
           </a:xfrm>
           <a:prstGeom prst="rect">
             <a:avLst/>
@@ -2345,7 +2345,7 @@
         <p:spPr>
           <a:xfrm>
             <a:off x="3124080" y="6245280"/>
-            <a:ext cx="2894400" cy="475200"/>
+            <a:ext cx="2894040" cy="474840"/>
           </a:xfrm>
           <a:prstGeom prst="rect">
             <a:avLst/>
@@ -2402,7 +2402,7 @@
         <p:spPr>
           <a:xfrm>
             <a:off x="6553080" y="6245280"/>
-            <a:ext cx="2132640" cy="475200"/>
+            <a:ext cx="2132280" cy="474840"/>
           </a:xfrm>
           <a:prstGeom prst="rect">
             <a:avLst/>
@@ -2437,7 +2437,7 @@
               </a:lnSpc>
               <a:buNone/>
             </a:pPr>
-            <a:fld id="{F9A25C6F-426A-46D3-823E-E9146F967B26}" type="slidenum">
+            <a:fld id="{64A0ED9E-6C03-46FB-81A0-8B9F72B8CC16}" type="slidenum">
               <a:rPr b="0" lang="en-US" sz="1400" spc="-1" strike="noStrike">
                 <a:solidFill>
                   <a:srgbClr val="000000"/>
@@ -2465,7 +2465,7 @@
         <p:spPr>
           <a:xfrm>
             <a:off x="457200" y="6245280"/>
-            <a:ext cx="2132640" cy="475200"/>
+            <a:ext cx="2132280" cy="474840"/>
           </a:xfrm>
           <a:prstGeom prst="rect">
             <a:avLst/>
@@ -2549,7 +2549,7 @@
         <p:spPr>
           <a:xfrm>
             <a:off x="457200" y="152280"/>
-            <a:ext cx="8228520" cy="456120"/>
+            <a:ext cx="8228160" cy="455760"/>
           </a:xfrm>
           <a:prstGeom prst="rect">
             <a:avLst/>
@@ -2817,7 +2817,7 @@
         <p:spPr>
           <a:xfrm>
             <a:off x="2882160" y="3685680"/>
-            <a:ext cx="459720" cy="1112760"/>
+            <a:ext cx="459360" cy="1112400"/>
           </a:xfrm>
           <a:prstGeom prst="rightArrow">
             <a:avLst>
@@ -2859,7 +2859,7 @@
         <p:spPr>
           <a:xfrm>
             <a:off x="5916240" y="3666240"/>
-            <a:ext cx="459720" cy="1112760"/>
+            <a:ext cx="459360" cy="1112400"/>
           </a:xfrm>
           <a:prstGeom prst="rightArrow">
             <a:avLst>
@@ -2901,7 +2901,7 @@
         <p:spPr>
           <a:xfrm>
             <a:off x="403920" y="932760"/>
-            <a:ext cx="8488800" cy="1112760"/>
+            <a:ext cx="8488440" cy="1112400"/>
           </a:xfrm>
           <a:prstGeom prst="rect">
             <a:avLst/>
@@ -3063,7 +3063,7 @@
         <p:spPr>
           <a:xfrm>
             <a:off x="403920" y="2430360"/>
-            <a:ext cx="2400480" cy="3301920"/>
+            <a:ext cx="2400120" cy="3301560"/>
           </a:xfrm>
           <a:prstGeom prst="rect">
             <a:avLst/>
@@ -3117,7 +3117,85 @@
                 <a:latin typeface="Calibri"/>
                 <a:ea typeface="DejaVu Sans"/>
               </a:rPr>
-              <a:t>Data.gov (.gdb, .xml, .json)</a:t>
+              <a:t>Housing</a:t>
+            </a:r>
+            <a:endParaRPr b="0" lang="en-US" sz="1000" spc="-1" strike="noStrike">
+              <a:latin typeface="Arial"/>
+            </a:endParaRPr>
+          </a:p>
+          <a:p>
+            <a:pPr lvl="1" marL="432000" indent="-216000">
+              <a:lnSpc>
+                <a:spcPct val="100000"/>
+              </a:lnSpc>
+              <a:buClr>
+                <a:srgbClr val="000000"/>
+              </a:buClr>
+              <a:buSzPct val="45000"/>
+              <a:buFont typeface="Wingdings" charset="2"/>
+              <a:buChar char=""/>
+            </a:pPr>
+            <a:r>
+              <a:rPr b="0" lang="en-US" sz="1000" spc="-1" strike="noStrike">
+                <a:solidFill>
+                  <a:srgbClr val="000000"/>
+                </a:solidFill>
+                <a:latin typeface="Calibri"/>
+                <a:ea typeface="DejaVu Sans"/>
+              </a:rPr>
+              <a:t>2023 BAH rates</a:t>
+            </a:r>
+            <a:endParaRPr b="0" lang="en-US" sz="1000" spc="-1" strike="noStrike">
+              <a:latin typeface="Arial"/>
+            </a:endParaRPr>
+          </a:p>
+          <a:p>
+            <a:pPr lvl="1" marL="432000" indent="-216000">
+              <a:lnSpc>
+                <a:spcPct val="100000"/>
+              </a:lnSpc>
+              <a:buClr>
+                <a:srgbClr val="000000"/>
+              </a:buClr>
+              <a:buSzPct val="45000"/>
+              <a:buFont typeface="Wingdings" charset="2"/>
+              <a:buChar char=""/>
+            </a:pPr>
+            <a:r>
+              <a:rPr b="0" lang="en-US" sz="1000" spc="-1" strike="noStrike">
+                <a:solidFill>
+                  <a:srgbClr val="000000"/>
+                </a:solidFill>
+                <a:latin typeface="Calibri"/>
+                <a:ea typeface="DejaVu Sans"/>
+              </a:rPr>
+              <a:t>HUD Fair market rent (FMR)</a:t>
+            </a:r>
+            <a:endParaRPr b="0" lang="en-US" sz="1000" spc="-1" strike="noStrike">
+              <a:latin typeface="Arial"/>
+            </a:endParaRPr>
+          </a:p>
+          <a:p>
+            <a:pPr lvl="1" marL="432000" indent="-216000">
+              <a:lnSpc>
+                <a:spcPct val="100000"/>
+              </a:lnSpc>
+              <a:buClr>
+                <a:srgbClr val="000000"/>
+              </a:buClr>
+              <a:buSzPct val="45000"/>
+              <a:buFont typeface="Wingdings" charset="2"/>
+              <a:buChar char=""/>
+            </a:pPr>
+            <a:r>
+              <a:rPr b="0" lang="en-US" sz="1000" spc="-1" strike="noStrike">
+                <a:solidFill>
+                  <a:srgbClr val="000000"/>
+                </a:solidFill>
+                <a:latin typeface="Calibri"/>
+                <a:ea typeface="DejaVu Sans"/>
+              </a:rPr>
+              <a:t>Zillow API?</a:t>
             </a:r>
             <a:endParaRPr b="0" lang="en-US" sz="1000" spc="-1" strike="noStrike">
               <a:latin typeface="Arial"/>
@@ -3133,6 +3211,285 @@
               </a:buClr>
               <a:buFont typeface="Arial"/>
               <a:buChar char="•"/>
+            </a:pPr>
+            <a:r>
+              <a:rPr b="0" lang="en-US" sz="1000" spc="-1" strike="noStrike">
+                <a:solidFill>
+                  <a:srgbClr val="000000"/>
+                </a:solidFill>
+                <a:latin typeface="Calibri"/>
+                <a:ea typeface="DejaVu Sans"/>
+              </a:rPr>
+              <a:t>Commute</a:t>
+            </a:r>
+            <a:endParaRPr b="0" lang="en-US" sz="1000" spc="-1" strike="noStrike">
+              <a:latin typeface="Arial"/>
+            </a:endParaRPr>
+          </a:p>
+          <a:p>
+            <a:pPr lvl="1" marL="432000" indent="-216000">
+              <a:lnSpc>
+                <a:spcPct val="100000"/>
+              </a:lnSpc>
+              <a:buClr>
+                <a:srgbClr val="000000"/>
+              </a:buClr>
+              <a:buSzPct val="45000"/>
+              <a:buFont typeface="Wingdings" charset="2"/>
+              <a:buChar char=""/>
+            </a:pPr>
+            <a:r>
+              <a:rPr b="0" lang="en-US" sz="1000" spc="-1" strike="noStrike">
+                <a:solidFill>
+                  <a:srgbClr val="000000"/>
+                </a:solidFill>
+                <a:latin typeface="Calibri"/>
+                <a:ea typeface="DejaVu Sans"/>
+              </a:rPr>
+              <a:t>Walkability</a:t>
+            </a:r>
+            <a:endParaRPr b="0" lang="en-US" sz="1000" spc="-1" strike="noStrike">
+              <a:latin typeface="Arial"/>
+            </a:endParaRPr>
+          </a:p>
+          <a:p>
+            <a:pPr lvl="1" marL="432000" indent="-216000">
+              <a:lnSpc>
+                <a:spcPct val="100000"/>
+              </a:lnSpc>
+              <a:buClr>
+                <a:srgbClr val="000000"/>
+              </a:buClr>
+              <a:buSzPct val="45000"/>
+              <a:buFont typeface="Wingdings" charset="2"/>
+              <a:buChar char=""/>
+            </a:pPr>
+            <a:r>
+              <a:rPr b="0" lang="en-US" sz="1000" spc="-1" strike="noStrike">
+                <a:solidFill>
+                  <a:srgbClr val="000000"/>
+                </a:solidFill>
+                <a:latin typeface="Calibri"/>
+                <a:ea typeface="DejaVu Sans"/>
+              </a:rPr>
+              <a:t>Google Directions API</a:t>
+            </a:r>
+            <a:endParaRPr b="0" lang="en-US" sz="1000" spc="-1" strike="noStrike">
+              <a:latin typeface="Arial"/>
+            </a:endParaRPr>
+          </a:p>
+          <a:p>
+            <a:pPr lvl="1" marL="432000" indent="-216000">
+              <a:lnSpc>
+                <a:spcPct val="100000"/>
+              </a:lnSpc>
+              <a:buClr>
+                <a:srgbClr val="000000"/>
+              </a:buClr>
+              <a:buSzPct val="45000"/>
+              <a:buFont typeface="Wingdings" charset="2"/>
+              <a:buChar char=""/>
+            </a:pPr>
+            <a:endParaRPr b="0" lang="en-US" sz="1000" spc="-1" strike="noStrike">
+              <a:latin typeface="Arial"/>
+            </a:endParaRPr>
+          </a:p>
+          <a:p>
+            <a:pPr marL="171360" indent="-171360">
+              <a:lnSpc>
+                <a:spcPct val="100000"/>
+              </a:lnSpc>
+              <a:buClr>
+                <a:srgbClr val="000000"/>
+              </a:buClr>
+              <a:buFont typeface="Arial"/>
+              <a:buChar char="•"/>
+            </a:pPr>
+            <a:r>
+              <a:rPr b="0" lang="en-US" sz="1000" spc="-1" strike="noStrike">
+                <a:solidFill>
+                  <a:srgbClr val="000000"/>
+                </a:solidFill>
+                <a:latin typeface="Calibri"/>
+                <a:ea typeface="DejaVu Sans"/>
+              </a:rPr>
+              <a:t>Schools</a:t>
+            </a:r>
+            <a:endParaRPr b="0" lang="en-US" sz="1000" spc="-1" strike="noStrike">
+              <a:latin typeface="Arial"/>
+            </a:endParaRPr>
+          </a:p>
+          <a:p>
+            <a:pPr lvl="1" marL="432000" indent="-216000">
+              <a:lnSpc>
+                <a:spcPct val="100000"/>
+              </a:lnSpc>
+              <a:buClr>
+                <a:srgbClr val="000000"/>
+              </a:buClr>
+              <a:buSzPct val="45000"/>
+              <a:buFont typeface="Wingdings" charset="2"/>
+              <a:buChar char=""/>
+            </a:pPr>
+            <a:r>
+              <a:rPr b="0" lang="en-US" sz="1000" spc="-1" strike="noStrike">
+                <a:solidFill>
+                  <a:srgbClr val="000000"/>
+                </a:solidFill>
+                <a:latin typeface="Calibri"/>
+                <a:ea typeface="DejaVu Sans"/>
+              </a:rPr>
+              <a:t>Great Schools API</a:t>
+            </a:r>
+            <a:endParaRPr b="0" lang="en-US" sz="1000" spc="-1" strike="noStrike">
+              <a:latin typeface="Arial"/>
+            </a:endParaRPr>
+          </a:p>
+          <a:p>
+            <a:pPr lvl="1" marL="432000" indent="-216000">
+              <a:lnSpc>
+                <a:spcPct val="100000"/>
+              </a:lnSpc>
+              <a:buClr>
+                <a:srgbClr val="000000"/>
+              </a:buClr>
+              <a:buSzPct val="45000"/>
+              <a:buFont typeface="Wingdings" charset="2"/>
+              <a:buChar char=""/>
+            </a:pPr>
+            <a:endParaRPr b="0" lang="en-US" sz="1000" spc="-1" strike="noStrike">
+              <a:latin typeface="Arial"/>
+            </a:endParaRPr>
+          </a:p>
+          <a:p>
+            <a:pPr lvl="1" marL="432000" indent="-216000">
+              <a:lnSpc>
+                <a:spcPct val="100000"/>
+              </a:lnSpc>
+              <a:buClr>
+                <a:srgbClr val="000000"/>
+              </a:buClr>
+              <a:buSzPct val="45000"/>
+              <a:buFont typeface="Wingdings" charset="2"/>
+              <a:buChar char=""/>
+            </a:pPr>
+            <a:endParaRPr b="0" lang="en-US" sz="1000" spc="-1" strike="noStrike">
+              <a:latin typeface="Arial"/>
+            </a:endParaRPr>
+          </a:p>
+          <a:p>
+            <a:pPr marL="171360" indent="-171360">
+              <a:lnSpc>
+                <a:spcPct val="100000"/>
+              </a:lnSpc>
+              <a:buClr>
+                <a:srgbClr val="000000"/>
+              </a:buClr>
+              <a:buFont typeface="Arial"/>
+              <a:buChar char="•"/>
+            </a:pPr>
+            <a:r>
+              <a:rPr b="0" lang="en-US" sz="1000" spc="-1" strike="noStrike">
+                <a:solidFill>
+                  <a:srgbClr val="000000"/>
+                </a:solidFill>
+                <a:latin typeface="Calibri"/>
+                <a:ea typeface="DejaVu Sans"/>
+              </a:rPr>
+              <a:t>Crime</a:t>
+            </a:r>
+            <a:endParaRPr b="0" lang="en-US" sz="1000" spc="-1" strike="noStrike">
+              <a:latin typeface="Arial"/>
+            </a:endParaRPr>
+          </a:p>
+          <a:p>
+            <a:pPr lvl="1" marL="432000" indent="-216000">
+              <a:lnSpc>
+                <a:spcPct val="100000"/>
+              </a:lnSpc>
+              <a:buClr>
+                <a:srgbClr val="000000"/>
+              </a:buClr>
+              <a:buSzPct val="45000"/>
+              <a:buFont typeface="Wingdings" charset="2"/>
+              <a:buChar char=""/>
+            </a:pPr>
+            <a:r>
+              <a:rPr b="0" lang="en-US" sz="1000" spc="-1" strike="noStrike">
+                <a:solidFill>
+                  <a:srgbClr val="000000"/>
+                </a:solidFill>
+                <a:latin typeface="Calibri"/>
+                <a:ea typeface="DejaVu Sans"/>
+              </a:rPr>
+              <a:t>Crimegrade.org</a:t>
+            </a:r>
+            <a:endParaRPr b="0" lang="en-US" sz="1000" spc="-1" strike="noStrike">
+              <a:latin typeface="Arial"/>
+            </a:endParaRPr>
+          </a:p>
+          <a:p>
+            <a:pPr lvl="1" marL="432000" indent="-216000">
+              <a:lnSpc>
+                <a:spcPct val="100000"/>
+              </a:lnSpc>
+              <a:buClr>
+                <a:srgbClr val="000000"/>
+              </a:buClr>
+              <a:buSzPct val="45000"/>
+              <a:buFont typeface="Wingdings" charset="2"/>
+              <a:buChar char=""/>
+            </a:pPr>
+            <a:r>
+              <a:rPr b="0" lang="en-US" sz="1000" spc="-1" strike="noStrike">
+                <a:solidFill>
+                  <a:srgbClr val="000000"/>
+                </a:solidFill>
+                <a:latin typeface="Calibri"/>
+                <a:ea typeface="DejaVu Sans"/>
+              </a:rPr>
+              <a:t>FBI data center</a:t>
+            </a:r>
+            <a:endParaRPr b="0" lang="en-US" sz="1000" spc="-1" strike="noStrike">
+              <a:latin typeface="Arial"/>
+            </a:endParaRPr>
+          </a:p>
+          <a:p>
+            <a:pPr marL="171360" indent="-171360">
+              <a:lnSpc>
+                <a:spcPct val="100000"/>
+              </a:lnSpc>
+              <a:buClr>
+                <a:srgbClr val="000000"/>
+              </a:buClr>
+              <a:buFont typeface="Arial"/>
+              <a:buChar char="•"/>
+            </a:pPr>
+            <a:r>
+              <a:rPr b="0" lang="en-US" sz="1000" spc="-1" strike="noStrike">
+                <a:solidFill>
+                  <a:srgbClr val="000000"/>
+                </a:solidFill>
+                <a:latin typeface="Calibri"/>
+                <a:ea typeface="DejaVu Sans"/>
+              </a:rPr>
+              <a:t>Recreation</a:t>
+            </a:r>
+            <a:endParaRPr b="0" lang="en-US" sz="1000" spc="-1" strike="noStrike">
+              <a:latin typeface="Arial"/>
+            </a:endParaRPr>
+          </a:p>
+          <a:p>
+            <a:pPr lvl="1" marL="432000" indent="-216000">
+              <a:lnSpc>
+                <a:spcPct val="100000"/>
+              </a:lnSpc>
+              <a:buClr>
+                <a:srgbClr val="000000"/>
+              </a:buClr>
+              <a:buSzPct val="45000"/>
+              <a:buFont typeface="Wingdings" charset="2"/>
+              <a:buChar char=""/>
             </a:pPr>
             <a:r>
               <a:rPr b="0" lang="en-US" sz="1000" spc="-1" strike="noStrike">
@@ -3148,151 +3505,6 @@
               <a:latin typeface="Arial"/>
             </a:endParaRPr>
           </a:p>
-          <a:p>
-            <a:pPr marL="171360" indent="-171360">
-              <a:lnSpc>
-                <a:spcPct val="100000"/>
-              </a:lnSpc>
-              <a:buClr>
-                <a:srgbClr val="000000"/>
-              </a:buClr>
-              <a:buFont typeface="Arial"/>
-              <a:buChar char="•"/>
-            </a:pPr>
-            <a:r>
-              <a:rPr b="0" lang="en-US" sz="1000" spc="-1" strike="noStrike">
-                <a:solidFill>
-                  <a:srgbClr val="000000"/>
-                </a:solidFill>
-                <a:latin typeface="Calibri"/>
-                <a:ea typeface="DejaVu Sans"/>
-              </a:rPr>
-              <a:t> </a:t>
-            </a:r>
-            <a:r>
-              <a:rPr b="0" lang="en-US" sz="1000" spc="-1" strike="noStrike">
-                <a:solidFill>
-                  <a:srgbClr val="000000"/>
-                </a:solidFill>
-                <a:latin typeface="Calibri"/>
-                <a:ea typeface="DejaVu Sans"/>
-              </a:rPr>
-              <a:t>Housing website API?</a:t>
-            </a:r>
-            <a:endParaRPr b="0" lang="en-US" sz="1000" spc="-1" strike="noStrike">
-              <a:latin typeface="Arial"/>
-            </a:endParaRPr>
-          </a:p>
-          <a:p>
-            <a:pPr marL="171360" indent="-171360">
-              <a:lnSpc>
-                <a:spcPct val="100000"/>
-              </a:lnSpc>
-              <a:buClr>
-                <a:srgbClr val="000000"/>
-              </a:buClr>
-              <a:buFont typeface="Arial"/>
-              <a:buChar char="•"/>
-            </a:pPr>
-            <a:r>
-              <a:rPr b="0" lang="en-US" sz="1000" spc="-1" strike="noStrike">
-                <a:solidFill>
-                  <a:srgbClr val="000000"/>
-                </a:solidFill>
-                <a:latin typeface="Calibri"/>
-                <a:ea typeface="DejaVu Sans"/>
-              </a:rPr>
-              <a:t> </a:t>
-            </a:r>
-            <a:endParaRPr b="0" lang="en-US" sz="1000" spc="-1" strike="noStrike">
-              <a:latin typeface="Arial"/>
-            </a:endParaRPr>
-          </a:p>
-          <a:p>
-            <a:pPr marL="171360" indent="-171360">
-              <a:lnSpc>
-                <a:spcPct val="100000"/>
-              </a:lnSpc>
-              <a:buClr>
-                <a:srgbClr val="000000"/>
-              </a:buClr>
-              <a:buFont typeface="Arial"/>
-              <a:buChar char="•"/>
-            </a:pPr>
-            <a:r>
-              <a:rPr b="0" lang="en-US" sz="1000" spc="-1" strike="noStrike">
-                <a:solidFill>
-                  <a:srgbClr val="000000"/>
-                </a:solidFill>
-                <a:latin typeface="Calibri"/>
-                <a:ea typeface="DejaVu Sans"/>
-              </a:rPr>
-              <a:t> </a:t>
-            </a:r>
-            <a:r>
-              <a:rPr b="0" lang="en-US" sz="1000" spc="-1" strike="noStrike">
-                <a:solidFill>
-                  <a:srgbClr val="000000"/>
-                </a:solidFill>
-                <a:latin typeface="Calibri"/>
-                <a:ea typeface="DejaVu Sans"/>
-              </a:rPr>
-              <a:t>Brewery database API</a:t>
-            </a:r>
-            <a:endParaRPr b="0" lang="en-US" sz="1000" spc="-1" strike="noStrike">
-              <a:latin typeface="Arial"/>
-            </a:endParaRPr>
-          </a:p>
-          <a:p>
-            <a:pPr marL="171360" indent="-171360">
-              <a:lnSpc>
-                <a:spcPct val="100000"/>
-              </a:lnSpc>
-              <a:buClr>
-                <a:srgbClr val="000000"/>
-              </a:buClr>
-              <a:buFont typeface="Arial"/>
-              <a:buChar char="•"/>
-            </a:pPr>
-            <a:r>
-              <a:rPr b="0" lang="en-US" sz="1000" spc="-1" strike="noStrike">
-                <a:solidFill>
-                  <a:srgbClr val="000000"/>
-                </a:solidFill>
-                <a:latin typeface="Calibri"/>
-                <a:ea typeface="DejaVu Sans"/>
-              </a:rPr>
-              <a:t> </a:t>
-            </a:r>
-            <a:endParaRPr b="0" lang="en-US" sz="1000" spc="-1" strike="noStrike">
-              <a:latin typeface="Arial"/>
-            </a:endParaRPr>
-          </a:p>
-          <a:p>
-            <a:pPr marL="171360" indent="-171360">
-              <a:lnSpc>
-                <a:spcPct val="100000"/>
-              </a:lnSpc>
-              <a:buClr>
-                <a:srgbClr val="000000"/>
-              </a:buClr>
-              <a:buFont typeface="Arial"/>
-              <a:buChar char="•"/>
-            </a:pPr>
-            <a:r>
-              <a:rPr b="0" lang="en-US" sz="1000" spc="-1" strike="noStrike">
-                <a:solidFill>
-                  <a:srgbClr val="000000"/>
-                </a:solidFill>
-                <a:latin typeface="Calibri"/>
-                <a:ea typeface="DejaVu Sans"/>
-              </a:rPr>
-              <a:t>Recreation.gov API</a:t>
-            </a:r>
-            <a:endParaRPr b="0" lang="en-US" sz="1000" spc="-1" strike="noStrike">
-              <a:latin typeface="Arial"/>
-            </a:endParaRPr>
-          </a:p>
         </p:txBody>
       </p:sp>
       <p:sp>
@@ -3304,7 +3516,7 @@
         <p:spPr>
           <a:xfrm>
             <a:off x="3346920" y="2430360"/>
-            <a:ext cx="2565000" cy="3301920"/>
+            <a:ext cx="2564640" cy="3301560"/>
           </a:xfrm>
           <a:prstGeom prst="rect">
             <a:avLst/>
@@ -3350,6 +3562,21 @@
               <a:buFont typeface="Arial"/>
               <a:buChar char="•"/>
             </a:pPr>
+            <a:endParaRPr b="0" lang="en-US" sz="1000" spc="-1" strike="noStrike">
+              <a:latin typeface="Arial"/>
+            </a:endParaRPr>
+          </a:p>
+          <a:p>
+            <a:pPr marL="171360" indent="-171360">
+              <a:lnSpc>
+                <a:spcPct val="100000"/>
+              </a:lnSpc>
+              <a:buClr>
+                <a:srgbClr val="000000"/>
+              </a:buClr>
+              <a:buFont typeface="Arial"/>
+              <a:buChar char="•"/>
+            </a:pPr>
             <a:r>
               <a:rPr b="0" lang="en-US" sz="1000" spc="-1" strike="noStrike">
                 <a:solidFill>
@@ -3358,7 +3585,7 @@
                 <a:latin typeface="Calibri"/>
                 <a:ea typeface="DejaVu Sans"/>
               </a:rPr>
-              <a:t>Recommended neighborhood areas displayed on a dashboard with user input fields and sliders for metric weights (low to high importance) </a:t>
+              <a:t>Inputs: Rank, dependents, duty zip</a:t>
             </a:r>
             <a:endParaRPr b="0" lang="en-US" sz="1000" spc="-1" strike="noStrike">
               <a:latin typeface="Arial"/>
@@ -3385,21 +3612,6 @@
               </a:rPr>
               <a:t> </a:t>
             </a:r>
-            <a:endParaRPr b="0" lang="en-US" sz="1000" spc="-1" strike="noStrike">
-              <a:latin typeface="Arial"/>
-            </a:endParaRPr>
-          </a:p>
-          <a:p>
-            <a:pPr marL="171360" indent="-171360">
-              <a:lnSpc>
-                <a:spcPct val="100000"/>
-              </a:lnSpc>
-              <a:buClr>
-                <a:srgbClr val="000000"/>
-              </a:buClr>
-              <a:buFont typeface="Arial"/>
-              <a:buChar char="•"/>
-            </a:pPr>
             <a:r>
               <a:rPr b="0" lang="en-US" sz="1000" spc="-1" strike="noStrike">
                 <a:solidFill>
@@ -3408,8 +3620,233 @@
                 <a:latin typeface="Calibri"/>
                 <a:ea typeface="DejaVu Sans"/>
               </a:rPr>
-              <a:t> </a:t>
-            </a:r>
+              <a:t>Compare BAH rate to FMR/utilities</a:t>
+            </a:r>
+            <a:endParaRPr b="0" lang="en-US" sz="1000" spc="-1" strike="noStrike">
+              <a:latin typeface="Arial"/>
+            </a:endParaRPr>
+          </a:p>
+          <a:p>
+            <a:pPr marL="171360" indent="-171360">
+              <a:lnSpc>
+                <a:spcPct val="100000"/>
+              </a:lnSpc>
+              <a:buClr>
+                <a:srgbClr val="000000"/>
+              </a:buClr>
+              <a:buFont typeface="Arial"/>
+              <a:buChar char="•"/>
+            </a:pPr>
+            <a:endParaRPr b="0" lang="en-US" sz="1000" spc="-1" strike="noStrike">
+              <a:latin typeface="Arial"/>
+            </a:endParaRPr>
+          </a:p>
+          <a:p>
+            <a:pPr marL="171360" indent="-171360">
+              <a:lnSpc>
+                <a:spcPct val="100000"/>
+              </a:lnSpc>
+              <a:buClr>
+                <a:srgbClr val="000000"/>
+              </a:buClr>
+              <a:buFont typeface="Arial"/>
+              <a:buChar char="•"/>
+            </a:pPr>
+            <a:r>
+              <a:rPr b="0" lang="en-US" sz="1000" spc="-1" strike="noStrike">
+                <a:solidFill>
+                  <a:srgbClr val="000000"/>
+                </a:solidFill>
+                <a:latin typeface="Calibri"/>
+                <a:ea typeface="DejaVu Sans"/>
+              </a:rPr>
+              <a:t>Combine walkability score with predicted commute times from google’s directions API</a:t>
+            </a:r>
+            <a:endParaRPr b="0" lang="en-US" sz="1000" spc="-1" strike="noStrike">
+              <a:latin typeface="Arial"/>
+            </a:endParaRPr>
+          </a:p>
+          <a:p>
+            <a:pPr marL="171360" indent="-171360">
+              <a:lnSpc>
+                <a:spcPct val="100000"/>
+              </a:lnSpc>
+              <a:buClr>
+                <a:srgbClr val="000000"/>
+              </a:buClr>
+              <a:buFont typeface="Arial"/>
+              <a:buChar char="•"/>
+            </a:pPr>
+            <a:endParaRPr b="0" lang="en-US" sz="1000" spc="-1" strike="noStrike">
+              <a:latin typeface="Arial"/>
+            </a:endParaRPr>
+          </a:p>
+          <a:p>
+            <a:pPr marL="171360" indent="-171360">
+              <a:lnSpc>
+                <a:spcPct val="100000"/>
+              </a:lnSpc>
+              <a:buClr>
+                <a:srgbClr val="000000"/>
+              </a:buClr>
+              <a:buFont typeface="Arial"/>
+              <a:buChar char="•"/>
+            </a:pPr>
+            <a:r>
+              <a:rPr b="0" lang="en-US" sz="1000" spc="-1" strike="noStrike">
+                <a:solidFill>
+                  <a:srgbClr val="000000"/>
+                </a:solidFill>
+                <a:latin typeface="Calibri"/>
+                <a:ea typeface="DejaVu Sans"/>
+              </a:rPr>
+              <a:t>Generate weighted sum of school ratings by a factor of distance</a:t>
+            </a:r>
+            <a:endParaRPr b="0" lang="en-US" sz="1000" spc="-1" strike="noStrike">
+              <a:latin typeface="Arial"/>
+            </a:endParaRPr>
+          </a:p>
+          <a:p>
+            <a:pPr marL="171360" indent="-171360">
+              <a:lnSpc>
+                <a:spcPct val="100000"/>
+              </a:lnSpc>
+              <a:buClr>
+                <a:srgbClr val="000000"/>
+              </a:buClr>
+              <a:buFont typeface="Arial"/>
+              <a:buChar char="•"/>
+            </a:pPr>
+            <a:endParaRPr b="0" lang="en-US" sz="1000" spc="-1" strike="noStrike">
+              <a:latin typeface="Arial"/>
+            </a:endParaRPr>
+          </a:p>
+          <a:p>
+            <a:pPr marL="171360" indent="-171360">
+              <a:lnSpc>
+                <a:spcPct val="100000"/>
+              </a:lnSpc>
+              <a:buClr>
+                <a:srgbClr val="000000"/>
+              </a:buClr>
+              <a:buFont typeface="Arial"/>
+              <a:buChar char="•"/>
+            </a:pPr>
+            <a:endParaRPr b="0" lang="en-US" sz="1000" spc="-1" strike="noStrike">
+              <a:latin typeface="Arial"/>
+            </a:endParaRPr>
+          </a:p>
+          <a:p>
+            <a:pPr marL="171360" indent="-171360">
+              <a:lnSpc>
+                <a:spcPct val="100000"/>
+              </a:lnSpc>
+              <a:buClr>
+                <a:srgbClr val="000000"/>
+              </a:buClr>
+              <a:buFont typeface="Arial"/>
+              <a:buChar char="•"/>
+            </a:pPr>
+            <a:r>
+              <a:rPr b="0" lang="en-US" sz="1000" spc="-1" strike="noStrike">
+                <a:solidFill>
+                  <a:srgbClr val="000000"/>
+                </a:solidFill>
+                <a:latin typeface="Calibri"/>
+                <a:ea typeface="DejaVu Sans"/>
+              </a:rPr>
+              <a:t>Reference zip code’s crime grade</a:t>
+            </a:r>
+            <a:endParaRPr b="0" lang="en-US" sz="1000" spc="-1" strike="noStrike">
+              <a:latin typeface="Arial"/>
+            </a:endParaRPr>
+          </a:p>
+          <a:p>
+            <a:pPr marL="171360" indent="-171360">
+              <a:lnSpc>
+                <a:spcPct val="100000"/>
+              </a:lnSpc>
+              <a:buClr>
+                <a:srgbClr val="000000"/>
+              </a:buClr>
+              <a:buFont typeface="Arial"/>
+              <a:buChar char="•"/>
+            </a:pPr>
+            <a:endParaRPr b="0" lang="en-US" sz="1000" spc="-1" strike="noStrike">
+              <a:latin typeface="Arial"/>
+            </a:endParaRPr>
+          </a:p>
+          <a:p>
+            <a:pPr marL="171360" indent="-171360">
+              <a:lnSpc>
+                <a:spcPct val="100000"/>
+              </a:lnSpc>
+              <a:buClr>
+                <a:srgbClr val="000000"/>
+              </a:buClr>
+              <a:buFont typeface="Arial"/>
+              <a:buChar char="•"/>
+            </a:pPr>
+            <a:endParaRPr b="0" lang="en-US" sz="1000" spc="-1" strike="noStrike">
+              <a:latin typeface="Arial"/>
+            </a:endParaRPr>
+          </a:p>
+          <a:p>
+            <a:pPr marL="171360" indent="-171360">
+              <a:lnSpc>
+                <a:spcPct val="100000"/>
+              </a:lnSpc>
+              <a:buClr>
+                <a:srgbClr val="000000"/>
+              </a:buClr>
+              <a:buFont typeface="Arial"/>
+              <a:buChar char="•"/>
+            </a:pPr>
+            <a:endParaRPr b="0" lang="en-US" sz="1000" spc="-1" strike="noStrike">
+              <a:latin typeface="Arial"/>
+            </a:endParaRPr>
+          </a:p>
+          <a:p>
+            <a:pPr marL="171360" indent="-171360">
+              <a:lnSpc>
+                <a:spcPct val="100000"/>
+              </a:lnSpc>
+              <a:buClr>
+                <a:srgbClr val="000000"/>
+              </a:buClr>
+              <a:buFont typeface="Arial"/>
+              <a:buChar char="•"/>
+            </a:pPr>
+            <a:endParaRPr b="0" lang="en-US" sz="1000" spc="-1" strike="noStrike">
+              <a:latin typeface="Arial"/>
+            </a:endParaRPr>
+          </a:p>
+          <a:p>
+            <a:pPr marL="171360" indent="-171360">
+              <a:lnSpc>
+                <a:spcPct val="100000"/>
+              </a:lnSpc>
+              <a:buClr>
+                <a:srgbClr val="000000"/>
+              </a:buClr>
+              <a:buFont typeface="Arial"/>
+              <a:buChar char="•"/>
+            </a:pPr>
+            <a:endParaRPr b="0" lang="en-US" sz="1000" spc="-1" strike="noStrike">
+              <a:latin typeface="Arial"/>
+            </a:endParaRPr>
+          </a:p>
+          <a:p>
+            <a:pPr marL="171360" indent="-171360">
+              <a:lnSpc>
+                <a:spcPct val="100000"/>
+              </a:lnSpc>
+              <a:buClr>
+                <a:srgbClr val="000000"/>
+              </a:buClr>
+              <a:buFont typeface="Arial"/>
+              <a:buChar char="•"/>
+            </a:pPr>
             <a:r>
               <a:rPr b="0" lang="en-US" sz="1000" spc="-1" strike="noStrike">
                 <a:solidFill>
@@ -3435,7 +3872,7 @@
         <p:spPr>
           <a:xfrm>
             <a:off x="6492240" y="2421720"/>
-            <a:ext cx="2400480" cy="3301920"/>
+            <a:ext cx="2400120" cy="3301560"/>
           </a:xfrm>
           <a:prstGeom prst="rect">
             <a:avLst/>
@@ -3516,6 +3953,21 @@
               <a:buFont typeface="Arial"/>
               <a:buChar char="•"/>
             </a:pPr>
+            <a:endParaRPr b="0" lang="en-US" sz="1000" spc="-1" strike="noStrike">
+              <a:latin typeface="Arial"/>
+            </a:endParaRPr>
+          </a:p>
+          <a:p>
+            <a:pPr marL="171360" indent="-171360">
+              <a:lnSpc>
+                <a:spcPct val="100000"/>
+              </a:lnSpc>
+              <a:buClr>
+                <a:srgbClr val="000000"/>
+              </a:buClr>
+              <a:buFont typeface="Arial"/>
+              <a:buChar char="•"/>
+            </a:pPr>
             <a:r>
               <a:rPr b="0" lang="en-US" sz="1000" spc="-1" strike="noStrike">
                 <a:solidFill>
@@ -3526,6 +3978,31 @@
               </a:rPr>
               <a:t> </a:t>
             </a:r>
+            <a:r>
+              <a:rPr b="0" lang="en-US" sz="1000" spc="-1" strike="noStrike">
+                <a:solidFill>
+                  <a:srgbClr val="000000"/>
+                </a:solidFill>
+                <a:latin typeface="Calibri"/>
+                <a:ea typeface="DejaVu Sans"/>
+              </a:rPr>
+              <a:t>Score each location based on user weights of all the computation values to provide a comparative metric</a:t>
+            </a:r>
+            <a:endParaRPr b="0" lang="en-US" sz="1000" spc="-1" strike="noStrike">
+              <a:latin typeface="Arial"/>
+            </a:endParaRPr>
+          </a:p>
+          <a:p>
+            <a:pPr marL="171360" indent="-171360">
+              <a:lnSpc>
+                <a:spcPct val="100000"/>
+              </a:lnSpc>
+              <a:buClr>
+                <a:srgbClr val="000000"/>
+              </a:buClr>
+              <a:buFont typeface="Arial"/>
+              <a:buChar char="•"/>
+            </a:pPr>
             <a:endParaRPr b="0" lang="en-US" sz="1000" spc="-1" strike="noStrike">
               <a:latin typeface="Arial"/>
             </a:endParaRPr>
@@ -3566,7 +4043,7 @@
         <p:spPr>
           <a:xfrm>
             <a:off x="193680" y="6051960"/>
-            <a:ext cx="8794800" cy="624960"/>
+            <a:ext cx="8794440" cy="624600"/>
           </a:xfrm>
           <a:prstGeom prst="rect">
             <a:avLst/>

--- a/FinalProject_worksheet.pptx
+++ b/FinalProject_worksheet.pptx
@@ -63,7 +63,7 @@
         <p:txBody>
           <a:bodyPr/>
           <a:p>
-            <a:fld id="{1B8B21FA-AC7D-469A-9DA7-1C10895FB875}" type="slidenum">
+            <a:fld id="{39668334-F88F-4A23-B259-7DEC5E861585}" type="slidenum">
               <a:t>&lt;#&gt;</a:t>
             </a:fld>
           </a:p>
@@ -125,7 +125,7 @@
         <p:spPr>
           <a:xfrm>
             <a:off x="457200" y="68040"/>
-            <a:ext cx="8228160" cy="625320"/>
+            <a:ext cx="8227800" cy="625320"/>
           </a:xfrm>
           <a:prstGeom prst="rect">
             <a:avLst/>
@@ -251,7 +251,7 @@
         <p:txBody>
           <a:bodyPr/>
           <a:p>
-            <a:fld id="{BC88F0E2-A6D4-460B-A652-C3BC4D276A91}" type="slidenum">
+            <a:fld id="{D949EC8B-F18D-470F-9AF1-E79018345CE1}" type="slidenum">
               <a:t>&lt;#&gt;</a:t>
             </a:fld>
           </a:p>
@@ -313,7 +313,7 @@
         <p:spPr>
           <a:xfrm>
             <a:off x="457200" y="68040"/>
-            <a:ext cx="8228160" cy="625320"/>
+            <a:ext cx="8227800" cy="625320"/>
           </a:xfrm>
           <a:prstGeom prst="rect">
             <a:avLst/>
@@ -507,7 +507,7 @@
         <p:txBody>
           <a:bodyPr/>
           <a:p>
-            <a:fld id="{EAB3111C-835B-4F2A-B6E7-73720CE8B8E6}" type="slidenum">
+            <a:fld id="{4B2ECFD3-8F08-467B-86BD-A486AB1DEA31}" type="slidenum">
               <a:t>&lt;#&gt;</a:t>
             </a:fld>
           </a:p>
@@ -569,7 +569,7 @@
         <p:spPr>
           <a:xfrm>
             <a:off x="457200" y="68040"/>
-            <a:ext cx="8228160" cy="625320"/>
+            <a:ext cx="8227800" cy="625320"/>
           </a:xfrm>
           <a:prstGeom prst="rect">
             <a:avLst/>
@@ -831,7 +831,7 @@
         <p:txBody>
           <a:bodyPr/>
           <a:p>
-            <a:fld id="{09575B04-6178-4F2D-B279-EC03C80A67B9}" type="slidenum">
+            <a:fld id="{EA286121-86D8-4729-9002-5FCDF4426DE9}" type="slidenum">
               <a:t>&lt;#&gt;</a:t>
             </a:fld>
           </a:p>
@@ -893,7 +893,7 @@
         <p:spPr>
           <a:xfrm>
             <a:off x="457200" y="68040"/>
-            <a:ext cx="8228160" cy="625320"/>
+            <a:ext cx="8227800" cy="625320"/>
           </a:xfrm>
           <a:prstGeom prst="rect">
             <a:avLst/>
@@ -988,7 +988,7 @@
         <p:txBody>
           <a:bodyPr/>
           <a:p>
-            <a:fld id="{9C015199-77A1-4DB7-8438-06051E3FB841}" type="slidenum">
+            <a:fld id="{BCB2B479-2D22-480C-A438-EC0B4C23F225}" type="slidenum">
               <a:t>&lt;#&gt;</a:t>
             </a:fld>
           </a:p>
@@ -1050,7 +1050,7 @@
         <p:spPr>
           <a:xfrm>
             <a:off x="457200" y="68040"/>
-            <a:ext cx="8228160" cy="625320"/>
+            <a:ext cx="8227800" cy="625320"/>
           </a:xfrm>
           <a:prstGeom prst="rect">
             <a:avLst/>
@@ -1142,7 +1142,7 @@
         <p:txBody>
           <a:bodyPr/>
           <a:p>
-            <a:fld id="{769E9F8C-042A-49D4-A9AB-2BC4E53718BD}" type="slidenum">
+            <a:fld id="{7D87B3E6-35C9-43C1-AF08-AE47C656E647}" type="slidenum">
               <a:t>&lt;#&gt;</a:t>
             </a:fld>
           </a:p>
@@ -1204,7 +1204,7 @@
         <p:spPr>
           <a:xfrm>
             <a:off x="457200" y="68040"/>
-            <a:ext cx="8228160" cy="625320"/>
+            <a:ext cx="8227800" cy="625320"/>
           </a:xfrm>
           <a:prstGeom prst="rect">
             <a:avLst/>
@@ -1330,7 +1330,7 @@
         <p:txBody>
           <a:bodyPr/>
           <a:p>
-            <a:fld id="{EB9A0ADD-39AE-4D6A-9520-7A13AAC6A453}" type="slidenum">
+            <a:fld id="{63B5A970-A22F-499A-844F-DFA9857AB59A}" type="slidenum">
               <a:t>&lt;#&gt;</a:t>
             </a:fld>
           </a:p>
@@ -1392,7 +1392,7 @@
         <p:spPr>
           <a:xfrm>
             <a:off x="457200" y="68040"/>
-            <a:ext cx="8228160" cy="625320"/>
+            <a:ext cx="8227800" cy="625320"/>
           </a:xfrm>
           <a:prstGeom prst="rect">
             <a:avLst/>
@@ -1450,7 +1450,7 @@
         <p:txBody>
           <a:bodyPr/>
           <a:p>
-            <a:fld id="{0513AF9B-30CD-4ADB-B58C-C1A824CF090E}" type="slidenum">
+            <a:fld id="{681AFA41-A863-48E5-8DB3-5FBCE9DDB30D}" type="slidenum">
               <a:t>&lt;#&gt;</a:t>
             </a:fld>
           </a:p>
@@ -1512,7 +1512,7 @@
         <p:spPr>
           <a:xfrm>
             <a:off x="457200" y="68040"/>
-            <a:ext cx="8228160" cy="2898360"/>
+            <a:ext cx="8227800" cy="2898360"/>
           </a:xfrm>
           <a:prstGeom prst="rect">
             <a:avLst/>
@@ -1570,7 +1570,7 @@
         <p:txBody>
           <a:bodyPr/>
           <a:p>
-            <a:fld id="{CE224827-58D5-4204-B53F-F56F12D9A020}" type="slidenum">
+            <a:fld id="{72AAC9F0-C7D7-4E24-8745-5C0D76B758A4}" type="slidenum">
               <a:t>&lt;#&gt;</a:t>
             </a:fld>
           </a:p>
@@ -1632,7 +1632,7 @@
         <p:spPr>
           <a:xfrm>
             <a:off x="457200" y="68040"/>
-            <a:ext cx="8228160" cy="625320"/>
+            <a:ext cx="8227800" cy="625320"/>
           </a:xfrm>
           <a:prstGeom prst="rect">
             <a:avLst/>
@@ -1792,7 +1792,7 @@
         <p:txBody>
           <a:bodyPr/>
           <a:p>
-            <a:fld id="{88E64E79-7CC4-4BC8-BCAB-9819F3D6CD06}" type="slidenum">
+            <a:fld id="{FAA648F5-BA44-4048-8E59-541B03626879}" type="slidenum">
               <a:t>&lt;#&gt;</a:t>
             </a:fld>
           </a:p>
@@ -1854,7 +1854,7 @@
         <p:spPr>
           <a:xfrm>
             <a:off x="457200" y="68040"/>
-            <a:ext cx="8228160" cy="625320"/>
+            <a:ext cx="8227800" cy="625320"/>
           </a:xfrm>
           <a:prstGeom prst="rect">
             <a:avLst/>
@@ -2014,7 +2014,7 @@
         <p:txBody>
           <a:bodyPr/>
           <a:p>
-            <a:fld id="{A11FC7B9-932E-46A8-A728-47F1A8A87B0B}" type="slidenum">
+            <a:fld id="{E03E9EC3-DFDE-4763-9D6F-4A1179776E01}" type="slidenum">
               <a:t>&lt;#&gt;</a:t>
             </a:fld>
           </a:p>
@@ -2076,7 +2076,7 @@
         <p:spPr>
           <a:xfrm>
             <a:off x="457200" y="68040"/>
-            <a:ext cx="8228160" cy="625320"/>
+            <a:ext cx="8227800" cy="625320"/>
           </a:xfrm>
           <a:prstGeom prst="rect">
             <a:avLst/>
@@ -2236,7 +2236,7 @@
         <p:txBody>
           <a:bodyPr/>
           <a:p>
-            <a:fld id="{84518BE0-B6FA-43C4-8A25-A7CA2B1EC770}" type="slidenum">
+            <a:fld id="{86217A26-D62C-4D73-8173-88560F403781}" type="slidenum">
               <a:t>&lt;#&gt;</a:t>
             </a:fld>
           </a:p>
@@ -2305,7 +2305,7 @@
         <p:spPr>
           <a:xfrm>
             <a:off x="457200" y="68040"/>
-            <a:ext cx="8228160" cy="624960"/>
+            <a:ext cx="8227800" cy="624960"/>
           </a:xfrm>
           <a:prstGeom prst="rect">
             <a:avLst/>
@@ -2345,7 +2345,7 @@
         <p:spPr>
           <a:xfrm>
             <a:off x="3124080" y="6245280"/>
-            <a:ext cx="2894040" cy="474840"/>
+            <a:ext cx="2893680" cy="474480"/>
           </a:xfrm>
           <a:prstGeom prst="rect">
             <a:avLst/>
@@ -2402,7 +2402,7 @@
         <p:spPr>
           <a:xfrm>
             <a:off x="6553080" y="6245280"/>
-            <a:ext cx="2132280" cy="474840"/>
+            <a:ext cx="2131920" cy="474480"/>
           </a:xfrm>
           <a:prstGeom prst="rect">
             <a:avLst/>
@@ -2437,7 +2437,7 @@
               </a:lnSpc>
               <a:buNone/>
             </a:pPr>
-            <a:fld id="{64A0ED9E-6C03-46FB-81A0-8B9F72B8CC16}" type="slidenum">
+            <a:fld id="{E706B289-17A6-40F1-ACFF-ACC33FDB742E}" type="slidenum">
               <a:rPr b="0" lang="en-US" sz="1400" spc="-1" strike="noStrike">
                 <a:solidFill>
                   <a:srgbClr val="000000"/>
@@ -2465,7 +2465,7 @@
         <p:spPr>
           <a:xfrm>
             <a:off x="457200" y="6245280"/>
-            <a:ext cx="2132280" cy="474840"/>
+            <a:ext cx="2131920" cy="474480"/>
           </a:xfrm>
           <a:prstGeom prst="rect">
             <a:avLst/>
@@ -2549,7 +2549,7 @@
         <p:spPr>
           <a:xfrm>
             <a:off x="457200" y="152280"/>
-            <a:ext cx="8228160" cy="455760"/>
+            <a:ext cx="8227800" cy="455400"/>
           </a:xfrm>
           <a:prstGeom prst="rect">
             <a:avLst/>
@@ -2817,7 +2817,7 @@
         <p:spPr>
           <a:xfrm>
             <a:off x="2882160" y="3685680"/>
-            <a:ext cx="459360" cy="1112400"/>
+            <a:ext cx="459000" cy="1112040"/>
           </a:xfrm>
           <a:prstGeom prst="rightArrow">
             <a:avLst>
@@ -2859,7 +2859,7 @@
         <p:spPr>
           <a:xfrm>
             <a:off x="5916240" y="3666240"/>
-            <a:ext cx="459360" cy="1112400"/>
+            <a:ext cx="459000" cy="1112040"/>
           </a:xfrm>
           <a:prstGeom prst="rightArrow">
             <a:avLst>
@@ -2901,7 +2901,7 @@
         <p:spPr>
           <a:xfrm>
             <a:off x="403920" y="932760"/>
-            <a:ext cx="8488440" cy="1112400"/>
+            <a:ext cx="8488080" cy="1112040"/>
           </a:xfrm>
           <a:prstGeom prst="rect">
             <a:avLst/>
@@ -3063,7 +3063,7 @@
         <p:spPr>
           <a:xfrm>
             <a:off x="403920" y="2430360"/>
-            <a:ext cx="2400120" cy="3301560"/>
+            <a:ext cx="2399760" cy="3301200"/>
           </a:xfrm>
           <a:prstGeom prst="rect">
             <a:avLst/>
@@ -3117,6 +3117,56 @@
                 <a:latin typeface="Calibri"/>
                 <a:ea typeface="DejaVu Sans"/>
               </a:rPr>
+              <a:t>Discrete map grid centered on duty location</a:t>
+            </a:r>
+            <a:endParaRPr b="0" lang="en-US" sz="1000" spc="-1" strike="noStrike">
+              <a:latin typeface="Arial"/>
+            </a:endParaRPr>
+          </a:p>
+          <a:p>
+            <a:pPr marL="171360" indent="-171360">
+              <a:lnSpc>
+                <a:spcPct val="100000"/>
+              </a:lnSpc>
+              <a:buClr>
+                <a:srgbClr val="000000"/>
+              </a:buClr>
+              <a:buFont typeface="Arial"/>
+              <a:buChar char="•"/>
+            </a:pPr>
+            <a:r>
+              <a:rPr b="0" lang="en-US" sz="1000" spc="-1" strike="noStrike">
+                <a:solidFill>
+                  <a:srgbClr val="000000"/>
+                </a:solidFill>
+                <a:latin typeface="Calibri"/>
+                <a:ea typeface="DejaVu Sans"/>
+              </a:rPr>
+              <a:t> </a:t>
+            </a:r>
+            <a:endParaRPr b="0" lang="en-US" sz="1000" spc="-1" strike="noStrike">
+              <a:latin typeface="Arial"/>
+            </a:endParaRPr>
+          </a:p>
+          <a:p>
+            <a:pPr marL="171360" indent="-171360">
+              <a:lnSpc>
+                <a:spcPct val="100000"/>
+              </a:lnSpc>
+              <a:buClr>
+                <a:srgbClr val="000000"/>
+              </a:buClr>
+              <a:buFont typeface="Arial"/>
+              <a:buChar char="•"/>
+            </a:pPr>
+            <a:r>
+              <a:rPr b="0" lang="en-US" sz="1000" spc="-1" strike="noStrike">
+                <a:solidFill>
+                  <a:srgbClr val="000000"/>
+                </a:solidFill>
+                <a:latin typeface="Calibri"/>
+                <a:ea typeface="DejaVu Sans"/>
+              </a:rPr>
               <a:t>Housing</a:t>
             </a:r>
             <a:endParaRPr b="0" lang="en-US" sz="1000" spc="-1" strike="noStrike">
@@ -3279,6 +3329,42 @@
             </a:endParaRPr>
           </a:p>
           <a:p>
+            <a:pPr>
+              <a:lnSpc>
+                <a:spcPct val="100000"/>
+              </a:lnSpc>
+              <a:buNone/>
+            </a:pPr>
+            <a:endParaRPr b="0" lang="en-US" sz="1000" spc="-1" strike="noStrike">
+              <a:latin typeface="Arial"/>
+            </a:endParaRPr>
+          </a:p>
+          <a:p>
+            <a:pPr marL="171360" indent="-171360">
+              <a:lnSpc>
+                <a:spcPct val="100000"/>
+              </a:lnSpc>
+              <a:buClr>
+                <a:srgbClr val="000000"/>
+              </a:buClr>
+              <a:buFont typeface="Arial"/>
+              <a:buChar char="•"/>
+            </a:pPr>
+            <a:r>
+              <a:rPr b="0" lang="en-US" sz="1000" spc="-1" strike="noStrike">
+                <a:solidFill>
+                  <a:srgbClr val="000000"/>
+                </a:solidFill>
+                <a:latin typeface="Calibri"/>
+                <a:ea typeface="DejaVu Sans"/>
+              </a:rPr>
+              <a:t>Schools</a:t>
+            </a:r>
+            <a:endParaRPr b="0" lang="en-US" sz="1000" spc="-1" strike="noStrike">
+              <a:latin typeface="Arial"/>
+            </a:endParaRPr>
+          </a:p>
+          <a:p>
             <a:pPr lvl="1" marL="432000" indent="-216000">
               <a:lnSpc>
                 <a:spcPct val="100000"/>
@@ -3290,6 +3376,38 @@
               <a:buFont typeface="Wingdings" charset="2"/>
               <a:buChar char=""/>
             </a:pPr>
+            <a:r>
+              <a:rPr b="0" lang="en-US" sz="1000" spc="-1" strike="noStrike">
+                <a:solidFill>
+                  <a:srgbClr val="000000"/>
+                </a:solidFill>
+                <a:latin typeface="Calibri"/>
+                <a:ea typeface="DejaVu Sans"/>
+              </a:rPr>
+              <a:t>Great Schools API</a:t>
+            </a:r>
+            <a:endParaRPr b="0" lang="en-US" sz="1000" spc="-1" strike="noStrike">
+              <a:latin typeface="Arial"/>
+            </a:endParaRPr>
+          </a:p>
+          <a:p>
+            <a:pPr>
+              <a:lnSpc>
+                <a:spcPct val="100000"/>
+              </a:lnSpc>
+              <a:buNone/>
+            </a:pPr>
+            <a:endParaRPr b="0" lang="en-US" sz="1000" spc="-1" strike="noStrike">
+              <a:latin typeface="Arial"/>
+            </a:endParaRPr>
+          </a:p>
+          <a:p>
+            <a:pPr>
+              <a:lnSpc>
+                <a:spcPct val="100000"/>
+              </a:lnSpc>
+              <a:buNone/>
+            </a:pPr>
             <a:endParaRPr b="0" lang="en-US" sz="1000" spc="-1" strike="noStrike">
               <a:latin typeface="Arial"/>
             </a:endParaRPr>
@@ -3313,7 +3431,7 @@
                 <a:latin typeface="Calibri"/>
                 <a:ea typeface="DejaVu Sans"/>
               </a:rPr>
-              <a:t>Schools</a:t>
+              <a:t>Crime</a:t>
             </a:r>
             <a:endParaRPr b="0" lang="en-US" sz="1000" spc="-1" strike="noStrike">
               <a:latin typeface="Arial"/>
@@ -3339,7 +3457,7 @@
                 <a:latin typeface="Calibri"/>
                 <a:ea typeface="DejaVu Sans"/>
               </a:rPr>
-              <a:t>Great Schools API</a:t>
+              <a:t>Crimegrade.org</a:t>
             </a:r>
             <a:endParaRPr b="0" lang="en-US" sz="1000" spc="-1" strike="noStrike">
               <a:latin typeface="Arial"/>
@@ -3357,6 +3475,41 @@
               <a:buFont typeface="Wingdings" charset="2"/>
               <a:buChar char=""/>
             </a:pPr>
+            <a:r>
+              <a:rPr b="0" lang="en-US" sz="1000" spc="-1" strike="noStrike">
+                <a:solidFill>
+                  <a:srgbClr val="000000"/>
+                </a:solidFill>
+                <a:latin typeface="Calibri"/>
+                <a:ea typeface="DejaVu Sans"/>
+              </a:rPr>
+              <a:t>FBI data center</a:t>
+            </a:r>
+            <a:endParaRPr b="0" lang="en-US" sz="1000" spc="-1" strike="noStrike">
+              <a:latin typeface="Arial"/>
+            </a:endParaRPr>
+          </a:p>
+          <a:p>
+            <a:pPr marL="171360" indent="-171360">
+              <a:lnSpc>
+                <a:spcPct val="100000"/>
+              </a:lnSpc>
+              <a:buClr>
+                <a:srgbClr val="000000"/>
+              </a:buClr>
+              <a:buFont typeface="Arial"/>
+              <a:buChar char="•"/>
+            </a:pPr>
+            <a:r>
+              <a:rPr b="0" lang="en-US" sz="1000" spc="-1" strike="noStrike">
+                <a:solidFill>
+                  <a:srgbClr val="000000"/>
+                </a:solidFill>
+                <a:latin typeface="Calibri"/>
+                <a:ea typeface="DejaVu Sans"/>
+              </a:rPr>
+              <a:t>Recreation</a:t>
+            </a:r>
             <a:endParaRPr b="0" lang="en-US" sz="1000" spc="-1" strike="noStrike">
               <a:latin typeface="Arial"/>
             </a:endParaRPr>
@@ -3373,124 +3526,6 @@
               <a:buFont typeface="Wingdings" charset="2"/>
               <a:buChar char=""/>
             </a:pPr>
-            <a:endParaRPr b="0" lang="en-US" sz="1000" spc="-1" strike="noStrike">
-              <a:latin typeface="Arial"/>
-            </a:endParaRPr>
-          </a:p>
-          <a:p>
-            <a:pPr marL="171360" indent="-171360">
-              <a:lnSpc>
-                <a:spcPct val="100000"/>
-              </a:lnSpc>
-              <a:buClr>
-                <a:srgbClr val="000000"/>
-              </a:buClr>
-              <a:buFont typeface="Arial"/>
-              <a:buChar char="•"/>
-            </a:pPr>
-            <a:r>
-              <a:rPr b="0" lang="en-US" sz="1000" spc="-1" strike="noStrike">
-                <a:solidFill>
-                  <a:srgbClr val="000000"/>
-                </a:solidFill>
-                <a:latin typeface="Calibri"/>
-                <a:ea typeface="DejaVu Sans"/>
-              </a:rPr>
-              <a:t>Crime</a:t>
-            </a:r>
-            <a:endParaRPr b="0" lang="en-US" sz="1000" spc="-1" strike="noStrike">
-              <a:latin typeface="Arial"/>
-            </a:endParaRPr>
-          </a:p>
-          <a:p>
-            <a:pPr lvl="1" marL="432000" indent="-216000">
-              <a:lnSpc>
-                <a:spcPct val="100000"/>
-              </a:lnSpc>
-              <a:buClr>
-                <a:srgbClr val="000000"/>
-              </a:buClr>
-              <a:buSzPct val="45000"/>
-              <a:buFont typeface="Wingdings" charset="2"/>
-              <a:buChar char=""/>
-            </a:pPr>
-            <a:r>
-              <a:rPr b="0" lang="en-US" sz="1000" spc="-1" strike="noStrike">
-                <a:solidFill>
-                  <a:srgbClr val="000000"/>
-                </a:solidFill>
-                <a:latin typeface="Calibri"/>
-                <a:ea typeface="DejaVu Sans"/>
-              </a:rPr>
-              <a:t>Crimegrade.org</a:t>
-            </a:r>
-            <a:endParaRPr b="0" lang="en-US" sz="1000" spc="-1" strike="noStrike">
-              <a:latin typeface="Arial"/>
-            </a:endParaRPr>
-          </a:p>
-          <a:p>
-            <a:pPr lvl="1" marL="432000" indent="-216000">
-              <a:lnSpc>
-                <a:spcPct val="100000"/>
-              </a:lnSpc>
-              <a:buClr>
-                <a:srgbClr val="000000"/>
-              </a:buClr>
-              <a:buSzPct val="45000"/>
-              <a:buFont typeface="Wingdings" charset="2"/>
-              <a:buChar char=""/>
-            </a:pPr>
-            <a:r>
-              <a:rPr b="0" lang="en-US" sz="1000" spc="-1" strike="noStrike">
-                <a:solidFill>
-                  <a:srgbClr val="000000"/>
-                </a:solidFill>
-                <a:latin typeface="Calibri"/>
-                <a:ea typeface="DejaVu Sans"/>
-              </a:rPr>
-              <a:t>FBI data center</a:t>
-            </a:r>
-            <a:endParaRPr b="0" lang="en-US" sz="1000" spc="-1" strike="noStrike">
-              <a:latin typeface="Arial"/>
-            </a:endParaRPr>
-          </a:p>
-          <a:p>
-            <a:pPr marL="171360" indent="-171360">
-              <a:lnSpc>
-                <a:spcPct val="100000"/>
-              </a:lnSpc>
-              <a:buClr>
-                <a:srgbClr val="000000"/>
-              </a:buClr>
-              <a:buFont typeface="Arial"/>
-              <a:buChar char="•"/>
-            </a:pPr>
-            <a:r>
-              <a:rPr b="0" lang="en-US" sz="1000" spc="-1" strike="noStrike">
-                <a:solidFill>
-                  <a:srgbClr val="000000"/>
-                </a:solidFill>
-                <a:latin typeface="Calibri"/>
-                <a:ea typeface="DejaVu Sans"/>
-              </a:rPr>
-              <a:t>Recreation</a:t>
-            </a:r>
-            <a:endParaRPr b="0" lang="en-US" sz="1000" spc="-1" strike="noStrike">
-              <a:latin typeface="Arial"/>
-            </a:endParaRPr>
-          </a:p>
-          <a:p>
-            <a:pPr lvl="1" marL="432000" indent="-216000">
-              <a:lnSpc>
-                <a:spcPct val="100000"/>
-              </a:lnSpc>
-              <a:buClr>
-                <a:srgbClr val="000000"/>
-              </a:buClr>
-              <a:buSzPct val="45000"/>
-              <a:buFont typeface="Wingdings" charset="2"/>
-              <a:buChar char=""/>
-            </a:pPr>
             <a:r>
               <a:rPr b="0" lang="en-US" sz="1000" spc="-1" strike="noStrike">
                 <a:solidFill>
@@ -3516,7 +3551,7 @@
         <p:spPr>
           <a:xfrm>
             <a:off x="3346920" y="2430360"/>
-            <a:ext cx="2564640" cy="3301560"/>
+            <a:ext cx="2564280" cy="3301200"/>
           </a:xfrm>
           <a:prstGeom prst="rect">
             <a:avLst/>
@@ -3562,6 +3597,16 @@
               <a:buFont typeface="Arial"/>
               <a:buChar char="•"/>
             </a:pPr>
+            <a:r>
+              <a:rPr b="0" lang="en-US" sz="1000" spc="-1" strike="noStrike">
+                <a:solidFill>
+                  <a:srgbClr val="000000"/>
+                </a:solidFill>
+                <a:latin typeface="Arial"/>
+                <a:ea typeface="DejaVu Sans"/>
+              </a:rPr>
+              <a:t>Calculate attribute scores for each grid square</a:t>
+            </a:r>
             <a:endParaRPr b="0" lang="en-US" sz="1000" spc="-1" strike="noStrike">
               <a:latin typeface="Arial"/>
             </a:endParaRPr>
@@ -3585,7 +3630,7 @@
                 <a:latin typeface="Calibri"/>
                 <a:ea typeface="DejaVu Sans"/>
               </a:rPr>
-              <a:t>Inputs: Rank, dependents, duty zip</a:t>
+              <a:t> </a:t>
             </a:r>
             <a:endParaRPr b="0" lang="en-US" sz="1000" spc="-1" strike="noStrike">
               <a:latin typeface="Arial"/>
@@ -3610,17 +3655,7 @@
                 <a:latin typeface="Calibri"/>
                 <a:ea typeface="DejaVu Sans"/>
               </a:rPr>
-              <a:t> </a:t>
-            </a:r>
-            <a:r>
-              <a:rPr b="0" lang="en-US" sz="1000" spc="-1" strike="noStrike">
-                <a:solidFill>
-                  <a:srgbClr val="000000"/>
-                </a:solidFill>
-                <a:latin typeface="Calibri"/>
-                <a:ea typeface="DejaVu Sans"/>
-              </a:rPr>
-              <a:t>Compare BAH rate to FMR/utilities</a:t>
+              <a:t>Inputs: Rank, dependents, duty zip</a:t>
             </a:r>
             <a:endParaRPr b="0" lang="en-US" sz="1000" spc="-1" strike="noStrike">
               <a:latin typeface="Arial"/>
@@ -3637,6 +3672,37 @@
               <a:buFont typeface="Arial"/>
               <a:buChar char="•"/>
             </a:pPr>
+            <a:r>
+              <a:rPr b="0" lang="en-US" sz="1000" spc="-1" strike="noStrike">
+                <a:solidFill>
+                  <a:srgbClr val="000000"/>
+                </a:solidFill>
+                <a:latin typeface="Calibri"/>
+                <a:ea typeface="DejaVu Sans"/>
+              </a:rPr>
+              <a:t> </a:t>
+            </a:r>
+            <a:r>
+              <a:rPr b="0" lang="en-US" sz="1000" spc="-1" strike="noStrike">
+                <a:solidFill>
+                  <a:srgbClr val="000000"/>
+                </a:solidFill>
+                <a:latin typeface="Calibri"/>
+                <a:ea typeface="DejaVu Sans"/>
+              </a:rPr>
+              <a:t>Compare BAH rate to FMR/utilities</a:t>
+            </a:r>
+            <a:endParaRPr b="0" lang="en-US" sz="1000" spc="-1" strike="noStrike">
+              <a:latin typeface="Arial"/>
+            </a:endParaRPr>
+          </a:p>
+          <a:p>
+            <a:pPr>
+              <a:lnSpc>
+                <a:spcPct val="100000"/>
+              </a:lnSpc>
+              <a:buNone/>
+            </a:pPr>
             <a:endParaRPr b="0" lang="en-US" sz="1000" spc="-1" strike="noStrike">
               <a:latin typeface="Arial"/>
             </a:endParaRPr>
@@ -3667,6 +3733,17 @@
             </a:endParaRPr>
           </a:p>
           <a:p>
+            <a:pPr>
+              <a:lnSpc>
+                <a:spcPct val="100000"/>
+              </a:lnSpc>
+              <a:buNone/>
+            </a:pPr>
+            <a:endParaRPr b="0" lang="en-US" sz="1000" spc="-1" strike="noStrike">
+              <a:latin typeface="Arial"/>
+            </a:endParaRPr>
+          </a:p>
+          <a:p>
             <a:pPr marL="171360" indent="-171360">
               <a:lnSpc>
                 <a:spcPct val="100000"/>
@@ -3677,6 +3754,38 @@
               <a:buFont typeface="Arial"/>
               <a:buChar char="•"/>
             </a:pPr>
+            <a:r>
+              <a:rPr b="0" lang="en-US" sz="1000" spc="-1" strike="noStrike">
+                <a:solidFill>
+                  <a:srgbClr val="000000"/>
+                </a:solidFill>
+                <a:latin typeface="Calibri"/>
+                <a:ea typeface="DejaVu Sans"/>
+              </a:rPr>
+              <a:t>Generate weighted sum of school ratings by a factor of distance</a:t>
+            </a:r>
+            <a:endParaRPr b="0" lang="en-US" sz="1000" spc="-1" strike="noStrike">
+              <a:latin typeface="Arial"/>
+            </a:endParaRPr>
+          </a:p>
+          <a:p>
+            <a:pPr>
+              <a:lnSpc>
+                <a:spcPct val="100000"/>
+              </a:lnSpc>
+              <a:buNone/>
+            </a:pPr>
+            <a:endParaRPr b="0" lang="en-US" sz="1000" spc="-1" strike="noStrike">
+              <a:latin typeface="Arial"/>
+            </a:endParaRPr>
+          </a:p>
+          <a:p>
+            <a:pPr>
+              <a:lnSpc>
+                <a:spcPct val="100000"/>
+              </a:lnSpc>
+              <a:buNone/>
+            </a:pPr>
             <a:endParaRPr b="0" lang="en-US" sz="1000" spc="-1" strike="noStrike">
               <a:latin typeface="Arial"/>
             </a:endParaRPr>
@@ -3700,8 +3809,41 @@
                 <a:latin typeface="Calibri"/>
                 <a:ea typeface="DejaVu Sans"/>
               </a:rPr>
-              <a:t>Generate weighted sum of school ratings by a factor of distance</a:t>
-            </a:r>
+              <a:t>Reference zip code’s crime grade</a:t>
+            </a:r>
+            <a:endParaRPr b="0" lang="en-US" sz="1000" spc="-1" strike="noStrike">
+              <a:latin typeface="Arial"/>
+            </a:endParaRPr>
+          </a:p>
+          <a:p>
+            <a:pPr>
+              <a:lnSpc>
+                <a:spcPct val="100000"/>
+              </a:lnSpc>
+              <a:buNone/>
+            </a:pPr>
+            <a:endParaRPr b="0" lang="en-US" sz="1000" spc="-1" strike="noStrike">
+              <a:latin typeface="Arial"/>
+            </a:endParaRPr>
+          </a:p>
+          <a:p>
+            <a:pPr>
+              <a:lnSpc>
+                <a:spcPct val="100000"/>
+              </a:lnSpc>
+              <a:buNone/>
+            </a:pPr>
+            <a:endParaRPr b="0" lang="en-US" sz="1000" spc="-1" strike="noStrike">
+              <a:latin typeface="Arial"/>
+            </a:endParaRPr>
+          </a:p>
+          <a:p>
+            <a:pPr>
+              <a:lnSpc>
+                <a:spcPct val="100000"/>
+              </a:lnSpc>
+              <a:buNone/>
+            </a:pPr>
             <a:endParaRPr b="0" lang="en-US" sz="1000" spc="-1" strike="noStrike">
               <a:latin typeface="Arial"/>
             </a:endParaRPr>
@@ -3717,136 +3859,6 @@
               <a:buFont typeface="Arial"/>
               <a:buChar char="•"/>
             </a:pPr>
-            <a:endParaRPr b="0" lang="en-US" sz="1000" spc="-1" strike="noStrike">
-              <a:latin typeface="Arial"/>
-            </a:endParaRPr>
-          </a:p>
-          <a:p>
-            <a:pPr marL="171360" indent="-171360">
-              <a:lnSpc>
-                <a:spcPct val="100000"/>
-              </a:lnSpc>
-              <a:buClr>
-                <a:srgbClr val="000000"/>
-              </a:buClr>
-              <a:buFont typeface="Arial"/>
-              <a:buChar char="•"/>
-            </a:pPr>
-            <a:endParaRPr b="0" lang="en-US" sz="1000" spc="-1" strike="noStrike">
-              <a:latin typeface="Arial"/>
-            </a:endParaRPr>
-          </a:p>
-          <a:p>
-            <a:pPr marL="171360" indent="-171360">
-              <a:lnSpc>
-                <a:spcPct val="100000"/>
-              </a:lnSpc>
-              <a:buClr>
-                <a:srgbClr val="000000"/>
-              </a:buClr>
-              <a:buFont typeface="Arial"/>
-              <a:buChar char="•"/>
-            </a:pPr>
-            <a:r>
-              <a:rPr b="0" lang="en-US" sz="1000" spc="-1" strike="noStrike">
-                <a:solidFill>
-                  <a:srgbClr val="000000"/>
-                </a:solidFill>
-                <a:latin typeface="Calibri"/>
-                <a:ea typeface="DejaVu Sans"/>
-              </a:rPr>
-              <a:t>Reference zip code’s crime grade</a:t>
-            </a:r>
-            <a:endParaRPr b="0" lang="en-US" sz="1000" spc="-1" strike="noStrike">
-              <a:latin typeface="Arial"/>
-            </a:endParaRPr>
-          </a:p>
-          <a:p>
-            <a:pPr marL="171360" indent="-171360">
-              <a:lnSpc>
-                <a:spcPct val="100000"/>
-              </a:lnSpc>
-              <a:buClr>
-                <a:srgbClr val="000000"/>
-              </a:buClr>
-              <a:buFont typeface="Arial"/>
-              <a:buChar char="•"/>
-            </a:pPr>
-            <a:endParaRPr b="0" lang="en-US" sz="1000" spc="-1" strike="noStrike">
-              <a:latin typeface="Arial"/>
-            </a:endParaRPr>
-          </a:p>
-          <a:p>
-            <a:pPr marL="171360" indent="-171360">
-              <a:lnSpc>
-                <a:spcPct val="100000"/>
-              </a:lnSpc>
-              <a:buClr>
-                <a:srgbClr val="000000"/>
-              </a:buClr>
-              <a:buFont typeface="Arial"/>
-              <a:buChar char="•"/>
-            </a:pPr>
-            <a:endParaRPr b="0" lang="en-US" sz="1000" spc="-1" strike="noStrike">
-              <a:latin typeface="Arial"/>
-            </a:endParaRPr>
-          </a:p>
-          <a:p>
-            <a:pPr marL="171360" indent="-171360">
-              <a:lnSpc>
-                <a:spcPct val="100000"/>
-              </a:lnSpc>
-              <a:buClr>
-                <a:srgbClr val="000000"/>
-              </a:buClr>
-              <a:buFont typeface="Arial"/>
-              <a:buChar char="•"/>
-            </a:pPr>
-            <a:endParaRPr b="0" lang="en-US" sz="1000" spc="-1" strike="noStrike">
-              <a:latin typeface="Arial"/>
-            </a:endParaRPr>
-          </a:p>
-          <a:p>
-            <a:pPr marL="171360" indent="-171360">
-              <a:lnSpc>
-                <a:spcPct val="100000"/>
-              </a:lnSpc>
-              <a:buClr>
-                <a:srgbClr val="000000"/>
-              </a:buClr>
-              <a:buFont typeface="Arial"/>
-              <a:buChar char="•"/>
-            </a:pPr>
-            <a:endParaRPr b="0" lang="en-US" sz="1000" spc="-1" strike="noStrike">
-              <a:latin typeface="Arial"/>
-            </a:endParaRPr>
-          </a:p>
-          <a:p>
-            <a:pPr marL="171360" indent="-171360">
-              <a:lnSpc>
-                <a:spcPct val="100000"/>
-              </a:lnSpc>
-              <a:buClr>
-                <a:srgbClr val="000000"/>
-              </a:buClr>
-              <a:buFont typeface="Arial"/>
-              <a:buChar char="•"/>
-            </a:pPr>
-            <a:endParaRPr b="0" lang="en-US" sz="1000" spc="-1" strike="noStrike">
-              <a:latin typeface="Arial"/>
-            </a:endParaRPr>
-          </a:p>
-          <a:p>
-            <a:pPr marL="171360" indent="-171360">
-              <a:lnSpc>
-                <a:spcPct val="100000"/>
-              </a:lnSpc>
-              <a:buClr>
-                <a:srgbClr val="000000"/>
-              </a:buClr>
-              <a:buFont typeface="Arial"/>
-              <a:buChar char="•"/>
-            </a:pPr>
             <a:r>
               <a:rPr b="0" lang="en-US" sz="1000" spc="-1" strike="noStrike">
                 <a:solidFill>
@@ -3872,7 +3884,7 @@
         <p:spPr>
           <a:xfrm>
             <a:off x="6492240" y="2421720"/>
-            <a:ext cx="2400120" cy="3301560"/>
+            <a:ext cx="2399760" cy="3301200"/>
           </a:xfrm>
           <a:prstGeom prst="rect">
             <a:avLst/>
@@ -3936,8 +3948,19 @@
                 <a:latin typeface="Calibri"/>
                 <a:ea typeface="DejaVu Sans"/>
               </a:rPr>
-              <a:t>Presented via layers on open street map in a dashboard format</a:t>
-            </a:r>
+              <a:t>Presented on a dashboard with user inputs, map and top 5-10 grids</a:t>
+            </a:r>
+            <a:endParaRPr b="0" lang="en-US" sz="1000" spc="-1" strike="noStrike">
+              <a:latin typeface="Arial"/>
+            </a:endParaRPr>
+          </a:p>
+          <a:p>
+            <a:pPr>
+              <a:lnSpc>
+                <a:spcPct val="100000"/>
+              </a:lnSpc>
+              <a:buNone/>
+            </a:pPr>
             <a:endParaRPr b="0" lang="en-US" sz="1000" spc="-1" strike="noStrike">
               <a:latin typeface="Arial"/>
             </a:endParaRPr>
@@ -3953,6 +3976,37 @@
               <a:buFont typeface="Arial"/>
               <a:buChar char="•"/>
             </a:pPr>
+            <a:r>
+              <a:rPr b="0" lang="en-US" sz="1000" spc="-1" strike="noStrike">
+                <a:solidFill>
+                  <a:srgbClr val="000000"/>
+                </a:solidFill>
+                <a:latin typeface="Calibri"/>
+                <a:ea typeface="DejaVu Sans"/>
+              </a:rPr>
+              <a:t> </a:t>
+            </a:r>
+            <a:r>
+              <a:rPr b="0" lang="en-US" sz="1000" spc="-1" strike="noStrike">
+                <a:solidFill>
+                  <a:srgbClr val="000000"/>
+                </a:solidFill>
+                <a:latin typeface="Calibri"/>
+                <a:ea typeface="DejaVu Sans"/>
+              </a:rPr>
+              <a:t>Top locations will include pop-ups with all individual scores and weighted total</a:t>
+            </a:r>
+            <a:endParaRPr b="0" lang="en-US" sz="1000" spc="-1" strike="noStrike">
+              <a:latin typeface="Arial"/>
+            </a:endParaRPr>
+          </a:p>
+          <a:p>
+            <a:pPr>
+              <a:lnSpc>
+                <a:spcPct val="100000"/>
+              </a:lnSpc>
+              <a:buNone/>
+            </a:pPr>
             <a:endParaRPr b="0" lang="en-US" sz="1000" spc="-1" strike="noStrike">
               <a:latin typeface="Arial"/>
             </a:endParaRPr>
@@ -3986,7 +4040,7 @@
                 <a:latin typeface="Calibri"/>
                 <a:ea typeface="DejaVu Sans"/>
               </a:rPr>
-              <a:t>Score each location based on user weights of all the computation values to provide a comparative metric</a:t>
+              <a:t>Possible: Be able to click on map to add a point and see metrics</a:t>
             </a:r>
             <a:endParaRPr b="0" lang="en-US" sz="1000" spc="-1" strike="noStrike">
               <a:latin typeface="Arial"/>
@@ -4003,6 +4057,16 @@
               <a:buFont typeface="Arial"/>
               <a:buChar char="•"/>
             </a:pPr>
+            <a:r>
+              <a:rPr b="0" lang="en-US" sz="1000" spc="-1" strike="noStrike">
+                <a:solidFill>
+                  <a:srgbClr val="000000"/>
+                </a:solidFill>
+                <a:latin typeface="Calibri"/>
+                <a:ea typeface="DejaVu Sans"/>
+              </a:rPr>
+              <a:t> </a:t>
+            </a:r>
             <a:endParaRPr b="0" lang="en-US" sz="1000" spc="-1" strike="noStrike">
               <a:latin typeface="Arial"/>
             </a:endParaRPr>
@@ -4026,7 +4090,7 @@
                 <a:latin typeface="Calibri"/>
                 <a:ea typeface="DejaVu Sans"/>
               </a:rPr>
-              <a:t> </a:t>
+              <a:t>Possible: Leverage housing api to pull listings for top grids</a:t>
             </a:r>
             <a:endParaRPr b="0" lang="en-US" sz="1000" spc="-1" strike="noStrike">
               <a:latin typeface="Arial"/>
@@ -4043,7 +4107,7 @@
         <p:spPr>
           <a:xfrm>
             <a:off x="193680" y="6051960"/>
-            <a:ext cx="8794440" cy="624600"/>
+            <a:ext cx="8794080" cy="624240"/>
           </a:xfrm>
           <a:prstGeom prst="rect">
             <a:avLst/>

--- a/FinalProject_worksheet.pptx
+++ b/FinalProject_worksheet.pptx
@@ -63,7 +63,7 @@
         <p:txBody>
           <a:bodyPr/>
           <a:p>
-            <a:fld id="{39668334-F88F-4A23-B259-7DEC5E861585}" type="slidenum">
+            <a:fld id="{26433F3D-2024-4545-ADD3-9F294F984A3A}" type="slidenum">
               <a:t>&lt;#&gt;</a:t>
             </a:fld>
           </a:p>
@@ -114,7 +114,7 @@
       </p:grpSpPr>
       <p:sp>
         <p:nvSpPr>
-          <p:cNvPr id="25" name="PlaceHolder 1"/>
+          <p:cNvPr id="26" name="PlaceHolder 1"/>
           <p:cNvSpPr>
             <a:spLocks noGrp="1"/>
           </p:cNvSpPr>
@@ -125,7 +125,7 @@
         <p:spPr>
           <a:xfrm>
             <a:off x="457200" y="68040"/>
-            <a:ext cx="8227800" cy="625320"/>
+            <a:ext cx="8227440" cy="625320"/>
           </a:xfrm>
           <a:prstGeom prst="rect">
             <a:avLst/>
@@ -151,7 +151,7 @@
       </p:sp>
       <p:sp>
         <p:nvSpPr>
-          <p:cNvPr id="26" name="PlaceHolder 2"/>
+          <p:cNvPr id="27" name="PlaceHolder 2"/>
           <p:cNvSpPr>
             <a:spLocks noGrp="1"/>
           </p:cNvSpPr>
@@ -185,7 +185,7 @@
       </p:sp>
       <p:sp>
         <p:nvSpPr>
-          <p:cNvPr id="27" name="PlaceHolder 3"/>
+          <p:cNvPr id="28" name="PlaceHolder 3"/>
           <p:cNvSpPr>
             <a:spLocks noGrp="1"/>
           </p:cNvSpPr>
@@ -251,7 +251,7 @@
         <p:txBody>
           <a:bodyPr/>
           <a:p>
-            <a:fld id="{D949EC8B-F18D-470F-9AF1-E79018345CE1}" type="slidenum">
+            <a:fld id="{211DBFB8-A898-41BB-8272-2FA7DDBAC3B6}" type="slidenum">
               <a:t>&lt;#&gt;</a:t>
             </a:fld>
           </a:p>
@@ -302,7 +302,7 @@
       </p:grpSpPr>
       <p:sp>
         <p:nvSpPr>
-          <p:cNvPr id="28" name="PlaceHolder 1"/>
+          <p:cNvPr id="29" name="PlaceHolder 1"/>
           <p:cNvSpPr>
             <a:spLocks noGrp="1"/>
           </p:cNvSpPr>
@@ -313,7 +313,7 @@
         <p:spPr>
           <a:xfrm>
             <a:off x="457200" y="68040"/>
-            <a:ext cx="8227800" cy="625320"/>
+            <a:ext cx="8227440" cy="625320"/>
           </a:xfrm>
           <a:prstGeom prst="rect">
             <a:avLst/>
@@ -339,7 +339,7 @@
       </p:sp>
       <p:sp>
         <p:nvSpPr>
-          <p:cNvPr id="29" name="PlaceHolder 2"/>
+          <p:cNvPr id="30" name="PlaceHolder 2"/>
           <p:cNvSpPr>
             <a:spLocks noGrp="1"/>
           </p:cNvSpPr>
@@ -373,7 +373,7 @@
       </p:sp>
       <p:sp>
         <p:nvSpPr>
-          <p:cNvPr id="30" name="PlaceHolder 3"/>
+          <p:cNvPr id="31" name="PlaceHolder 3"/>
           <p:cNvSpPr>
             <a:spLocks noGrp="1"/>
           </p:cNvSpPr>
@@ -407,7 +407,7 @@
       </p:sp>
       <p:sp>
         <p:nvSpPr>
-          <p:cNvPr id="31" name="PlaceHolder 4"/>
+          <p:cNvPr id="32" name="PlaceHolder 4"/>
           <p:cNvSpPr>
             <a:spLocks noGrp="1"/>
           </p:cNvSpPr>
@@ -441,7 +441,7 @@
       </p:sp>
       <p:sp>
         <p:nvSpPr>
-          <p:cNvPr id="32" name="PlaceHolder 5"/>
+          <p:cNvPr id="33" name="PlaceHolder 5"/>
           <p:cNvSpPr>
             <a:spLocks noGrp="1"/>
           </p:cNvSpPr>
@@ -507,7 +507,7 @@
         <p:txBody>
           <a:bodyPr/>
           <a:p>
-            <a:fld id="{4B2ECFD3-8F08-467B-86BD-A486AB1DEA31}" type="slidenum">
+            <a:fld id="{C1E94B3A-E7E4-4C76-8BB7-9BAF59FDF508}" type="slidenum">
               <a:t>&lt;#&gt;</a:t>
             </a:fld>
           </a:p>
@@ -558,7 +558,7 @@
       </p:grpSpPr>
       <p:sp>
         <p:nvSpPr>
-          <p:cNvPr id="33" name="PlaceHolder 1"/>
+          <p:cNvPr id="34" name="PlaceHolder 1"/>
           <p:cNvSpPr>
             <a:spLocks noGrp="1"/>
           </p:cNvSpPr>
@@ -569,7 +569,7 @@
         <p:spPr>
           <a:xfrm>
             <a:off x="457200" y="68040"/>
-            <a:ext cx="8227800" cy="625320"/>
+            <a:ext cx="8227440" cy="625320"/>
           </a:xfrm>
           <a:prstGeom prst="rect">
             <a:avLst/>
@@ -595,7 +595,7 @@
       </p:sp>
       <p:sp>
         <p:nvSpPr>
-          <p:cNvPr id="34" name="PlaceHolder 2"/>
+          <p:cNvPr id="35" name="PlaceHolder 2"/>
           <p:cNvSpPr>
             <a:spLocks noGrp="1"/>
           </p:cNvSpPr>
@@ -629,7 +629,7 @@
       </p:sp>
       <p:sp>
         <p:nvSpPr>
-          <p:cNvPr id="35" name="PlaceHolder 3"/>
+          <p:cNvPr id="36" name="PlaceHolder 3"/>
           <p:cNvSpPr>
             <a:spLocks noGrp="1"/>
           </p:cNvSpPr>
@@ -663,7 +663,7 @@
       </p:sp>
       <p:sp>
         <p:nvSpPr>
-          <p:cNvPr id="36" name="PlaceHolder 4"/>
+          <p:cNvPr id="37" name="PlaceHolder 4"/>
           <p:cNvSpPr>
             <a:spLocks noGrp="1"/>
           </p:cNvSpPr>
@@ -697,7 +697,7 @@
       </p:sp>
       <p:sp>
         <p:nvSpPr>
-          <p:cNvPr id="37" name="PlaceHolder 5"/>
+          <p:cNvPr id="38" name="PlaceHolder 5"/>
           <p:cNvSpPr>
             <a:spLocks noGrp="1"/>
           </p:cNvSpPr>
@@ -731,7 +731,7 @@
       </p:sp>
       <p:sp>
         <p:nvSpPr>
-          <p:cNvPr id="38" name="PlaceHolder 6"/>
+          <p:cNvPr id="39" name="PlaceHolder 6"/>
           <p:cNvSpPr>
             <a:spLocks noGrp="1"/>
           </p:cNvSpPr>
@@ -765,7 +765,7 @@
       </p:sp>
       <p:sp>
         <p:nvSpPr>
-          <p:cNvPr id="39" name="PlaceHolder 7"/>
+          <p:cNvPr id="40" name="PlaceHolder 7"/>
           <p:cNvSpPr>
             <a:spLocks noGrp="1"/>
           </p:cNvSpPr>
@@ -831,7 +831,7 @@
         <p:txBody>
           <a:bodyPr/>
           <a:p>
-            <a:fld id="{EA286121-86D8-4729-9002-5FCDF4426DE9}" type="slidenum">
+            <a:fld id="{B763E0D3-B65C-4BB0-8AEF-FF14C2C0801C}" type="slidenum">
               <a:t>&lt;#&gt;</a:t>
             </a:fld>
           </a:p>
@@ -882,7 +882,7 @@
       </p:grpSpPr>
       <p:sp>
         <p:nvSpPr>
-          <p:cNvPr id="4" name="PlaceHolder 1"/>
+          <p:cNvPr id="5" name="PlaceHolder 1"/>
           <p:cNvSpPr>
             <a:spLocks noGrp="1"/>
           </p:cNvSpPr>
@@ -893,7 +893,7 @@
         <p:spPr>
           <a:xfrm>
             <a:off x="457200" y="68040"/>
-            <a:ext cx="8227800" cy="625320"/>
+            <a:ext cx="8227440" cy="625320"/>
           </a:xfrm>
           <a:prstGeom prst="rect">
             <a:avLst/>
@@ -919,7 +919,7 @@
       </p:sp>
       <p:sp>
         <p:nvSpPr>
-          <p:cNvPr id="5" name="PlaceHolder 2"/>
+          <p:cNvPr id="6" name="PlaceHolder 2"/>
           <p:cNvSpPr>
             <a:spLocks noGrp="1"/>
           </p:cNvSpPr>
@@ -988,7 +988,7 @@
         <p:txBody>
           <a:bodyPr/>
           <a:p>
-            <a:fld id="{BCB2B479-2D22-480C-A438-EC0B4C23F225}" type="slidenum">
+            <a:fld id="{ADF976A1-834F-423B-8483-C1D4D17BB6D8}" type="slidenum">
               <a:t>&lt;#&gt;</a:t>
             </a:fld>
           </a:p>
@@ -1039,7 +1039,7 @@
       </p:grpSpPr>
       <p:sp>
         <p:nvSpPr>
-          <p:cNvPr id="6" name="PlaceHolder 1"/>
+          <p:cNvPr id="7" name="PlaceHolder 1"/>
           <p:cNvSpPr>
             <a:spLocks noGrp="1"/>
           </p:cNvSpPr>
@@ -1050,7 +1050,7 @@
         <p:spPr>
           <a:xfrm>
             <a:off x="457200" y="68040"/>
-            <a:ext cx="8227800" cy="625320"/>
+            <a:ext cx="8227440" cy="625320"/>
           </a:xfrm>
           <a:prstGeom prst="rect">
             <a:avLst/>
@@ -1076,7 +1076,7 @@
       </p:sp>
       <p:sp>
         <p:nvSpPr>
-          <p:cNvPr id="7" name="PlaceHolder 2"/>
+          <p:cNvPr id="8" name="PlaceHolder 2"/>
           <p:cNvSpPr>
             <a:spLocks noGrp="1"/>
           </p:cNvSpPr>
@@ -1142,7 +1142,7 @@
         <p:txBody>
           <a:bodyPr/>
           <a:p>
-            <a:fld id="{7D87B3E6-35C9-43C1-AF08-AE47C656E647}" type="slidenum">
+            <a:fld id="{CD1A1832-CBE3-41C4-A5CD-EC4FF42A459D}" type="slidenum">
               <a:t>&lt;#&gt;</a:t>
             </a:fld>
           </a:p>
@@ -1193,7 +1193,7 @@
       </p:grpSpPr>
       <p:sp>
         <p:nvSpPr>
-          <p:cNvPr id="8" name="PlaceHolder 1"/>
+          <p:cNvPr id="9" name="PlaceHolder 1"/>
           <p:cNvSpPr>
             <a:spLocks noGrp="1"/>
           </p:cNvSpPr>
@@ -1204,7 +1204,7 @@
         <p:spPr>
           <a:xfrm>
             <a:off x="457200" y="68040"/>
-            <a:ext cx="8227800" cy="625320"/>
+            <a:ext cx="8227440" cy="625320"/>
           </a:xfrm>
           <a:prstGeom prst="rect">
             <a:avLst/>
@@ -1230,7 +1230,7 @@
       </p:sp>
       <p:sp>
         <p:nvSpPr>
-          <p:cNvPr id="9" name="PlaceHolder 2"/>
+          <p:cNvPr id="10" name="PlaceHolder 2"/>
           <p:cNvSpPr>
             <a:spLocks noGrp="1"/>
           </p:cNvSpPr>
@@ -1264,7 +1264,7 @@
       </p:sp>
       <p:sp>
         <p:nvSpPr>
-          <p:cNvPr id="10" name="PlaceHolder 3"/>
+          <p:cNvPr id="11" name="PlaceHolder 3"/>
           <p:cNvSpPr>
             <a:spLocks noGrp="1"/>
           </p:cNvSpPr>
@@ -1330,7 +1330,7 @@
         <p:txBody>
           <a:bodyPr/>
           <a:p>
-            <a:fld id="{63B5A970-A22F-499A-844F-DFA9857AB59A}" type="slidenum">
+            <a:fld id="{8B0AAEBC-359B-4FD2-BF40-CEEA4199052E}" type="slidenum">
               <a:t>&lt;#&gt;</a:t>
             </a:fld>
           </a:p>
@@ -1381,7 +1381,7 @@
       </p:grpSpPr>
       <p:sp>
         <p:nvSpPr>
-          <p:cNvPr id="11" name="PlaceHolder 1"/>
+          <p:cNvPr id="12" name="PlaceHolder 1"/>
           <p:cNvSpPr>
             <a:spLocks noGrp="1"/>
           </p:cNvSpPr>
@@ -1392,7 +1392,7 @@
         <p:spPr>
           <a:xfrm>
             <a:off x="457200" y="68040"/>
-            <a:ext cx="8227800" cy="625320"/>
+            <a:ext cx="8227440" cy="625320"/>
           </a:xfrm>
           <a:prstGeom prst="rect">
             <a:avLst/>
@@ -1450,7 +1450,7 @@
         <p:txBody>
           <a:bodyPr/>
           <a:p>
-            <a:fld id="{681AFA41-A863-48E5-8DB3-5FBCE9DDB30D}" type="slidenum">
+            <a:fld id="{F207B168-D540-45F1-AA86-830DFC3DA1F4}" type="slidenum">
               <a:t>&lt;#&gt;</a:t>
             </a:fld>
           </a:p>
@@ -1501,7 +1501,7 @@
       </p:grpSpPr>
       <p:sp>
         <p:nvSpPr>
-          <p:cNvPr id="12" name="PlaceHolder 1"/>
+          <p:cNvPr id="13" name="PlaceHolder 1"/>
           <p:cNvSpPr>
             <a:spLocks noGrp="1"/>
           </p:cNvSpPr>
@@ -1512,7 +1512,7 @@
         <p:spPr>
           <a:xfrm>
             <a:off x="457200" y="68040"/>
-            <a:ext cx="8227800" cy="2898360"/>
+            <a:ext cx="8227440" cy="2898360"/>
           </a:xfrm>
           <a:prstGeom prst="rect">
             <a:avLst/>
@@ -1570,7 +1570,7 @@
         <p:txBody>
           <a:bodyPr/>
           <a:p>
-            <a:fld id="{72AAC9F0-C7D7-4E24-8745-5C0D76B758A4}" type="slidenum">
+            <a:fld id="{63166A33-91A3-40FB-8491-603AD90D7869}" type="slidenum">
               <a:t>&lt;#&gt;</a:t>
             </a:fld>
           </a:p>
@@ -1621,7 +1621,7 @@
       </p:grpSpPr>
       <p:sp>
         <p:nvSpPr>
-          <p:cNvPr id="13" name="PlaceHolder 1"/>
+          <p:cNvPr id="14" name="PlaceHolder 1"/>
           <p:cNvSpPr>
             <a:spLocks noGrp="1"/>
           </p:cNvSpPr>
@@ -1632,7 +1632,7 @@
         <p:spPr>
           <a:xfrm>
             <a:off x="457200" y="68040"/>
-            <a:ext cx="8227800" cy="625320"/>
+            <a:ext cx="8227440" cy="625320"/>
           </a:xfrm>
           <a:prstGeom prst="rect">
             <a:avLst/>
@@ -1658,7 +1658,7 @@
       </p:sp>
       <p:sp>
         <p:nvSpPr>
-          <p:cNvPr id="14" name="PlaceHolder 2"/>
+          <p:cNvPr id="15" name="PlaceHolder 2"/>
           <p:cNvSpPr>
             <a:spLocks noGrp="1"/>
           </p:cNvSpPr>
@@ -1692,7 +1692,7 @@
       </p:sp>
       <p:sp>
         <p:nvSpPr>
-          <p:cNvPr id="15" name="PlaceHolder 3"/>
+          <p:cNvPr id="16" name="PlaceHolder 3"/>
           <p:cNvSpPr>
             <a:spLocks noGrp="1"/>
           </p:cNvSpPr>
@@ -1726,7 +1726,7 @@
       </p:sp>
       <p:sp>
         <p:nvSpPr>
-          <p:cNvPr id="16" name="PlaceHolder 4"/>
+          <p:cNvPr id="17" name="PlaceHolder 4"/>
           <p:cNvSpPr>
             <a:spLocks noGrp="1"/>
           </p:cNvSpPr>
@@ -1792,7 +1792,7 @@
         <p:txBody>
           <a:bodyPr/>
           <a:p>
-            <a:fld id="{FAA648F5-BA44-4048-8E59-541B03626879}" type="slidenum">
+            <a:fld id="{3BBC5BAB-6461-4401-A9CF-08AFB3E23306}" type="slidenum">
               <a:t>&lt;#&gt;</a:t>
             </a:fld>
           </a:p>
@@ -1843,7 +1843,7 @@
       </p:grpSpPr>
       <p:sp>
         <p:nvSpPr>
-          <p:cNvPr id="17" name="PlaceHolder 1"/>
+          <p:cNvPr id="18" name="PlaceHolder 1"/>
           <p:cNvSpPr>
             <a:spLocks noGrp="1"/>
           </p:cNvSpPr>
@@ -1854,7 +1854,7 @@
         <p:spPr>
           <a:xfrm>
             <a:off x="457200" y="68040"/>
-            <a:ext cx="8227800" cy="625320"/>
+            <a:ext cx="8227440" cy="625320"/>
           </a:xfrm>
           <a:prstGeom prst="rect">
             <a:avLst/>
@@ -1880,7 +1880,7 @@
       </p:sp>
       <p:sp>
         <p:nvSpPr>
-          <p:cNvPr id="18" name="PlaceHolder 2"/>
+          <p:cNvPr id="19" name="PlaceHolder 2"/>
           <p:cNvSpPr>
             <a:spLocks noGrp="1"/>
           </p:cNvSpPr>
@@ -1914,7 +1914,7 @@
       </p:sp>
       <p:sp>
         <p:nvSpPr>
-          <p:cNvPr id="19" name="PlaceHolder 3"/>
+          <p:cNvPr id="20" name="PlaceHolder 3"/>
           <p:cNvSpPr>
             <a:spLocks noGrp="1"/>
           </p:cNvSpPr>
@@ -1948,7 +1948,7 @@
       </p:sp>
       <p:sp>
         <p:nvSpPr>
-          <p:cNvPr id="20" name="PlaceHolder 4"/>
+          <p:cNvPr id="21" name="PlaceHolder 4"/>
           <p:cNvSpPr>
             <a:spLocks noGrp="1"/>
           </p:cNvSpPr>
@@ -2014,7 +2014,7 @@
         <p:txBody>
           <a:bodyPr/>
           <a:p>
-            <a:fld id="{E03E9EC3-DFDE-4763-9D6F-4A1179776E01}" type="slidenum">
+            <a:fld id="{CAD6E38F-D51E-4263-9445-5D89562BC6F4}" type="slidenum">
               <a:t>&lt;#&gt;</a:t>
             </a:fld>
           </a:p>
@@ -2065,7 +2065,7 @@
       </p:grpSpPr>
       <p:sp>
         <p:nvSpPr>
-          <p:cNvPr id="21" name="PlaceHolder 1"/>
+          <p:cNvPr id="22" name="PlaceHolder 1"/>
           <p:cNvSpPr>
             <a:spLocks noGrp="1"/>
           </p:cNvSpPr>
@@ -2076,7 +2076,7 @@
         <p:spPr>
           <a:xfrm>
             <a:off x="457200" y="68040"/>
-            <a:ext cx="8227800" cy="625320"/>
+            <a:ext cx="8227440" cy="625320"/>
           </a:xfrm>
           <a:prstGeom prst="rect">
             <a:avLst/>
@@ -2102,7 +2102,7 @@
       </p:sp>
       <p:sp>
         <p:nvSpPr>
-          <p:cNvPr id="22" name="PlaceHolder 2"/>
+          <p:cNvPr id="23" name="PlaceHolder 2"/>
           <p:cNvSpPr>
             <a:spLocks noGrp="1"/>
           </p:cNvSpPr>
@@ -2136,7 +2136,7 @@
       </p:sp>
       <p:sp>
         <p:nvSpPr>
-          <p:cNvPr id="23" name="PlaceHolder 3"/>
+          <p:cNvPr id="24" name="PlaceHolder 3"/>
           <p:cNvSpPr>
             <a:spLocks noGrp="1"/>
           </p:cNvSpPr>
@@ -2170,7 +2170,7 @@
       </p:sp>
       <p:sp>
         <p:nvSpPr>
-          <p:cNvPr id="24" name="PlaceHolder 4"/>
+          <p:cNvPr id="25" name="PlaceHolder 4"/>
           <p:cNvSpPr>
             <a:spLocks noGrp="1"/>
           </p:cNvSpPr>
@@ -2236,7 +2236,7 @@
         <p:txBody>
           <a:bodyPr/>
           <a:p>
-            <a:fld id="{86217A26-D62C-4D73-8173-88560F403781}" type="slidenum">
+            <a:fld id="{9156D73B-DF8E-471D-9E0D-31BC90206543}" type="slidenum">
               <a:t>&lt;#&gt;</a:t>
             </a:fld>
           </a:p>
@@ -2305,7 +2305,7 @@
         <p:spPr>
           <a:xfrm>
             <a:off x="457200" y="68040"/>
-            <a:ext cx="8227800" cy="624960"/>
+            <a:ext cx="8227440" cy="624960"/>
           </a:xfrm>
           <a:prstGeom prst="rect">
             <a:avLst/>
@@ -2345,7 +2345,7 @@
         <p:spPr>
           <a:xfrm>
             <a:off x="3124080" y="6245280"/>
-            <a:ext cx="2893680" cy="474480"/>
+            <a:ext cx="2893320" cy="474120"/>
           </a:xfrm>
           <a:prstGeom prst="rect">
             <a:avLst/>
@@ -2402,7 +2402,7 @@
         <p:spPr>
           <a:xfrm>
             <a:off x="6553080" y="6245280"/>
-            <a:ext cx="2131920" cy="474480"/>
+            <a:ext cx="2131560" cy="474120"/>
           </a:xfrm>
           <a:prstGeom prst="rect">
             <a:avLst/>
@@ -2437,7 +2437,7 @@
               </a:lnSpc>
               <a:buNone/>
             </a:pPr>
-            <a:fld id="{E706B289-17A6-40F1-ACFF-ACC33FDB742E}" type="slidenum">
+            <a:fld id="{CF176663-1378-4723-8E7F-41B33EB98F34}" type="slidenum">
               <a:rPr b="0" lang="en-US" sz="1400" spc="-1" strike="noStrike">
                 <a:solidFill>
                   <a:srgbClr val="000000"/>
@@ -2465,7 +2465,7 @@
         <p:spPr>
           <a:xfrm>
             <a:off x="457200" y="6245280"/>
-            <a:ext cx="2131920" cy="474480"/>
+            <a:ext cx="2131560" cy="474120"/>
           </a:xfrm>
           <a:prstGeom prst="rect">
             <a:avLst/>
@@ -2495,6 +2495,189 @@
             </a:r>
             <a:endParaRPr b="0" lang="en-US" sz="1400" spc="-1" strike="noStrike">
               <a:latin typeface="Times New Roman"/>
+            </a:endParaRPr>
+          </a:p>
+        </p:txBody>
+      </p:sp>
+      <p:sp>
+        <p:nvSpPr>
+          <p:cNvPr id="4" name="PlaceHolder 5"/>
+          <p:cNvSpPr>
+            <a:spLocks noGrp="1"/>
+          </p:cNvSpPr>
+          <p:nvPr>
+            <p:ph type="body"/>
+          </p:nvPr>
+        </p:nvSpPr>
+        <p:spPr>
+          <a:xfrm>
+            <a:off x="457200" y="1604520"/>
+            <a:ext cx="8229240" cy="3977280"/>
+          </a:xfrm>
+          <a:prstGeom prst="rect">
+            <a:avLst/>
+          </a:prstGeom>
+          <a:noFill/>
+          <a:ln w="0">
+            <a:noFill/>
+          </a:ln>
+        </p:spPr>
+        <p:txBody>
+          <a:bodyPr lIns="0" rIns="0" tIns="0" bIns="0" anchor="t">
+            <a:normAutofit/>
+          </a:bodyPr>
+          <a:p>
+            <a:pPr marL="432000" indent="-324000">
+              <a:spcBef>
+                <a:spcPts val="1417"/>
+              </a:spcBef>
+              <a:buClr>
+                <a:srgbClr val="000000"/>
+              </a:buClr>
+              <a:buSzPct val="45000"/>
+              <a:buFont typeface="Wingdings" charset="2"/>
+              <a:buChar char=""/>
+            </a:pPr>
+            <a:r>
+              <a:rPr b="0" lang="en-US" sz="3200" spc="-1" strike="noStrike">
+                <a:latin typeface="Arial"/>
+              </a:rPr>
+              <a:t>Click to edit the outline text format</a:t>
+            </a:r>
+            <a:endParaRPr b="0" lang="en-US" sz="3200" spc="-1" strike="noStrike">
+              <a:latin typeface="Arial"/>
+            </a:endParaRPr>
+          </a:p>
+          <a:p>
+            <a:pPr lvl="1" marL="864000" indent="-324000">
+              <a:spcBef>
+                <a:spcPts val="1134"/>
+              </a:spcBef>
+              <a:buClr>
+                <a:srgbClr val="000000"/>
+              </a:buClr>
+              <a:buSzPct val="75000"/>
+              <a:buFont typeface="Symbol" charset="2"/>
+              <a:buChar char=""/>
+            </a:pPr>
+            <a:r>
+              <a:rPr b="0" lang="en-US" sz="2800" spc="-1" strike="noStrike">
+                <a:latin typeface="Arial"/>
+              </a:rPr>
+              <a:t>Second Outline Level</a:t>
+            </a:r>
+            <a:endParaRPr b="0" lang="en-US" sz="2800" spc="-1" strike="noStrike">
+              <a:latin typeface="Arial"/>
+            </a:endParaRPr>
+          </a:p>
+          <a:p>
+            <a:pPr lvl="2" marL="1296000" indent="-288000">
+              <a:spcBef>
+                <a:spcPts val="850"/>
+              </a:spcBef>
+              <a:buClr>
+                <a:srgbClr val="000000"/>
+              </a:buClr>
+              <a:buSzPct val="45000"/>
+              <a:buFont typeface="Wingdings" charset="2"/>
+              <a:buChar char=""/>
+            </a:pPr>
+            <a:r>
+              <a:rPr b="0" lang="en-US" sz="2400" spc="-1" strike="noStrike">
+                <a:latin typeface="Arial"/>
+              </a:rPr>
+              <a:t>Third Outline Level</a:t>
+            </a:r>
+            <a:endParaRPr b="0" lang="en-US" sz="2400" spc="-1" strike="noStrike">
+              <a:latin typeface="Arial"/>
+            </a:endParaRPr>
+          </a:p>
+          <a:p>
+            <a:pPr lvl="3" marL="1728000" indent="-216000">
+              <a:spcBef>
+                <a:spcPts val="567"/>
+              </a:spcBef>
+              <a:buClr>
+                <a:srgbClr val="000000"/>
+              </a:buClr>
+              <a:buSzPct val="75000"/>
+              <a:buFont typeface="Symbol" charset="2"/>
+              <a:buChar char=""/>
+            </a:pPr>
+            <a:r>
+              <a:rPr b="0" lang="en-US" sz="2000" spc="-1" strike="noStrike">
+                <a:latin typeface="Arial"/>
+              </a:rPr>
+              <a:t>Fourth Outline Level</a:t>
+            </a:r>
+            <a:endParaRPr b="0" lang="en-US" sz="2000" spc="-1" strike="noStrike">
+              <a:latin typeface="Arial"/>
+            </a:endParaRPr>
+          </a:p>
+          <a:p>
+            <a:pPr lvl="4" marL="2160000" indent="-216000">
+              <a:spcBef>
+                <a:spcPts val="283"/>
+              </a:spcBef>
+              <a:buClr>
+                <a:srgbClr val="000000"/>
+              </a:buClr>
+              <a:buSzPct val="45000"/>
+              <a:buFont typeface="Wingdings" charset="2"/>
+              <a:buChar char=""/>
+            </a:pPr>
+            <a:r>
+              <a:rPr b="0" lang="en-US" sz="2000" spc="-1" strike="noStrike">
+                <a:latin typeface="Arial"/>
+              </a:rPr>
+              <a:t>Fifth Outline Level</a:t>
+            </a:r>
+            <a:endParaRPr b="0" lang="en-US" sz="2000" spc="-1" strike="noStrike">
+              <a:latin typeface="Arial"/>
+            </a:endParaRPr>
+          </a:p>
+          <a:p>
+            <a:pPr lvl="5" marL="2592000" indent="-216000">
+              <a:spcBef>
+                <a:spcPts val="283"/>
+              </a:spcBef>
+              <a:buClr>
+                <a:srgbClr val="000000"/>
+              </a:buClr>
+              <a:buSzPct val="45000"/>
+              <a:buFont typeface="Wingdings" charset="2"/>
+              <a:buChar char=""/>
+            </a:pPr>
+            <a:r>
+              <a:rPr b="0" lang="en-US" sz="2000" spc="-1" strike="noStrike">
+                <a:latin typeface="Arial"/>
+              </a:rPr>
+              <a:t>Sixth Outline Level</a:t>
+            </a:r>
+            <a:endParaRPr b="0" lang="en-US" sz="2000" spc="-1" strike="noStrike">
+              <a:latin typeface="Arial"/>
+            </a:endParaRPr>
+          </a:p>
+          <a:p>
+            <a:pPr lvl="6" marL="3024000" indent="-216000">
+              <a:spcBef>
+                <a:spcPts val="283"/>
+              </a:spcBef>
+              <a:buClr>
+                <a:srgbClr val="000000"/>
+              </a:buClr>
+              <a:buSzPct val="45000"/>
+              <a:buFont typeface="Wingdings" charset="2"/>
+              <a:buChar char=""/>
+            </a:pPr>
+            <a:r>
+              <a:rPr b="0" lang="en-US" sz="2000" spc="-1" strike="noStrike">
+                <a:latin typeface="Arial"/>
+              </a:rPr>
+              <a:t>Seventh Outline Level</a:t>
+            </a:r>
+            <a:endParaRPr b="0" lang="en-US" sz="2000" spc="-1" strike="noStrike">
+              <a:latin typeface="Arial"/>
             </a:endParaRPr>
           </a:p>
         </p:txBody>
@@ -2538,7 +2721,7 @@
       </p:grpSpPr>
       <p:sp>
         <p:nvSpPr>
-          <p:cNvPr id="40" name="PlaceHolder 1"/>
+          <p:cNvPr id="41" name="PlaceHolder 1"/>
           <p:cNvSpPr>
             <a:spLocks noGrp="1"/>
           </p:cNvSpPr>
@@ -2549,7 +2732,7 @@
         <p:spPr>
           <a:xfrm>
             <a:off x="457200" y="152280"/>
-            <a:ext cx="8227800" cy="455400"/>
+            <a:ext cx="8227440" cy="455040"/>
           </a:xfrm>
           <a:prstGeom prst="rect">
             <a:avLst/>
@@ -2580,7 +2763,7 @@
                 </a:solidFill>
                 <a:latin typeface="Calibri"/>
               </a:rPr>
-              <a:t>Project Team Members: Chris Bromley, Sam Fritz-Schreck, Austin McGahan, Ryan Shannon</a:t>
+              <a:t>Project Team Members: Chris Bromley, Sam Fritz-Schreck, Austin McGahan, Ryan Shannon, Chris Smith</a:t>
             </a:r>
             <a:br>
               <a:rPr sz="1200"/>
@@ -2602,7 +2785,7 @@
       </p:sp>
       <p:sp>
         <p:nvSpPr>
-          <p:cNvPr id="41" name="TextBox 4"/>
+          <p:cNvPr id="42" name="TextBox 4"/>
           <p:cNvSpPr/>
           <p:nvPr/>
         </p:nvSpPr>
@@ -2654,7 +2837,7 @@
       </p:sp>
       <p:sp>
         <p:nvSpPr>
-          <p:cNvPr id="42" name="TextBox 5"/>
+          <p:cNvPr id="43" name="TextBox 5"/>
           <p:cNvSpPr/>
           <p:nvPr/>
         </p:nvSpPr>
@@ -2706,7 +2889,7 @@
       </p:sp>
       <p:sp>
         <p:nvSpPr>
-          <p:cNvPr id="43" name="TextBox 6"/>
+          <p:cNvPr id="44" name="TextBox 6"/>
           <p:cNvSpPr/>
           <p:nvPr/>
         </p:nvSpPr>
@@ -2758,7 +2941,7 @@
       </p:sp>
       <p:sp>
         <p:nvSpPr>
-          <p:cNvPr id="44" name="TextBox 7"/>
+          <p:cNvPr id="45" name="TextBox 7"/>
           <p:cNvSpPr/>
           <p:nvPr/>
         </p:nvSpPr>
@@ -2810,14 +2993,14 @@
       </p:sp>
       <p:sp>
         <p:nvSpPr>
-          <p:cNvPr id="45" name="Right Arrow 11"/>
+          <p:cNvPr id="46" name="Right Arrow 11"/>
           <p:cNvSpPr/>
           <p:nvPr/>
         </p:nvSpPr>
         <p:spPr>
           <a:xfrm>
             <a:off x="2882160" y="3685680"/>
-            <a:ext cx="459000" cy="1112040"/>
+            <a:ext cx="458640" cy="1111680"/>
           </a:xfrm>
           <a:prstGeom prst="rightArrow">
             <a:avLst>
@@ -2852,14 +3035,14 @@
       </p:sp>
       <p:sp>
         <p:nvSpPr>
-          <p:cNvPr id="46" name="Right Arrow 12"/>
+          <p:cNvPr id="47" name="Right Arrow 12"/>
           <p:cNvSpPr/>
           <p:nvPr/>
         </p:nvSpPr>
         <p:spPr>
           <a:xfrm>
             <a:off x="5916240" y="3666240"/>
-            <a:ext cx="459000" cy="1112040"/>
+            <a:ext cx="458640" cy="1111680"/>
           </a:xfrm>
           <a:prstGeom prst="rightArrow">
             <a:avLst>
@@ -2894,14 +3077,14 @@
       </p:sp>
       <p:sp>
         <p:nvSpPr>
-          <p:cNvPr id="47" name="TextBox 14"/>
+          <p:cNvPr id="48" name="TextBox 14"/>
           <p:cNvSpPr/>
           <p:nvPr/>
         </p:nvSpPr>
         <p:spPr>
           <a:xfrm>
             <a:off x="403920" y="932760"/>
-            <a:ext cx="8488080" cy="1112040"/>
+            <a:ext cx="8487720" cy="1111680"/>
           </a:xfrm>
           <a:prstGeom prst="rect">
             <a:avLst/>
@@ -3056,14 +3239,14 @@
       </p:sp>
       <p:sp>
         <p:nvSpPr>
-          <p:cNvPr id="48" name="TextBox 15"/>
+          <p:cNvPr id="49" name="TextBox 15"/>
           <p:cNvSpPr/>
           <p:nvPr/>
         </p:nvSpPr>
         <p:spPr>
           <a:xfrm>
             <a:off x="403920" y="2430360"/>
-            <a:ext cx="2399760" cy="3301200"/>
+            <a:ext cx="2399400" cy="3300840"/>
           </a:xfrm>
           <a:prstGeom prst="rect">
             <a:avLst/>
@@ -3237,6 +3420,21 @@
               <a:buFont typeface="Wingdings" charset="2"/>
               <a:buChar char=""/>
             </a:pPr>
+            <a:endParaRPr b="0" lang="en-US" sz="1000" spc="-1" strike="noStrike">
+              <a:latin typeface="Arial"/>
+            </a:endParaRPr>
+          </a:p>
+          <a:p>
+            <a:pPr marL="171360" indent="-171360">
+              <a:lnSpc>
+                <a:spcPct val="100000"/>
+              </a:lnSpc>
+              <a:buClr>
+                <a:srgbClr val="000000"/>
+              </a:buClr>
+              <a:buFont typeface="Arial"/>
+              <a:buChar char="•"/>
+            </a:pPr>
             <a:r>
               <a:rPr b="0" lang="en-US" sz="1000" spc="-1" strike="noStrike">
                 <a:solidFill>
@@ -3245,22 +3443,23 @@
                 <a:latin typeface="Calibri"/>
                 <a:ea typeface="DejaVu Sans"/>
               </a:rPr>
-              <a:t>Zillow API?</a:t>
+              <a:t>Commute</a:t>
             </a:r>
             <a:endParaRPr b="0" lang="en-US" sz="1000" spc="-1" strike="noStrike">
               <a:latin typeface="Arial"/>
             </a:endParaRPr>
           </a:p>
           <a:p>
-            <a:pPr marL="171360" indent="-171360">
+            <a:pPr lvl="1" marL="432000" indent="-216000">
               <a:lnSpc>
                 <a:spcPct val="100000"/>
               </a:lnSpc>
               <a:buClr>
                 <a:srgbClr val="000000"/>
               </a:buClr>
-              <a:buFont typeface="Arial"/>
-              <a:buChar char="•"/>
+              <a:buSzPct val="45000"/>
+              <a:buFont typeface="Wingdings" charset="2"/>
+              <a:buChar char=""/>
             </a:pPr>
             <a:r>
               <a:rPr b="0" lang="en-US" sz="1000" spc="-1" strike="noStrike">
@@ -3270,7 +3469,7 @@
                 <a:latin typeface="Calibri"/>
                 <a:ea typeface="DejaVu Sans"/>
               </a:rPr>
-              <a:t>Commute</a:t>
+              <a:t>Walkability</a:t>
             </a:r>
             <a:endParaRPr b="0" lang="en-US" sz="1000" spc="-1" strike="noStrike">
               <a:latin typeface="Arial"/>
@@ -3296,7 +3495,43 @@
                 <a:latin typeface="Calibri"/>
                 <a:ea typeface="DejaVu Sans"/>
               </a:rPr>
-              <a:t>Walkability</a:t>
+              <a:t>Google Directions API</a:t>
+            </a:r>
+            <a:endParaRPr b="0" lang="en-US" sz="1000" spc="-1" strike="noStrike">
+              <a:latin typeface="Arial"/>
+            </a:endParaRPr>
+          </a:p>
+          <a:p>
+            <a:pPr>
+              <a:lnSpc>
+                <a:spcPct val="100000"/>
+              </a:lnSpc>
+              <a:buNone/>
+            </a:pPr>
+            <a:endParaRPr b="0" lang="en-US" sz="1000" spc="-1" strike="noStrike">
+              <a:latin typeface="Arial"/>
+            </a:endParaRPr>
+          </a:p>
+          <a:p>
+            <a:pPr marL="171360" indent="-171360">
+              <a:lnSpc>
+                <a:spcPct val="100000"/>
+              </a:lnSpc>
+              <a:buClr>
+                <a:srgbClr val="000000"/>
+              </a:buClr>
+              <a:buFont typeface="Arial"/>
+              <a:buChar char="•"/>
+            </a:pPr>
+            <a:r>
+              <a:rPr b="0" lang="en-US" sz="1000" spc="-1" strike="noStrike">
+                <a:solidFill>
+                  <a:srgbClr val="000000"/>
+                </a:solidFill>
+                <a:latin typeface="Calibri"/>
+                <a:ea typeface="DejaVu Sans"/>
+              </a:rPr>
+              <a:t>Schools</a:t>
             </a:r>
             <a:endParaRPr b="0" lang="en-US" sz="1000" spc="-1" strike="noStrike">
               <a:latin typeface="Arial"/>
@@ -3322,8 +3557,19 @@
                 <a:latin typeface="Calibri"/>
                 <a:ea typeface="DejaVu Sans"/>
               </a:rPr>
-              <a:t>Google Directions API</a:t>
-            </a:r>
+              <a:t>Great Schools API</a:t>
+            </a:r>
+            <a:endParaRPr b="0" lang="en-US" sz="1000" spc="-1" strike="noStrike">
+              <a:latin typeface="Arial"/>
+            </a:endParaRPr>
+          </a:p>
+          <a:p>
+            <a:pPr>
+              <a:lnSpc>
+                <a:spcPct val="100000"/>
+              </a:lnSpc>
+              <a:buNone/>
+            </a:pPr>
             <a:endParaRPr b="0" lang="en-US" sz="1000" spc="-1" strike="noStrike">
               <a:latin typeface="Arial"/>
             </a:endParaRPr>
@@ -3358,7 +3604,7 @@
                 <a:latin typeface="Calibri"/>
                 <a:ea typeface="DejaVu Sans"/>
               </a:rPr>
-              <a:t>Schools</a:t>
+              <a:t>Crime</a:t>
             </a:r>
             <a:endParaRPr b="0" lang="en-US" sz="1000" spc="-1" strike="noStrike">
               <a:latin typeface="Arial"/>
@@ -3384,29 +3630,23 @@
                 <a:latin typeface="Calibri"/>
                 <a:ea typeface="DejaVu Sans"/>
               </a:rPr>
-              <a:t>Great Schools API</a:t>
+              <a:t>FBI data center</a:t>
             </a:r>
             <a:endParaRPr b="0" lang="en-US" sz="1000" spc="-1" strike="noStrike">
               <a:latin typeface="Arial"/>
             </a:endParaRPr>
           </a:p>
           <a:p>
-            <a:pPr>
-              <a:lnSpc>
-                <a:spcPct val="100000"/>
-              </a:lnSpc>
-              <a:buNone/>
-            </a:pPr>
-            <a:endParaRPr b="0" lang="en-US" sz="1000" spc="-1" strike="noStrike">
-              <a:latin typeface="Arial"/>
-            </a:endParaRPr>
-          </a:p>
-          <a:p>
-            <a:pPr>
-              <a:lnSpc>
-                <a:spcPct val="100000"/>
-              </a:lnSpc>
-              <a:buNone/>
+            <a:pPr lvl="1" marL="432000" indent="-216000">
+              <a:lnSpc>
+                <a:spcPct val="100000"/>
+              </a:lnSpc>
+              <a:buClr>
+                <a:srgbClr val="000000"/>
+              </a:buClr>
+              <a:buSzPct val="45000"/>
+              <a:buFont typeface="Wingdings" charset="2"/>
+              <a:buChar char=""/>
             </a:pPr>
             <a:endParaRPr b="0" lang="en-US" sz="1000" spc="-1" strike="noStrike">
               <a:latin typeface="Arial"/>
@@ -3431,7 +3671,7 @@
                 <a:latin typeface="Calibri"/>
                 <a:ea typeface="DejaVu Sans"/>
               </a:rPr>
-              <a:t>Crime</a:t>
+              <a:t>Recreation</a:t>
             </a:r>
             <a:endParaRPr b="0" lang="en-US" sz="1000" spc="-1" strike="noStrike">
               <a:latin typeface="Arial"/>
@@ -3457,7 +3697,7 @@
                 <a:latin typeface="Calibri"/>
                 <a:ea typeface="DejaVu Sans"/>
               </a:rPr>
-              <a:t>Crimegrade.org</a:t>
+              <a:t>BreweryDB</a:t>
             </a:r>
             <a:endParaRPr b="0" lang="en-US" sz="1000" spc="-1" strike="noStrike">
               <a:latin typeface="Arial"/>
@@ -3483,75 +3723,24 @@
                 <a:latin typeface="Calibri"/>
                 <a:ea typeface="DejaVu Sans"/>
               </a:rPr>
-              <a:t>FBI data center</a:t>
+              <a:t>openstreetmap</a:t>
             </a:r>
             <a:endParaRPr b="0" lang="en-US" sz="1000" spc="-1" strike="noStrike">
               <a:latin typeface="Arial"/>
             </a:endParaRPr>
           </a:p>
-          <a:p>
-            <a:pPr marL="171360" indent="-171360">
-              <a:lnSpc>
-                <a:spcPct val="100000"/>
-              </a:lnSpc>
-              <a:buClr>
-                <a:srgbClr val="000000"/>
-              </a:buClr>
-              <a:buFont typeface="Arial"/>
-              <a:buChar char="•"/>
-            </a:pPr>
-            <a:r>
-              <a:rPr b="0" lang="en-US" sz="1000" spc="-1" strike="noStrike">
-                <a:solidFill>
-                  <a:srgbClr val="000000"/>
-                </a:solidFill>
-                <a:latin typeface="Calibri"/>
-                <a:ea typeface="DejaVu Sans"/>
-              </a:rPr>
-              <a:t>Recreation</a:t>
-            </a:r>
-            <a:endParaRPr b="0" lang="en-US" sz="1000" spc="-1" strike="noStrike">
-              <a:latin typeface="Arial"/>
-            </a:endParaRPr>
-          </a:p>
-          <a:p>
-            <a:pPr lvl="1" marL="432000" indent="-216000">
-              <a:lnSpc>
-                <a:spcPct val="100000"/>
-              </a:lnSpc>
-              <a:buClr>
-                <a:srgbClr val="000000"/>
-              </a:buClr>
-              <a:buSzPct val="45000"/>
-              <a:buFont typeface="Wingdings" charset="2"/>
-              <a:buChar char=""/>
-            </a:pPr>
-            <a:r>
-              <a:rPr b="0" lang="en-US" sz="1000" spc="-1" strike="noStrike">
-                <a:solidFill>
-                  <a:srgbClr val="000000"/>
-                </a:solidFill>
-                <a:latin typeface="Calibri"/>
-                <a:ea typeface="DejaVu Sans"/>
-              </a:rPr>
-              <a:t> </a:t>
-            </a:r>
-            <a:endParaRPr b="0" lang="en-US" sz="1000" spc="-1" strike="noStrike">
-              <a:latin typeface="Arial"/>
-            </a:endParaRPr>
-          </a:p>
-        </p:txBody>
-      </p:sp>
-      <p:sp>
-        <p:nvSpPr>
-          <p:cNvPr id="49" name="TextBox 16"/>
+        </p:txBody>
+      </p:sp>
+      <p:sp>
+        <p:nvSpPr>
+          <p:cNvPr id="50" name="TextBox 16"/>
           <p:cNvSpPr/>
           <p:nvPr/>
         </p:nvSpPr>
         <p:spPr>
           <a:xfrm>
             <a:off x="3346920" y="2430360"/>
-            <a:ext cx="2564280" cy="3301200"/>
+            <a:ext cx="2563920" cy="3300840"/>
           </a:xfrm>
           <a:prstGeom prst="rect">
             <a:avLst/>
@@ -3622,6 +3811,21 @@
               <a:buFont typeface="Arial"/>
               <a:buChar char="•"/>
             </a:pPr>
+            <a:endParaRPr b="0" lang="en-US" sz="1000" spc="-1" strike="noStrike">
+              <a:latin typeface="Arial"/>
+            </a:endParaRPr>
+          </a:p>
+          <a:p>
+            <a:pPr marL="171360" indent="-171360">
+              <a:lnSpc>
+                <a:spcPct val="100000"/>
+              </a:lnSpc>
+              <a:buClr>
+                <a:srgbClr val="000000"/>
+              </a:buClr>
+              <a:buFont typeface="Arial"/>
+              <a:buChar char="•"/>
+            </a:pPr>
             <a:r>
               <a:rPr b="0" lang="en-US" sz="1000" spc="-1" strike="noStrike">
                 <a:solidFill>
@@ -3630,7 +3834,7 @@
                 <a:latin typeface="Calibri"/>
                 <a:ea typeface="DejaVu Sans"/>
               </a:rPr>
-              <a:t> </a:t>
+              <a:t>Inputs: Rank, dependents, duty zip</a:t>
             </a:r>
             <a:endParaRPr b="0" lang="en-US" sz="1000" spc="-1" strike="noStrike">
               <a:latin typeface="Arial"/>
@@ -3655,23 +3859,8 @@
                 <a:latin typeface="Calibri"/>
                 <a:ea typeface="DejaVu Sans"/>
               </a:rPr>
-              <a:t>Inputs: Rank, dependents, duty zip</a:t>
-            </a:r>
-            <a:endParaRPr b="0" lang="en-US" sz="1000" spc="-1" strike="noStrike">
-              <a:latin typeface="Arial"/>
-            </a:endParaRPr>
-          </a:p>
-          <a:p>
-            <a:pPr marL="171360" indent="-171360">
-              <a:lnSpc>
-                <a:spcPct val="100000"/>
-              </a:lnSpc>
-              <a:buClr>
-                <a:srgbClr val="000000"/>
-              </a:buClr>
-              <a:buFont typeface="Arial"/>
-              <a:buChar char="•"/>
-            </a:pPr>
+              <a:t> </a:t>
+            </a:r>
             <a:r>
               <a:rPr b="0" lang="en-US" sz="1000" spc="-1" strike="noStrike">
                 <a:solidFill>
@@ -3680,8 +3869,34 @@
                 <a:latin typeface="Calibri"/>
                 <a:ea typeface="DejaVu Sans"/>
               </a:rPr>
-              <a:t> </a:t>
-            </a:r>
+              <a:t>Compare BAH rate to FMR/utilities</a:t>
+            </a:r>
+            <a:endParaRPr b="0" lang="en-US" sz="1000" spc="-1" strike="noStrike">
+              <a:latin typeface="Arial"/>
+            </a:endParaRPr>
+          </a:p>
+          <a:p>
+            <a:pPr>
+              <a:lnSpc>
+                <a:spcPct val="100000"/>
+              </a:lnSpc>
+              <a:buNone/>
+            </a:pPr>
+            <a:endParaRPr b="0" lang="en-US" sz="1000" spc="-1" strike="noStrike">
+              <a:latin typeface="Arial"/>
+            </a:endParaRPr>
+          </a:p>
+          <a:p>
+            <a:pPr marL="171360" indent="-171360">
+              <a:lnSpc>
+                <a:spcPct val="100000"/>
+              </a:lnSpc>
+              <a:buClr>
+                <a:srgbClr val="000000"/>
+              </a:buClr>
+              <a:buFont typeface="Arial"/>
+              <a:buChar char="•"/>
+            </a:pPr>
             <a:r>
               <a:rPr b="0" lang="en-US" sz="1000" spc="-1" strike="noStrike">
                 <a:solidFill>
@@ -3690,7 +3905,7 @@
                 <a:latin typeface="Calibri"/>
                 <a:ea typeface="DejaVu Sans"/>
               </a:rPr>
-              <a:t>Compare BAH rate to FMR/utilities</a:t>
+              <a:t>Combine walkability score with predicted commute times from google’s directions API</a:t>
             </a:r>
             <a:endParaRPr b="0" lang="en-US" sz="1000" spc="-1" strike="noStrike">
               <a:latin typeface="Arial"/>
@@ -3726,7 +3941,7 @@
                 <a:latin typeface="Calibri"/>
                 <a:ea typeface="DejaVu Sans"/>
               </a:rPr>
-              <a:t>Combine walkability score with predicted commute times from google’s directions API</a:t>
+              <a:t>Generate weighted sum of school ratings by a factor of distance</a:t>
             </a:r>
             <a:endParaRPr b="0" lang="en-US" sz="1000" spc="-1" strike="noStrike">
               <a:latin typeface="Arial"/>
@@ -3762,29 +3977,22 @@
                 <a:latin typeface="Calibri"/>
                 <a:ea typeface="DejaVu Sans"/>
               </a:rPr>
-              <a:t>Generate weighted sum of school ratings by a factor of distance</a:t>
+              <a:t>Reference zip code’s crime grade</a:t>
             </a:r>
             <a:endParaRPr b="0" lang="en-US" sz="1000" spc="-1" strike="noStrike">
               <a:latin typeface="Arial"/>
             </a:endParaRPr>
           </a:p>
           <a:p>
-            <a:pPr>
-              <a:lnSpc>
-                <a:spcPct val="100000"/>
-              </a:lnSpc>
-              <a:buNone/>
-            </a:pPr>
-            <a:endParaRPr b="0" lang="en-US" sz="1000" spc="-1" strike="noStrike">
-              <a:latin typeface="Arial"/>
-            </a:endParaRPr>
-          </a:p>
-          <a:p>
-            <a:pPr>
-              <a:lnSpc>
-                <a:spcPct val="100000"/>
-              </a:lnSpc>
-              <a:buNone/>
+            <a:pPr marL="171360" indent="-171360">
+              <a:lnSpc>
+                <a:spcPct val="100000"/>
+              </a:lnSpc>
+              <a:buClr>
+                <a:srgbClr val="000000"/>
+              </a:buClr>
+              <a:buFont typeface="Arial"/>
+              <a:buChar char="•"/>
             </a:pPr>
             <a:endParaRPr b="0" lang="en-US" sz="1000" spc="-1" strike="noStrike">
               <a:latin typeface="Arial"/>
@@ -3809,30 +4017,8 @@
                 <a:latin typeface="Calibri"/>
                 <a:ea typeface="DejaVu Sans"/>
               </a:rPr>
-              <a:t>Reference zip code’s crime grade</a:t>
-            </a:r>
-            <a:endParaRPr b="0" lang="en-US" sz="1000" spc="-1" strike="noStrike">
-              <a:latin typeface="Arial"/>
-            </a:endParaRPr>
-          </a:p>
-          <a:p>
-            <a:pPr>
-              <a:lnSpc>
-                <a:spcPct val="100000"/>
-              </a:lnSpc>
-              <a:buNone/>
-            </a:pPr>
-            <a:endParaRPr b="0" lang="en-US" sz="1000" spc="-1" strike="noStrike">
-              <a:latin typeface="Arial"/>
-            </a:endParaRPr>
-          </a:p>
-          <a:p>
-            <a:pPr>
-              <a:lnSpc>
-                <a:spcPct val="100000"/>
-              </a:lnSpc>
-              <a:buNone/>
-            </a:pPr>
+              <a:t>Number of breweries within x distance</a:t>
+            </a:r>
             <a:endParaRPr b="0" lang="en-US" sz="1000" spc="-1" strike="noStrike">
               <a:latin typeface="Arial"/>
             </a:endParaRPr>
@@ -3877,14 +4063,14 @@
       </p:sp>
       <p:sp>
         <p:nvSpPr>
-          <p:cNvPr id="50" name="TextBox 17"/>
+          <p:cNvPr id="51" name="TextBox 17"/>
           <p:cNvSpPr/>
           <p:nvPr/>
         </p:nvSpPr>
         <p:spPr>
           <a:xfrm>
             <a:off x="6492240" y="2421720"/>
-            <a:ext cx="2399760" cy="3301200"/>
+            <a:ext cx="2399400" cy="3300840"/>
           </a:xfrm>
           <a:prstGeom prst="rect">
             <a:avLst/>
@@ -3948,7 +4134,7 @@
                 <a:latin typeface="Calibri"/>
                 <a:ea typeface="DejaVu Sans"/>
               </a:rPr>
-              <a:t>Presented on a dashboard with user inputs, map and top 5-10 grids</a:t>
+              <a:t>Presented on a dashboard with user inputs, map and top 5-10 locations to search for a potential house</a:t>
             </a:r>
             <a:endParaRPr b="0" lang="en-US" sz="1000" spc="-1" strike="noStrike">
               <a:latin typeface="Arial"/>
@@ -4057,6 +4243,21 @@
               <a:buFont typeface="Arial"/>
               <a:buChar char="•"/>
             </a:pPr>
+            <a:endParaRPr b="0" lang="en-US" sz="1000" spc="-1" strike="noStrike">
+              <a:latin typeface="Arial"/>
+            </a:endParaRPr>
+          </a:p>
+          <a:p>
+            <a:pPr marL="171360" indent="-171360">
+              <a:lnSpc>
+                <a:spcPct val="100000"/>
+              </a:lnSpc>
+              <a:buClr>
+                <a:srgbClr val="000000"/>
+              </a:buClr>
+              <a:buFont typeface="Arial"/>
+              <a:buChar char="•"/>
+            </a:pPr>
             <a:r>
               <a:rPr b="0" lang="en-US" sz="1000" spc="-1" strike="noStrike">
                 <a:solidFill>
@@ -4065,49 +4266,24 @@
                 <a:latin typeface="Calibri"/>
                 <a:ea typeface="DejaVu Sans"/>
               </a:rPr>
-              <a:t> </a:t>
+              <a:t>Possible: Leverage housing api to pull listings for top grids</a:t>
             </a:r>
             <a:endParaRPr b="0" lang="en-US" sz="1000" spc="-1" strike="noStrike">
               <a:latin typeface="Arial"/>
             </a:endParaRPr>
           </a:p>
-          <a:p>
-            <a:pPr marL="171360" indent="-171360">
-              <a:lnSpc>
-                <a:spcPct val="100000"/>
-              </a:lnSpc>
-              <a:buClr>
-                <a:srgbClr val="000000"/>
-              </a:buClr>
-              <a:buFont typeface="Arial"/>
-              <a:buChar char="•"/>
-            </a:pPr>
-            <a:r>
-              <a:rPr b="0" lang="en-US" sz="1000" spc="-1" strike="noStrike">
-                <a:solidFill>
-                  <a:srgbClr val="000000"/>
-                </a:solidFill>
-                <a:latin typeface="Calibri"/>
-                <a:ea typeface="DejaVu Sans"/>
-              </a:rPr>
-              <a:t>Possible: Leverage housing api to pull listings for top grids</a:t>
-            </a:r>
-            <a:endParaRPr b="0" lang="en-US" sz="1000" spc="-1" strike="noStrike">
-              <a:latin typeface="Arial"/>
-            </a:endParaRPr>
-          </a:p>
-        </p:txBody>
-      </p:sp>
-      <p:sp>
-        <p:nvSpPr>
-          <p:cNvPr id="51" name="TextBox 18"/>
+        </p:txBody>
+      </p:sp>
+      <p:sp>
+        <p:nvSpPr>
+          <p:cNvPr id="52" name="TextBox 18"/>
           <p:cNvSpPr/>
           <p:nvPr/>
         </p:nvSpPr>
         <p:spPr>
           <a:xfrm>
             <a:off x="193680" y="6051960"/>
-            <a:ext cx="8794080" cy="624240"/>
+            <a:ext cx="8793720" cy="623880"/>
           </a:xfrm>
           <a:prstGeom prst="rect">
             <a:avLst/>
@@ -4157,7 +4333,7 @@
                 <a:latin typeface="Calibri"/>
                 <a:ea typeface="DejaVu Sans"/>
               </a:rPr>
-              <a:t>In what area(s) will you explore something new, along (at least) one of these three elements? Git version control, openstreetmap package, panels, folium</a:t>
+              <a:t>In what area(s) will you explore something new, along (at least) one of these three elements? Git version control, openstreetmap package, deeper understanding of panels/folium</a:t>
             </a:r>
             <a:endParaRPr b="0" lang="en-US" sz="1100" spc="-1" strike="noStrike">
               <a:latin typeface="Arial"/>

--- a/FinalProject_worksheet.pptx
+++ b/FinalProject_worksheet.pptx
@@ -63,7 +63,7 @@
         <p:txBody>
           <a:bodyPr/>
           <a:p>
-            <a:fld id="{26433F3D-2024-4545-ADD3-9F294F984A3A}" type="slidenum">
+            <a:fld id="{0EE567E2-AD41-4F25-A308-ABFA488B64FE}" type="slidenum">
               <a:t>&lt;#&gt;</a:t>
             </a:fld>
           </a:p>
@@ -125,7 +125,7 @@
         <p:spPr>
           <a:xfrm>
             <a:off x="457200" y="68040"/>
-            <a:ext cx="8227440" cy="625320"/>
+            <a:ext cx="8227080" cy="625320"/>
           </a:xfrm>
           <a:prstGeom prst="rect">
             <a:avLst/>
@@ -251,7 +251,7 @@
         <p:txBody>
           <a:bodyPr/>
           <a:p>
-            <a:fld id="{211DBFB8-A898-41BB-8272-2FA7DDBAC3B6}" type="slidenum">
+            <a:fld id="{145EF0EB-1F80-44C3-9D59-F9B0CEF21F0E}" type="slidenum">
               <a:t>&lt;#&gt;</a:t>
             </a:fld>
           </a:p>
@@ -313,7 +313,7 @@
         <p:spPr>
           <a:xfrm>
             <a:off x="457200" y="68040"/>
-            <a:ext cx="8227440" cy="625320"/>
+            <a:ext cx="8227080" cy="625320"/>
           </a:xfrm>
           <a:prstGeom prst="rect">
             <a:avLst/>
@@ -507,7 +507,7 @@
         <p:txBody>
           <a:bodyPr/>
           <a:p>
-            <a:fld id="{C1E94B3A-E7E4-4C76-8BB7-9BAF59FDF508}" type="slidenum">
+            <a:fld id="{54E95914-4B68-4D38-8458-C504AD2148F4}" type="slidenum">
               <a:t>&lt;#&gt;</a:t>
             </a:fld>
           </a:p>
@@ -569,7 +569,7 @@
         <p:spPr>
           <a:xfrm>
             <a:off x="457200" y="68040"/>
-            <a:ext cx="8227440" cy="625320"/>
+            <a:ext cx="8227080" cy="625320"/>
           </a:xfrm>
           <a:prstGeom prst="rect">
             <a:avLst/>
@@ -831,7 +831,7 @@
         <p:txBody>
           <a:bodyPr/>
           <a:p>
-            <a:fld id="{B763E0D3-B65C-4BB0-8AEF-FF14C2C0801C}" type="slidenum">
+            <a:fld id="{FC300850-858F-4AEE-BF4E-08DB81960182}" type="slidenum">
               <a:t>&lt;#&gt;</a:t>
             </a:fld>
           </a:p>
@@ -893,7 +893,7 @@
         <p:spPr>
           <a:xfrm>
             <a:off x="457200" y="68040"/>
-            <a:ext cx="8227440" cy="625320"/>
+            <a:ext cx="8227080" cy="625320"/>
           </a:xfrm>
           <a:prstGeom prst="rect">
             <a:avLst/>
@@ -988,7 +988,7 @@
         <p:txBody>
           <a:bodyPr/>
           <a:p>
-            <a:fld id="{ADF976A1-834F-423B-8483-C1D4D17BB6D8}" type="slidenum">
+            <a:fld id="{35B7F92B-DCEF-4C9B-8E61-1506A967E31C}" type="slidenum">
               <a:t>&lt;#&gt;</a:t>
             </a:fld>
           </a:p>
@@ -1050,7 +1050,7 @@
         <p:spPr>
           <a:xfrm>
             <a:off x="457200" y="68040"/>
-            <a:ext cx="8227440" cy="625320"/>
+            <a:ext cx="8227080" cy="625320"/>
           </a:xfrm>
           <a:prstGeom prst="rect">
             <a:avLst/>
@@ -1142,7 +1142,7 @@
         <p:txBody>
           <a:bodyPr/>
           <a:p>
-            <a:fld id="{CD1A1832-CBE3-41C4-A5CD-EC4FF42A459D}" type="slidenum">
+            <a:fld id="{B5D75292-5A1B-452F-BB65-81FE1A403B53}" type="slidenum">
               <a:t>&lt;#&gt;</a:t>
             </a:fld>
           </a:p>
@@ -1204,7 +1204,7 @@
         <p:spPr>
           <a:xfrm>
             <a:off x="457200" y="68040"/>
-            <a:ext cx="8227440" cy="625320"/>
+            <a:ext cx="8227080" cy="625320"/>
           </a:xfrm>
           <a:prstGeom prst="rect">
             <a:avLst/>
@@ -1330,7 +1330,7 @@
         <p:txBody>
           <a:bodyPr/>
           <a:p>
-            <a:fld id="{8B0AAEBC-359B-4FD2-BF40-CEEA4199052E}" type="slidenum">
+            <a:fld id="{5FBD5A6B-D26A-48DD-8576-404ACBD3A610}" type="slidenum">
               <a:t>&lt;#&gt;</a:t>
             </a:fld>
           </a:p>
@@ -1392,7 +1392,7 @@
         <p:spPr>
           <a:xfrm>
             <a:off x="457200" y="68040"/>
-            <a:ext cx="8227440" cy="625320"/>
+            <a:ext cx="8227080" cy="625320"/>
           </a:xfrm>
           <a:prstGeom prst="rect">
             <a:avLst/>
@@ -1450,7 +1450,7 @@
         <p:txBody>
           <a:bodyPr/>
           <a:p>
-            <a:fld id="{F207B168-D540-45F1-AA86-830DFC3DA1F4}" type="slidenum">
+            <a:fld id="{142A81F2-C9EF-4E75-8195-269B79C07BDD}" type="slidenum">
               <a:t>&lt;#&gt;</a:t>
             </a:fld>
           </a:p>
@@ -1512,7 +1512,7 @@
         <p:spPr>
           <a:xfrm>
             <a:off x="457200" y="68040"/>
-            <a:ext cx="8227440" cy="2898360"/>
+            <a:ext cx="8227080" cy="2898360"/>
           </a:xfrm>
           <a:prstGeom prst="rect">
             <a:avLst/>
@@ -1570,7 +1570,7 @@
         <p:txBody>
           <a:bodyPr/>
           <a:p>
-            <a:fld id="{63166A33-91A3-40FB-8491-603AD90D7869}" type="slidenum">
+            <a:fld id="{BE5A8EDB-8FEA-4326-9ED1-EDA3BB420687}" type="slidenum">
               <a:t>&lt;#&gt;</a:t>
             </a:fld>
           </a:p>
@@ -1632,7 +1632,7 @@
         <p:spPr>
           <a:xfrm>
             <a:off x="457200" y="68040"/>
-            <a:ext cx="8227440" cy="625320"/>
+            <a:ext cx="8227080" cy="625320"/>
           </a:xfrm>
           <a:prstGeom prst="rect">
             <a:avLst/>
@@ -1792,7 +1792,7 @@
         <p:txBody>
           <a:bodyPr/>
           <a:p>
-            <a:fld id="{3BBC5BAB-6461-4401-A9CF-08AFB3E23306}" type="slidenum">
+            <a:fld id="{5187C431-0B76-440B-8849-7FC963CB0EB0}" type="slidenum">
               <a:t>&lt;#&gt;</a:t>
             </a:fld>
           </a:p>
@@ -1854,7 +1854,7 @@
         <p:spPr>
           <a:xfrm>
             <a:off x="457200" y="68040"/>
-            <a:ext cx="8227440" cy="625320"/>
+            <a:ext cx="8227080" cy="625320"/>
           </a:xfrm>
           <a:prstGeom prst="rect">
             <a:avLst/>
@@ -2014,7 +2014,7 @@
         <p:txBody>
           <a:bodyPr/>
           <a:p>
-            <a:fld id="{CAD6E38F-D51E-4263-9445-5D89562BC6F4}" type="slidenum">
+            <a:fld id="{9509C499-594D-4E6A-B3FB-9156DF3D91B4}" type="slidenum">
               <a:t>&lt;#&gt;</a:t>
             </a:fld>
           </a:p>
@@ -2076,7 +2076,7 @@
         <p:spPr>
           <a:xfrm>
             <a:off x="457200" y="68040"/>
-            <a:ext cx="8227440" cy="625320"/>
+            <a:ext cx="8227080" cy="625320"/>
           </a:xfrm>
           <a:prstGeom prst="rect">
             <a:avLst/>
@@ -2236,7 +2236,7 @@
         <p:txBody>
           <a:bodyPr/>
           <a:p>
-            <a:fld id="{9156D73B-DF8E-471D-9E0D-31BC90206543}" type="slidenum">
+            <a:fld id="{117DB14D-E5C6-4146-B8BC-7AEFC65C8C5C}" type="slidenum">
               <a:t>&lt;#&gt;</a:t>
             </a:fld>
           </a:p>
@@ -2305,7 +2305,7 @@
         <p:spPr>
           <a:xfrm>
             <a:off x="457200" y="68040"/>
-            <a:ext cx="8227440" cy="624960"/>
+            <a:ext cx="8227080" cy="624960"/>
           </a:xfrm>
           <a:prstGeom prst="rect">
             <a:avLst/>
@@ -2345,7 +2345,7 @@
         <p:spPr>
           <a:xfrm>
             <a:off x="3124080" y="6245280"/>
-            <a:ext cx="2893320" cy="474120"/>
+            <a:ext cx="2892960" cy="473760"/>
           </a:xfrm>
           <a:prstGeom prst="rect">
             <a:avLst/>
@@ -2402,7 +2402,7 @@
         <p:spPr>
           <a:xfrm>
             <a:off x="6553080" y="6245280"/>
-            <a:ext cx="2131560" cy="474120"/>
+            <a:ext cx="2131200" cy="473760"/>
           </a:xfrm>
           <a:prstGeom prst="rect">
             <a:avLst/>
@@ -2437,7 +2437,7 @@
               </a:lnSpc>
               <a:buNone/>
             </a:pPr>
-            <a:fld id="{CF176663-1378-4723-8E7F-41B33EB98F34}" type="slidenum">
+            <a:fld id="{560AD785-C97F-449C-BC1A-3E5728D83D0C}" type="slidenum">
               <a:rPr b="0" lang="en-US" sz="1400" spc="-1" strike="noStrike">
                 <a:solidFill>
                   <a:srgbClr val="000000"/>
@@ -2465,7 +2465,7 @@
         <p:spPr>
           <a:xfrm>
             <a:off x="457200" y="6245280"/>
-            <a:ext cx="2131560" cy="474120"/>
+            <a:ext cx="2131200" cy="473760"/>
           </a:xfrm>
           <a:prstGeom prst="rect">
             <a:avLst/>
@@ -2732,7 +2732,7 @@
         <p:spPr>
           <a:xfrm>
             <a:off x="457200" y="152280"/>
-            <a:ext cx="8227440" cy="455040"/>
+            <a:ext cx="8227080" cy="454680"/>
           </a:xfrm>
           <a:prstGeom prst="rect">
             <a:avLst/>
@@ -3000,7 +3000,7 @@
         <p:spPr>
           <a:xfrm>
             <a:off x="2882160" y="3685680"/>
-            <a:ext cx="458640" cy="1111680"/>
+            <a:ext cx="458280" cy="1111320"/>
           </a:xfrm>
           <a:prstGeom prst="rightArrow">
             <a:avLst>
@@ -3042,7 +3042,7 @@
         <p:spPr>
           <a:xfrm>
             <a:off x="5916240" y="3666240"/>
-            <a:ext cx="458640" cy="1111680"/>
+            <a:ext cx="458280" cy="1111320"/>
           </a:xfrm>
           <a:prstGeom prst="rightArrow">
             <a:avLst>
@@ -3084,7 +3084,7 @@
         <p:spPr>
           <a:xfrm>
             <a:off x="403920" y="932760"/>
-            <a:ext cx="8487720" cy="1111680"/>
+            <a:ext cx="8487360" cy="1111320"/>
           </a:xfrm>
           <a:prstGeom prst="rect">
             <a:avLst/>
@@ -3246,7 +3246,7 @@
         <p:spPr>
           <a:xfrm>
             <a:off x="403920" y="2430360"/>
-            <a:ext cx="2399400" cy="3300840"/>
+            <a:ext cx="2399040" cy="3300480"/>
           </a:xfrm>
           <a:prstGeom prst="rect">
             <a:avLst/>
@@ -3317,6 +3317,21 @@
               <a:buFont typeface="Arial"/>
               <a:buChar char="•"/>
             </a:pPr>
+            <a:endParaRPr b="0" lang="en-US" sz="1000" spc="-1" strike="noStrike">
+              <a:latin typeface="Arial"/>
+            </a:endParaRPr>
+          </a:p>
+          <a:p>
+            <a:pPr marL="171360" indent="-171360">
+              <a:lnSpc>
+                <a:spcPct val="100000"/>
+              </a:lnSpc>
+              <a:buClr>
+                <a:srgbClr val="000000"/>
+              </a:buClr>
+              <a:buFont typeface="Arial"/>
+              <a:buChar char="•"/>
+            </a:pPr>
             <a:r>
               <a:rPr b="0" lang="en-US" sz="1000" spc="-1" strike="noStrike">
                 <a:solidFill>
@@ -3325,22 +3340,23 @@
                 <a:latin typeface="Calibri"/>
                 <a:ea typeface="DejaVu Sans"/>
               </a:rPr>
-              <a:t> </a:t>
+              <a:t>Housing</a:t>
             </a:r>
             <a:endParaRPr b="0" lang="en-US" sz="1000" spc="-1" strike="noStrike">
               <a:latin typeface="Arial"/>
             </a:endParaRPr>
           </a:p>
           <a:p>
-            <a:pPr marL="171360" indent="-171360">
+            <a:pPr lvl="1" marL="432000" indent="-216000">
               <a:lnSpc>
                 <a:spcPct val="100000"/>
               </a:lnSpc>
               <a:buClr>
                 <a:srgbClr val="000000"/>
               </a:buClr>
-              <a:buFont typeface="Arial"/>
-              <a:buChar char="•"/>
+              <a:buSzPct val="45000"/>
+              <a:buFont typeface="Wingdings" charset="2"/>
+              <a:buChar char=""/>
             </a:pPr>
             <a:r>
               <a:rPr b="0" lang="en-US" sz="1000" spc="-1" strike="noStrike">
@@ -3350,7 +3366,7 @@
                 <a:latin typeface="Calibri"/>
                 <a:ea typeface="DejaVu Sans"/>
               </a:rPr>
-              <a:t>Housing</a:t>
+              <a:t>2023 BAH rates</a:t>
             </a:r>
             <a:endParaRPr b="0" lang="en-US" sz="1000" spc="-1" strike="noStrike">
               <a:latin typeface="Arial"/>
@@ -3376,7 +3392,43 @@
                 <a:latin typeface="Calibri"/>
                 <a:ea typeface="DejaVu Sans"/>
               </a:rPr>
-              <a:t>2023 BAH rates</a:t>
+              <a:t>HUD Fair market rent (FMR)</a:t>
+            </a:r>
+            <a:endParaRPr b="0" lang="en-US" sz="1000" spc="-1" strike="noStrike">
+              <a:latin typeface="Arial"/>
+            </a:endParaRPr>
+          </a:p>
+          <a:p>
+            <a:pPr>
+              <a:lnSpc>
+                <a:spcPct val="100000"/>
+              </a:lnSpc>
+              <a:buNone/>
+            </a:pPr>
+            <a:endParaRPr b="0" lang="en-US" sz="1000" spc="-1" strike="noStrike">
+              <a:latin typeface="Arial"/>
+            </a:endParaRPr>
+          </a:p>
+          <a:p>
+            <a:pPr marL="171360" indent="-171360">
+              <a:lnSpc>
+                <a:spcPct val="100000"/>
+              </a:lnSpc>
+              <a:buClr>
+                <a:srgbClr val="000000"/>
+              </a:buClr>
+              <a:buFont typeface="Arial"/>
+              <a:buChar char="•"/>
+            </a:pPr>
+            <a:r>
+              <a:rPr b="0" lang="en-US" sz="1000" spc="-1" strike="noStrike">
+                <a:solidFill>
+                  <a:srgbClr val="000000"/>
+                </a:solidFill>
+                <a:latin typeface="Calibri"/>
+                <a:ea typeface="DejaVu Sans"/>
+              </a:rPr>
+              <a:t>Commute</a:t>
             </a:r>
             <a:endParaRPr b="0" lang="en-US" sz="1000" spc="-1" strike="noStrike">
               <a:latin typeface="Arial"/>
@@ -3402,7 +3454,43 @@
                 <a:latin typeface="Calibri"/>
                 <a:ea typeface="DejaVu Sans"/>
               </a:rPr>
-              <a:t>HUD Fair market rent (FMR)</a:t>
+              <a:t>Walkability</a:t>
+            </a:r>
+            <a:endParaRPr b="0" lang="en-US" sz="1000" spc="-1" strike="noStrike">
+              <a:latin typeface="Arial"/>
+            </a:endParaRPr>
+          </a:p>
+          <a:p>
+            <a:pPr>
+              <a:lnSpc>
+                <a:spcPct val="100000"/>
+              </a:lnSpc>
+              <a:buNone/>
+            </a:pPr>
+            <a:endParaRPr b="0" lang="en-US" sz="1000" spc="-1" strike="noStrike">
+              <a:latin typeface="Arial"/>
+            </a:endParaRPr>
+          </a:p>
+          <a:p>
+            <a:pPr marL="171360" indent="-171360">
+              <a:lnSpc>
+                <a:spcPct val="100000"/>
+              </a:lnSpc>
+              <a:buClr>
+                <a:srgbClr val="000000"/>
+              </a:buClr>
+              <a:buFont typeface="Arial"/>
+              <a:buChar char="•"/>
+            </a:pPr>
+            <a:r>
+              <a:rPr b="0" lang="en-US" sz="1000" spc="-1" strike="noStrike">
+                <a:solidFill>
+                  <a:srgbClr val="000000"/>
+                </a:solidFill>
+                <a:latin typeface="Calibri"/>
+                <a:ea typeface="DejaVu Sans"/>
+              </a:rPr>
+              <a:t>Schools</a:t>
             </a:r>
             <a:endParaRPr b="0" lang="en-US" sz="1000" spc="-1" strike="noStrike">
               <a:latin typeface="Arial"/>
@@ -3420,21 +3508,6 @@
               <a:buFont typeface="Wingdings" charset="2"/>
               <a:buChar char=""/>
             </a:pPr>
-            <a:endParaRPr b="0" lang="en-US" sz="1000" spc="-1" strike="noStrike">
-              <a:latin typeface="Arial"/>
-            </a:endParaRPr>
-          </a:p>
-          <a:p>
-            <a:pPr marL="171360" indent="-171360">
-              <a:lnSpc>
-                <a:spcPct val="100000"/>
-              </a:lnSpc>
-              <a:buClr>
-                <a:srgbClr val="000000"/>
-              </a:buClr>
-              <a:buFont typeface="Arial"/>
-              <a:buChar char="•"/>
-            </a:pPr>
             <a:r>
               <a:rPr b="0" lang="en-US" sz="1000" spc="-1" strike="noStrike">
                 <a:solidFill>
@@ -3443,7 +3516,54 @@
                 <a:latin typeface="Calibri"/>
                 <a:ea typeface="DejaVu Sans"/>
               </a:rPr>
-              <a:t>Commute</a:t>
+              <a:t>Great Schools API</a:t>
+            </a:r>
+            <a:endParaRPr b="0" lang="en-US" sz="1000" spc="-1" strike="noStrike">
+              <a:latin typeface="Arial"/>
+            </a:endParaRPr>
+          </a:p>
+          <a:p>
+            <a:pPr>
+              <a:lnSpc>
+                <a:spcPct val="100000"/>
+              </a:lnSpc>
+              <a:buNone/>
+            </a:pPr>
+            <a:endParaRPr b="0" lang="en-US" sz="1000" spc="-1" strike="noStrike">
+              <a:latin typeface="Arial"/>
+            </a:endParaRPr>
+          </a:p>
+          <a:p>
+            <a:pPr>
+              <a:lnSpc>
+                <a:spcPct val="100000"/>
+              </a:lnSpc>
+              <a:buNone/>
+            </a:pPr>
+            <a:endParaRPr b="0" lang="en-US" sz="1000" spc="-1" strike="noStrike">
+              <a:latin typeface="Arial"/>
+            </a:endParaRPr>
+          </a:p>
+          <a:p>
+            <a:pPr marL="171360" indent="-171360">
+              <a:lnSpc>
+                <a:spcPct val="100000"/>
+              </a:lnSpc>
+              <a:buClr>
+                <a:srgbClr val="000000"/>
+              </a:buClr>
+              <a:buFont typeface="Arial"/>
+              <a:buChar char="•"/>
+            </a:pPr>
+            <a:r>
+              <a:rPr b="0" lang="en-US" sz="1000" spc="-1" strike="noStrike">
+                <a:solidFill>
+                  <a:srgbClr val="000000"/>
+                </a:solidFill>
+                <a:latin typeface="Calibri"/>
+                <a:ea typeface="DejaVu Sans"/>
+              </a:rPr>
+              <a:t>Crime</a:t>
             </a:r>
             <a:endParaRPr b="0" lang="en-US" sz="1000" spc="-1" strike="noStrike">
               <a:latin typeface="Arial"/>
@@ -3469,7 +3589,43 @@
                 <a:latin typeface="Calibri"/>
                 <a:ea typeface="DejaVu Sans"/>
               </a:rPr>
-              <a:t>Walkability</a:t>
+              <a:t>FBI data center</a:t>
+            </a:r>
+            <a:endParaRPr b="0" lang="en-US" sz="1000" spc="-1" strike="noStrike">
+              <a:latin typeface="Arial"/>
+            </a:endParaRPr>
+          </a:p>
+          <a:p>
+            <a:pPr>
+              <a:lnSpc>
+                <a:spcPct val="100000"/>
+              </a:lnSpc>
+              <a:buNone/>
+            </a:pPr>
+            <a:endParaRPr b="0" lang="en-US" sz="1000" spc="-1" strike="noStrike">
+              <a:latin typeface="Arial"/>
+            </a:endParaRPr>
+          </a:p>
+          <a:p>
+            <a:pPr marL="171360" indent="-171360">
+              <a:lnSpc>
+                <a:spcPct val="100000"/>
+              </a:lnSpc>
+              <a:buClr>
+                <a:srgbClr val="000000"/>
+              </a:buClr>
+              <a:buFont typeface="Arial"/>
+              <a:buChar char="•"/>
+            </a:pPr>
+            <a:r>
+              <a:rPr b="0" lang="en-US" sz="1000" spc="-1" strike="noStrike">
+                <a:solidFill>
+                  <a:srgbClr val="000000"/>
+                </a:solidFill>
+                <a:latin typeface="Calibri"/>
+                <a:ea typeface="DejaVu Sans"/>
+              </a:rPr>
+              <a:t>Recreation</a:t>
             </a:r>
             <a:endParaRPr b="0" lang="en-US" sz="1000" spc="-1" strike="noStrike">
               <a:latin typeface="Arial"/>
@@ -3495,33 +3651,23 @@
                 <a:latin typeface="Calibri"/>
                 <a:ea typeface="DejaVu Sans"/>
               </a:rPr>
-              <a:t>Google Directions API</a:t>
+              <a:t>BreweryDB</a:t>
             </a:r>
             <a:endParaRPr b="0" lang="en-US" sz="1000" spc="-1" strike="noStrike">
               <a:latin typeface="Arial"/>
             </a:endParaRPr>
           </a:p>
           <a:p>
-            <a:pPr>
-              <a:lnSpc>
-                <a:spcPct val="100000"/>
-              </a:lnSpc>
-              <a:buNone/>
-            </a:pPr>
-            <a:endParaRPr b="0" lang="en-US" sz="1000" spc="-1" strike="noStrike">
-              <a:latin typeface="Arial"/>
-            </a:endParaRPr>
-          </a:p>
-          <a:p>
-            <a:pPr marL="171360" indent="-171360">
+            <a:pPr lvl="1" marL="432000" indent="-216000">
               <a:lnSpc>
                 <a:spcPct val="100000"/>
               </a:lnSpc>
               <a:buClr>
                 <a:srgbClr val="000000"/>
               </a:buClr>
-              <a:buFont typeface="Arial"/>
-              <a:buChar char="•"/>
+              <a:buSzPct val="45000"/>
+              <a:buFont typeface="Wingdings" charset="2"/>
+              <a:buChar char=""/>
             </a:pPr>
             <a:r>
               <a:rPr b="0" lang="en-US" sz="1000" spc="-1" strike="noStrike">
@@ -3531,198 +3677,6 @@
                 <a:latin typeface="Calibri"/>
                 <a:ea typeface="DejaVu Sans"/>
               </a:rPr>
-              <a:t>Schools</a:t>
-            </a:r>
-            <a:endParaRPr b="0" lang="en-US" sz="1000" spc="-1" strike="noStrike">
-              <a:latin typeface="Arial"/>
-            </a:endParaRPr>
-          </a:p>
-          <a:p>
-            <a:pPr lvl="1" marL="432000" indent="-216000">
-              <a:lnSpc>
-                <a:spcPct val="100000"/>
-              </a:lnSpc>
-              <a:buClr>
-                <a:srgbClr val="000000"/>
-              </a:buClr>
-              <a:buSzPct val="45000"/>
-              <a:buFont typeface="Wingdings" charset="2"/>
-              <a:buChar char=""/>
-            </a:pPr>
-            <a:r>
-              <a:rPr b="0" lang="en-US" sz="1000" spc="-1" strike="noStrike">
-                <a:solidFill>
-                  <a:srgbClr val="000000"/>
-                </a:solidFill>
-                <a:latin typeface="Calibri"/>
-                <a:ea typeface="DejaVu Sans"/>
-              </a:rPr>
-              <a:t>Great Schools API</a:t>
-            </a:r>
-            <a:endParaRPr b="0" lang="en-US" sz="1000" spc="-1" strike="noStrike">
-              <a:latin typeface="Arial"/>
-            </a:endParaRPr>
-          </a:p>
-          <a:p>
-            <a:pPr>
-              <a:lnSpc>
-                <a:spcPct val="100000"/>
-              </a:lnSpc>
-              <a:buNone/>
-            </a:pPr>
-            <a:endParaRPr b="0" lang="en-US" sz="1000" spc="-1" strike="noStrike">
-              <a:latin typeface="Arial"/>
-            </a:endParaRPr>
-          </a:p>
-          <a:p>
-            <a:pPr>
-              <a:lnSpc>
-                <a:spcPct val="100000"/>
-              </a:lnSpc>
-              <a:buNone/>
-            </a:pPr>
-            <a:endParaRPr b="0" lang="en-US" sz="1000" spc="-1" strike="noStrike">
-              <a:latin typeface="Arial"/>
-            </a:endParaRPr>
-          </a:p>
-          <a:p>
-            <a:pPr marL="171360" indent="-171360">
-              <a:lnSpc>
-                <a:spcPct val="100000"/>
-              </a:lnSpc>
-              <a:buClr>
-                <a:srgbClr val="000000"/>
-              </a:buClr>
-              <a:buFont typeface="Arial"/>
-              <a:buChar char="•"/>
-            </a:pPr>
-            <a:r>
-              <a:rPr b="0" lang="en-US" sz="1000" spc="-1" strike="noStrike">
-                <a:solidFill>
-                  <a:srgbClr val="000000"/>
-                </a:solidFill>
-                <a:latin typeface="Calibri"/>
-                <a:ea typeface="DejaVu Sans"/>
-              </a:rPr>
-              <a:t>Crime</a:t>
-            </a:r>
-            <a:endParaRPr b="0" lang="en-US" sz="1000" spc="-1" strike="noStrike">
-              <a:latin typeface="Arial"/>
-            </a:endParaRPr>
-          </a:p>
-          <a:p>
-            <a:pPr lvl="1" marL="432000" indent="-216000">
-              <a:lnSpc>
-                <a:spcPct val="100000"/>
-              </a:lnSpc>
-              <a:buClr>
-                <a:srgbClr val="000000"/>
-              </a:buClr>
-              <a:buSzPct val="45000"/>
-              <a:buFont typeface="Wingdings" charset="2"/>
-              <a:buChar char=""/>
-            </a:pPr>
-            <a:r>
-              <a:rPr b="0" lang="en-US" sz="1000" spc="-1" strike="noStrike">
-                <a:solidFill>
-                  <a:srgbClr val="000000"/>
-                </a:solidFill>
-                <a:latin typeface="Calibri"/>
-                <a:ea typeface="DejaVu Sans"/>
-              </a:rPr>
-              <a:t>FBI data center</a:t>
-            </a:r>
-            <a:endParaRPr b="0" lang="en-US" sz="1000" spc="-1" strike="noStrike">
-              <a:latin typeface="Arial"/>
-            </a:endParaRPr>
-          </a:p>
-          <a:p>
-            <a:pPr lvl="1" marL="432000" indent="-216000">
-              <a:lnSpc>
-                <a:spcPct val="100000"/>
-              </a:lnSpc>
-              <a:buClr>
-                <a:srgbClr val="000000"/>
-              </a:buClr>
-              <a:buSzPct val="45000"/>
-              <a:buFont typeface="Wingdings" charset="2"/>
-              <a:buChar char=""/>
-            </a:pPr>
-            <a:endParaRPr b="0" lang="en-US" sz="1000" spc="-1" strike="noStrike">
-              <a:latin typeface="Arial"/>
-            </a:endParaRPr>
-          </a:p>
-          <a:p>
-            <a:pPr marL="171360" indent="-171360">
-              <a:lnSpc>
-                <a:spcPct val="100000"/>
-              </a:lnSpc>
-              <a:buClr>
-                <a:srgbClr val="000000"/>
-              </a:buClr>
-              <a:buFont typeface="Arial"/>
-              <a:buChar char="•"/>
-            </a:pPr>
-            <a:r>
-              <a:rPr b="0" lang="en-US" sz="1000" spc="-1" strike="noStrike">
-                <a:solidFill>
-                  <a:srgbClr val="000000"/>
-                </a:solidFill>
-                <a:latin typeface="Calibri"/>
-                <a:ea typeface="DejaVu Sans"/>
-              </a:rPr>
-              <a:t>Recreation</a:t>
-            </a:r>
-            <a:endParaRPr b="0" lang="en-US" sz="1000" spc="-1" strike="noStrike">
-              <a:latin typeface="Arial"/>
-            </a:endParaRPr>
-          </a:p>
-          <a:p>
-            <a:pPr lvl="1" marL="432000" indent="-216000">
-              <a:lnSpc>
-                <a:spcPct val="100000"/>
-              </a:lnSpc>
-              <a:buClr>
-                <a:srgbClr val="000000"/>
-              </a:buClr>
-              <a:buSzPct val="45000"/>
-              <a:buFont typeface="Wingdings" charset="2"/>
-              <a:buChar char=""/>
-            </a:pPr>
-            <a:r>
-              <a:rPr b="0" lang="en-US" sz="1000" spc="-1" strike="noStrike">
-                <a:solidFill>
-                  <a:srgbClr val="000000"/>
-                </a:solidFill>
-                <a:latin typeface="Calibri"/>
-                <a:ea typeface="DejaVu Sans"/>
-              </a:rPr>
-              <a:t>BreweryDB</a:t>
-            </a:r>
-            <a:endParaRPr b="0" lang="en-US" sz="1000" spc="-1" strike="noStrike">
-              <a:latin typeface="Arial"/>
-            </a:endParaRPr>
-          </a:p>
-          <a:p>
-            <a:pPr lvl="1" marL="432000" indent="-216000">
-              <a:lnSpc>
-                <a:spcPct val="100000"/>
-              </a:lnSpc>
-              <a:buClr>
-                <a:srgbClr val="000000"/>
-              </a:buClr>
-              <a:buSzPct val="45000"/>
-              <a:buFont typeface="Wingdings" charset="2"/>
-              <a:buChar char=""/>
-            </a:pPr>
-            <a:r>
-              <a:rPr b="0" lang="en-US" sz="1000" spc="-1" strike="noStrike">
-                <a:solidFill>
-                  <a:srgbClr val="000000"/>
-                </a:solidFill>
-                <a:latin typeface="Calibri"/>
-                <a:ea typeface="DejaVu Sans"/>
-              </a:rPr>
               <a:t>openstreetmap</a:t>
             </a:r>
             <a:endParaRPr b="0" lang="en-US" sz="1000" spc="-1" strike="noStrike">
@@ -3740,7 +3694,7 @@
         <p:spPr>
           <a:xfrm>
             <a:off x="3346920" y="2430360"/>
-            <a:ext cx="2563920" cy="3300840"/>
+            <a:ext cx="2563560" cy="3300480"/>
           </a:xfrm>
           <a:prstGeom prst="rect">
             <a:avLst/>
@@ -3776,15 +3730,11 @@
             <a:noAutofit/>
           </a:bodyPr>
           <a:p>
-            <a:pPr marL="171360" indent="-171360">
-              <a:lnSpc>
-                <a:spcPct val="100000"/>
-              </a:lnSpc>
-              <a:buClr>
-                <a:srgbClr val="000000"/>
-              </a:buClr>
-              <a:buFont typeface="Arial"/>
-              <a:buChar char="•"/>
+            <a:pPr>
+              <a:lnSpc>
+                <a:spcPct val="100000"/>
+              </a:lnSpc>
+              <a:buNone/>
             </a:pPr>
             <a:r>
               <a:rPr b="0" lang="en-US" sz="1000" spc="-1" strike="noStrike">
@@ -3801,15 +3751,11 @@
             </a:endParaRPr>
           </a:p>
           <a:p>
-            <a:pPr marL="171360" indent="-171360">
-              <a:lnSpc>
-                <a:spcPct val="100000"/>
-              </a:lnSpc>
-              <a:buClr>
-                <a:srgbClr val="000000"/>
-              </a:buClr>
-              <a:buFont typeface="Arial"/>
-              <a:buChar char="•"/>
+            <a:pPr>
+              <a:lnSpc>
+                <a:spcPct val="100000"/>
+              </a:lnSpc>
+              <a:buNone/>
             </a:pPr>
             <a:endParaRPr b="0" lang="en-US" sz="1000" spc="-1" strike="noStrike">
               <a:latin typeface="Arial"/>
@@ -3859,8 +3805,34 @@
                 <a:latin typeface="Calibri"/>
                 <a:ea typeface="DejaVu Sans"/>
               </a:rPr>
-              <a:t> </a:t>
-            </a:r>
+              <a:t>Compare BAH rate to FMR/utilities</a:t>
+            </a:r>
+            <a:endParaRPr b="0" lang="en-US" sz="1000" spc="-1" strike="noStrike">
+              <a:latin typeface="Arial"/>
+            </a:endParaRPr>
+          </a:p>
+          <a:p>
+            <a:pPr>
+              <a:lnSpc>
+                <a:spcPct val="100000"/>
+              </a:lnSpc>
+              <a:buNone/>
+            </a:pPr>
+            <a:endParaRPr b="0" lang="en-US" sz="1000" spc="-1" strike="noStrike">
+              <a:latin typeface="Arial"/>
+            </a:endParaRPr>
+          </a:p>
+          <a:p>
+            <a:pPr marL="171360" indent="-171360">
+              <a:lnSpc>
+                <a:spcPct val="100000"/>
+              </a:lnSpc>
+              <a:buClr>
+                <a:srgbClr val="000000"/>
+              </a:buClr>
+              <a:buFont typeface="Arial"/>
+              <a:buChar char="•"/>
+            </a:pPr>
             <a:r>
               <a:rPr b="0" lang="en-US" sz="1000" spc="-1" strike="noStrike">
                 <a:solidFill>
@@ -3869,7 +3841,7 @@
                 <a:latin typeface="Calibri"/>
                 <a:ea typeface="DejaVu Sans"/>
               </a:rPr>
-              <a:t>Compare BAH rate to FMR/utilities</a:t>
+              <a:t>Generate walkability score for each block group</a:t>
             </a:r>
             <a:endParaRPr b="0" lang="en-US" sz="1000" spc="-1" strike="noStrike">
               <a:latin typeface="Arial"/>
@@ -3905,7 +3877,7 @@
                 <a:latin typeface="Calibri"/>
                 <a:ea typeface="DejaVu Sans"/>
               </a:rPr>
-              <a:t>Combine walkability score with predicted commute times from google’s directions API</a:t>
+              <a:t>Generate weighted sum of school ratings by a factor of distance</a:t>
             </a:r>
             <a:endParaRPr b="0" lang="en-US" sz="1000" spc="-1" strike="noStrike">
               <a:latin typeface="Arial"/>
@@ -3941,7 +3913,7 @@
                 <a:latin typeface="Calibri"/>
                 <a:ea typeface="DejaVu Sans"/>
               </a:rPr>
-              <a:t>Generate weighted sum of school ratings by a factor of distance</a:t>
+              <a:t>Reference zip code’s crime grade</a:t>
             </a:r>
             <a:endParaRPr b="0" lang="en-US" sz="1000" spc="-1" strike="noStrike">
               <a:latin typeface="Arial"/>
@@ -3977,22 +3949,18 @@
                 <a:latin typeface="Calibri"/>
                 <a:ea typeface="DejaVu Sans"/>
               </a:rPr>
-              <a:t>Reference zip code’s crime grade</a:t>
+              <a:t>Number of breweries within x distance</a:t>
             </a:r>
             <a:endParaRPr b="0" lang="en-US" sz="1000" spc="-1" strike="noStrike">
               <a:latin typeface="Arial"/>
             </a:endParaRPr>
           </a:p>
           <a:p>
-            <a:pPr marL="171360" indent="-171360">
-              <a:lnSpc>
-                <a:spcPct val="100000"/>
-              </a:lnSpc>
-              <a:buClr>
-                <a:srgbClr val="000000"/>
-              </a:buClr>
-              <a:buFont typeface="Arial"/>
-              <a:buChar char="•"/>
+            <a:pPr>
+              <a:lnSpc>
+                <a:spcPct val="100000"/>
+              </a:lnSpc>
+              <a:buNone/>
             </a:pPr>
             <a:endParaRPr b="0" lang="en-US" sz="1000" spc="-1" strike="noStrike">
               <a:latin typeface="Arial"/>
@@ -4017,42 +3985,6 @@
                 <a:latin typeface="Calibri"/>
                 <a:ea typeface="DejaVu Sans"/>
               </a:rPr>
-              <a:t>Number of breweries within x distance</a:t>
-            </a:r>
-            <a:endParaRPr b="0" lang="en-US" sz="1000" spc="-1" strike="noStrike">
-              <a:latin typeface="Arial"/>
-            </a:endParaRPr>
-          </a:p>
-          <a:p>
-            <a:pPr>
-              <a:lnSpc>
-                <a:spcPct val="100000"/>
-              </a:lnSpc>
-              <a:buNone/>
-            </a:pPr>
-            <a:endParaRPr b="0" lang="en-US" sz="1000" spc="-1" strike="noStrike">
-              <a:latin typeface="Arial"/>
-            </a:endParaRPr>
-          </a:p>
-          <a:p>
-            <a:pPr marL="171360" indent="-171360">
-              <a:lnSpc>
-                <a:spcPct val="100000"/>
-              </a:lnSpc>
-              <a:buClr>
-                <a:srgbClr val="000000"/>
-              </a:buClr>
-              <a:buFont typeface="Arial"/>
-              <a:buChar char="•"/>
-            </a:pPr>
-            <a:r>
-              <a:rPr b="0" lang="en-US" sz="1000" spc="-1" strike="noStrike">
-                <a:solidFill>
-                  <a:srgbClr val="000000"/>
-                </a:solidFill>
-                <a:latin typeface="Calibri"/>
-                <a:ea typeface="DejaVu Sans"/>
-              </a:rPr>
               <a:t>Coordination/collaboration conducted via GitHub repository</a:t>
             </a:r>
             <a:endParaRPr b="0" lang="en-US" sz="1000" spc="-1" strike="noStrike">
@@ -4070,7 +4002,7 @@
         <p:spPr>
           <a:xfrm>
             <a:off x="6492240" y="2421720"/>
-            <a:ext cx="2399400" cy="3300840"/>
+            <a:ext cx="2399040" cy="3300480"/>
           </a:xfrm>
           <a:prstGeom prst="rect">
             <a:avLst/>
@@ -4233,15 +4165,11 @@
             </a:endParaRPr>
           </a:p>
           <a:p>
-            <a:pPr marL="171360" indent="-171360">
-              <a:lnSpc>
-                <a:spcPct val="100000"/>
-              </a:lnSpc>
-              <a:buClr>
-                <a:srgbClr val="000000"/>
-              </a:buClr>
-              <a:buFont typeface="Arial"/>
-              <a:buChar char="•"/>
+            <a:pPr>
+              <a:lnSpc>
+                <a:spcPct val="100000"/>
+              </a:lnSpc>
+              <a:buNone/>
             </a:pPr>
             <a:endParaRPr b="0" lang="en-US" sz="1000" spc="-1" strike="noStrike">
               <a:latin typeface="Arial"/>
@@ -4283,7 +4211,7 @@
         <p:spPr>
           <a:xfrm>
             <a:off x="193680" y="6051960"/>
-            <a:ext cx="8793720" cy="623880"/>
+            <a:ext cx="8793360" cy="623520"/>
           </a:xfrm>
           <a:prstGeom prst="rect">
             <a:avLst/>
